--- a/Patterns/docs/Factory Method.pptx
+++ b/Patterns/docs/Factory Method.pptx
@@ -9,9 +9,12 @@
     <p:sldId id="257" r:id="rId3"/>
     <p:sldId id="258" r:id="rId4"/>
     <p:sldId id="259" r:id="rId5"/>
-    <p:sldId id="260" r:id="rId6"/>
-    <p:sldId id="261" r:id="rId7"/>
-    <p:sldId id="262" r:id="rId8"/>
+    <p:sldId id="265" r:id="rId6"/>
+    <p:sldId id="260" r:id="rId7"/>
+    <p:sldId id="263" r:id="rId8"/>
+    <p:sldId id="264" r:id="rId9"/>
+    <p:sldId id="261" r:id="rId10"/>
+    <p:sldId id="262" r:id="rId11"/>
   </p:sldIdLst>
   <p:sldSz cx="12192000" cy="6858000"/>
   <p:notesSz cx="6858000" cy="9144000"/>
@@ -249,7 +252,7 @@
           <a:p>
             <a:fld id="{8930E2FF-5471-4429-9B2F-C417631CDB23}" type="datetimeFigureOut">
               <a:rPr lang="en-GB" smtClean="0"/>
-              <a:t>03/07/2014</a:t>
+              <a:t>11/07/2014</a:t>
             </a:fld>
             <a:endParaRPr lang="en-GB"/>
           </a:p>
@@ -419,7 +422,7 @@
           <a:p>
             <a:fld id="{8930E2FF-5471-4429-9B2F-C417631CDB23}" type="datetimeFigureOut">
               <a:rPr lang="en-GB" smtClean="0"/>
-              <a:t>03/07/2014</a:t>
+              <a:t>11/07/2014</a:t>
             </a:fld>
             <a:endParaRPr lang="en-GB"/>
           </a:p>
@@ -599,7 +602,7 @@
           <a:p>
             <a:fld id="{8930E2FF-5471-4429-9B2F-C417631CDB23}" type="datetimeFigureOut">
               <a:rPr lang="en-GB" smtClean="0"/>
-              <a:t>03/07/2014</a:t>
+              <a:t>11/07/2014</a:t>
             </a:fld>
             <a:endParaRPr lang="en-GB"/>
           </a:p>
@@ -769,7 +772,7 @@
           <a:p>
             <a:fld id="{8930E2FF-5471-4429-9B2F-C417631CDB23}" type="datetimeFigureOut">
               <a:rPr lang="en-GB" smtClean="0"/>
-              <a:t>03/07/2014</a:t>
+              <a:t>11/07/2014</a:t>
             </a:fld>
             <a:endParaRPr lang="en-GB"/>
           </a:p>
@@ -1015,7 +1018,7 @@
           <a:p>
             <a:fld id="{8930E2FF-5471-4429-9B2F-C417631CDB23}" type="datetimeFigureOut">
               <a:rPr lang="en-GB" smtClean="0"/>
-              <a:t>03/07/2014</a:t>
+              <a:t>11/07/2014</a:t>
             </a:fld>
             <a:endParaRPr lang="en-GB"/>
           </a:p>
@@ -1247,7 +1250,7 @@
           <a:p>
             <a:fld id="{8930E2FF-5471-4429-9B2F-C417631CDB23}" type="datetimeFigureOut">
               <a:rPr lang="en-GB" smtClean="0"/>
-              <a:t>03/07/2014</a:t>
+              <a:t>11/07/2014</a:t>
             </a:fld>
             <a:endParaRPr lang="en-GB"/>
           </a:p>
@@ -1614,7 +1617,7 @@
           <a:p>
             <a:fld id="{8930E2FF-5471-4429-9B2F-C417631CDB23}" type="datetimeFigureOut">
               <a:rPr lang="en-GB" smtClean="0"/>
-              <a:t>03/07/2014</a:t>
+              <a:t>11/07/2014</a:t>
             </a:fld>
             <a:endParaRPr lang="en-GB"/>
           </a:p>
@@ -1732,7 +1735,7 @@
           <a:p>
             <a:fld id="{8930E2FF-5471-4429-9B2F-C417631CDB23}" type="datetimeFigureOut">
               <a:rPr lang="en-GB" smtClean="0"/>
-              <a:t>03/07/2014</a:t>
+              <a:t>11/07/2014</a:t>
             </a:fld>
             <a:endParaRPr lang="en-GB"/>
           </a:p>
@@ -1827,7 +1830,7 @@
           <a:p>
             <a:fld id="{8930E2FF-5471-4429-9B2F-C417631CDB23}" type="datetimeFigureOut">
               <a:rPr lang="en-GB" smtClean="0"/>
-              <a:t>03/07/2014</a:t>
+              <a:t>11/07/2014</a:t>
             </a:fld>
             <a:endParaRPr lang="en-GB"/>
           </a:p>
@@ -2104,7 +2107,7 @@
           <a:p>
             <a:fld id="{8930E2FF-5471-4429-9B2F-C417631CDB23}" type="datetimeFigureOut">
               <a:rPr lang="en-GB" smtClean="0"/>
-              <a:t>03/07/2014</a:t>
+              <a:t>11/07/2014</a:t>
             </a:fld>
             <a:endParaRPr lang="en-GB"/>
           </a:p>
@@ -2357,7 +2360,7 @@
           <a:p>
             <a:fld id="{8930E2FF-5471-4429-9B2F-C417631CDB23}" type="datetimeFigureOut">
               <a:rPr lang="en-GB" smtClean="0"/>
-              <a:t>03/07/2014</a:t>
+              <a:t>11/07/2014</a:t>
             </a:fld>
             <a:endParaRPr lang="en-GB"/>
           </a:p>
@@ -2570,7 +2573,7 @@
           <a:p>
             <a:fld id="{8930E2FF-5471-4429-9B2F-C417631CDB23}" type="datetimeFigureOut">
               <a:rPr lang="en-GB" smtClean="0"/>
-              <a:t>03/07/2014</a:t>
+              <a:t>11/07/2014</a:t>
             </a:fld>
             <a:endParaRPr lang="en-GB"/>
           </a:p>
@@ -3034,6 +3037,88 @@
 </p:sld>
 </file>
 
+<file path=ppt/slides/slide10.xml><?xml version="1.0" encoding="utf-8"?>
+<p:sld xmlns:a="http://schemas.openxmlformats.org/drawingml/2006/main" xmlns:r="http://schemas.openxmlformats.org/officeDocument/2006/relationships" xmlns:p="http://schemas.openxmlformats.org/presentationml/2006/main">
+  <p:cSld>
+    <p:spTree>
+      <p:nvGrpSpPr>
+        <p:cNvPr id="1" name=""/>
+        <p:cNvGrpSpPr/>
+        <p:nvPr/>
+      </p:nvGrpSpPr>
+      <p:grpSpPr>
+        <a:xfrm>
+          <a:off x="0" y="0"/>
+          <a:ext cx="0" cy="0"/>
+          <a:chOff x="0" y="0"/>
+          <a:chExt cx="0" cy="0"/>
+        </a:xfrm>
+      </p:grpSpPr>
+      <p:sp>
+        <p:nvSpPr>
+          <p:cNvPr id="2" name="Title 1"/>
+          <p:cNvSpPr>
+            <a:spLocks noGrp="1"/>
+          </p:cNvSpPr>
+          <p:nvPr>
+            <p:ph type="title"/>
+          </p:nvPr>
+        </p:nvSpPr>
+        <p:spPr/>
+        <p:txBody>
+          <a:bodyPr/>
+          <a:lstStyle/>
+          <a:p>
+            <a:r>
+              <a:rPr lang="en-GB" dirty="0" smtClean="0"/>
+              <a:t>Differences vs Abstract Factory Pattern</a:t>
+            </a:r>
+            <a:endParaRPr lang="en-GB" dirty="0"/>
+          </a:p>
+        </p:txBody>
+      </p:sp>
+      <p:sp>
+        <p:nvSpPr>
+          <p:cNvPr id="3" name="Content Placeholder 2"/>
+          <p:cNvSpPr>
+            <a:spLocks noGrp="1"/>
+          </p:cNvSpPr>
+          <p:nvPr>
+            <p:ph idx="1"/>
+          </p:nvPr>
+        </p:nvSpPr>
+        <p:spPr/>
+        <p:txBody>
+          <a:bodyPr/>
+          <a:lstStyle/>
+          <a:p>
+            <a:r>
+              <a:rPr lang="en-GB" dirty="0" smtClean="0"/>
+              <a:t>TODO Class vs Object</a:t>
+            </a:r>
+          </a:p>
+          <a:p>
+            <a:r>
+              <a:rPr lang="en-GB" dirty="0" smtClean="0"/>
+              <a:t>TODO Pattern is only one method rather than whole class</a:t>
+            </a:r>
+            <a:endParaRPr lang="en-GB" dirty="0"/>
+          </a:p>
+        </p:txBody>
+      </p:sp>
+    </p:spTree>
+    <p:extLst>
+      <p:ext uri="{BB962C8B-B14F-4D97-AF65-F5344CB8AC3E}">
+        <p14:creationId xmlns:p14="http://schemas.microsoft.com/office/powerpoint/2010/main" val="2491005361"/>
+      </p:ext>
+    </p:extLst>
+  </p:cSld>
+  <p:clrMapOvr>
+    <a:masterClrMapping/>
+  </p:clrMapOvr>
+</p:sld>
+</file>
+
 <file path=ppt/slides/slide2.xml><?xml version="1.0" encoding="utf-8"?>
 <p:sld xmlns:a="http://schemas.openxmlformats.org/drawingml/2006/main" xmlns:r="http://schemas.openxmlformats.org/officeDocument/2006/relationships" xmlns:p="http://schemas.openxmlformats.org/presentationml/2006/main">
   <p:cSld>
@@ -3271,25 +3356,6 @@
           </a:p>
         </p:txBody>
       </p:sp>
-      <p:sp>
-        <p:nvSpPr>
-          <p:cNvPr id="3" name="Content Placeholder 2"/>
-          <p:cNvSpPr>
-            <a:spLocks noGrp="1"/>
-          </p:cNvSpPr>
-          <p:nvPr>
-            <p:ph idx="1"/>
-          </p:nvPr>
-        </p:nvSpPr>
-        <p:spPr/>
-        <p:txBody>
-          <a:bodyPr/>
-          <a:lstStyle/>
-          <a:p>
-            <a:endParaRPr lang="en-GB" dirty="0"/>
-          </a:p>
-        </p:txBody>
-      </p:sp>
     </p:spTree>
     <p:extLst>
       <p:ext uri="{BB962C8B-B14F-4D97-AF65-F5344CB8AC3E}">
@@ -3337,7 +3403,7 @@
           <a:p>
             <a:r>
               <a:rPr lang="en-GB" dirty="0" smtClean="0"/>
-              <a:t>Factory Method Pattern</a:t>
+              <a:t>Simple Static Factory</a:t>
             </a:r>
             <a:endParaRPr lang="en-GB" dirty="0"/>
           </a:p>
@@ -3359,17 +3425,17 @@
           <a:lstStyle/>
           <a:p>
             <a:r>
-              <a:rPr lang="en-GB" dirty="0" smtClean="0"/>
+              <a:rPr lang="en-GB" smtClean="0"/>
               <a:t>TODO UML</a:t>
             </a:r>
-            <a:endParaRPr lang="en-GB" dirty="0"/>
+            <a:endParaRPr lang="en-GB"/>
           </a:p>
         </p:txBody>
       </p:sp>
     </p:spTree>
     <p:extLst>
       <p:ext uri="{BB962C8B-B14F-4D97-AF65-F5344CB8AC3E}">
-        <p14:creationId xmlns:p14="http://schemas.microsoft.com/office/powerpoint/2010/main" val="2409698249"/>
+        <p14:creationId xmlns:p14="http://schemas.microsoft.com/office/powerpoint/2010/main" val="1406060608"/>
       </p:ext>
     </p:extLst>
   </p:cSld>
@@ -3413,7 +3479,7 @@
           <a:p>
             <a:r>
               <a:rPr lang="en-GB" dirty="0" smtClean="0"/>
-              <a:t>Pros and Cons</a:t>
+              <a:t>Factory Method Pattern</a:t>
             </a:r>
             <a:endParaRPr lang="en-GB" dirty="0"/>
           </a:p>
@@ -3436,7 +3502,7 @@
           <a:p>
             <a:r>
               <a:rPr lang="en-GB" dirty="0" smtClean="0"/>
-              <a:t>TODO</a:t>
+              <a:t>TODO UML</a:t>
             </a:r>
             <a:endParaRPr lang="en-GB" dirty="0"/>
           </a:p>
@@ -3445,7 +3511,7 @@
     </p:spTree>
     <p:extLst>
       <p:ext uri="{BB962C8B-B14F-4D97-AF65-F5344CB8AC3E}">
-        <p14:creationId xmlns:p14="http://schemas.microsoft.com/office/powerpoint/2010/main" val="1664738492"/>
+        <p14:creationId xmlns:p14="http://schemas.microsoft.com/office/powerpoint/2010/main" val="2409698249"/>
       </p:ext>
     </p:extLst>
   </p:cSld>
@@ -3489,7 +3555,7 @@
           <a:p>
             <a:r>
               <a:rPr lang="en-GB" dirty="0" smtClean="0"/>
-              <a:t>Differences vs Abstract Factory Pattern</a:t>
+              <a:t>Factory Method Pattern Defined</a:t>
             </a:r>
             <a:endParaRPr lang="en-GB" dirty="0"/>
           </a:p>
@@ -3512,13 +3578,7 @@
           <a:p>
             <a:r>
               <a:rPr lang="en-GB" dirty="0" smtClean="0"/>
-              <a:t>TODO Class vs Object</a:t>
-            </a:r>
-          </a:p>
-          <a:p>
-            <a:r>
-              <a:rPr lang="en-GB" dirty="0" smtClean="0"/>
-              <a:t>TODO Only one method rather than whole</a:t>
+              <a:t>TODO UML</a:t>
             </a:r>
             <a:endParaRPr lang="en-GB" dirty="0"/>
           </a:p>
@@ -3527,7 +3587,155 @@
     </p:spTree>
     <p:extLst>
       <p:ext uri="{BB962C8B-B14F-4D97-AF65-F5344CB8AC3E}">
-        <p14:creationId xmlns:p14="http://schemas.microsoft.com/office/powerpoint/2010/main" val="2491005361"/>
+        <p14:creationId xmlns:p14="http://schemas.microsoft.com/office/powerpoint/2010/main" val="905341878"/>
+      </p:ext>
+    </p:extLst>
+  </p:cSld>
+  <p:clrMapOvr>
+    <a:masterClrMapping/>
+  </p:clrMapOvr>
+</p:sld>
+</file>
+
+<file path=ppt/slides/slide8.xml><?xml version="1.0" encoding="utf-8"?>
+<p:sld xmlns:a="http://schemas.openxmlformats.org/drawingml/2006/main" xmlns:r="http://schemas.openxmlformats.org/officeDocument/2006/relationships" xmlns:p="http://schemas.openxmlformats.org/presentationml/2006/main">
+  <p:cSld>
+    <p:spTree>
+      <p:nvGrpSpPr>
+        <p:cNvPr id="1" name=""/>
+        <p:cNvGrpSpPr/>
+        <p:nvPr/>
+      </p:nvGrpSpPr>
+      <p:grpSpPr>
+        <a:xfrm>
+          <a:off x="0" y="0"/>
+          <a:ext cx="0" cy="0"/>
+          <a:chOff x="0" y="0"/>
+          <a:chExt cx="0" cy="0"/>
+        </a:xfrm>
+      </p:grpSpPr>
+      <p:sp>
+        <p:nvSpPr>
+          <p:cNvPr id="2" name="Title 1"/>
+          <p:cNvSpPr>
+            <a:spLocks noGrp="1"/>
+          </p:cNvSpPr>
+          <p:nvPr>
+            <p:ph type="title"/>
+          </p:nvPr>
+        </p:nvSpPr>
+        <p:spPr/>
+        <p:txBody>
+          <a:bodyPr/>
+          <a:lstStyle/>
+          <a:p>
+            <a:r>
+              <a:rPr lang="en-GB" dirty="0" smtClean="0"/>
+              <a:t>Applicability</a:t>
+            </a:r>
+            <a:endParaRPr lang="en-GB" dirty="0"/>
+          </a:p>
+        </p:txBody>
+      </p:sp>
+      <p:sp>
+        <p:nvSpPr>
+          <p:cNvPr id="3" name="Content Placeholder 2"/>
+          <p:cNvSpPr>
+            <a:spLocks noGrp="1"/>
+          </p:cNvSpPr>
+          <p:nvPr>
+            <p:ph idx="1"/>
+          </p:nvPr>
+        </p:nvSpPr>
+        <p:spPr/>
+        <p:txBody>
+          <a:bodyPr/>
+          <a:lstStyle/>
+          <a:p>
+            <a:endParaRPr lang="en-GB"/>
+          </a:p>
+        </p:txBody>
+      </p:sp>
+    </p:spTree>
+    <p:extLst>
+      <p:ext uri="{BB962C8B-B14F-4D97-AF65-F5344CB8AC3E}">
+        <p14:creationId xmlns:p14="http://schemas.microsoft.com/office/powerpoint/2010/main" val="3173668914"/>
+      </p:ext>
+    </p:extLst>
+  </p:cSld>
+  <p:clrMapOvr>
+    <a:masterClrMapping/>
+  </p:clrMapOvr>
+</p:sld>
+</file>
+
+<file path=ppt/slides/slide9.xml><?xml version="1.0" encoding="utf-8"?>
+<p:sld xmlns:a="http://schemas.openxmlformats.org/drawingml/2006/main" xmlns:r="http://schemas.openxmlformats.org/officeDocument/2006/relationships" xmlns:p="http://schemas.openxmlformats.org/presentationml/2006/main">
+  <p:cSld>
+    <p:spTree>
+      <p:nvGrpSpPr>
+        <p:cNvPr id="1" name=""/>
+        <p:cNvGrpSpPr/>
+        <p:nvPr/>
+      </p:nvGrpSpPr>
+      <p:grpSpPr>
+        <a:xfrm>
+          <a:off x="0" y="0"/>
+          <a:ext cx="0" cy="0"/>
+          <a:chOff x="0" y="0"/>
+          <a:chExt cx="0" cy="0"/>
+        </a:xfrm>
+      </p:grpSpPr>
+      <p:sp>
+        <p:nvSpPr>
+          <p:cNvPr id="2" name="Title 1"/>
+          <p:cNvSpPr>
+            <a:spLocks noGrp="1"/>
+          </p:cNvSpPr>
+          <p:nvPr>
+            <p:ph type="title"/>
+          </p:nvPr>
+        </p:nvSpPr>
+        <p:spPr/>
+        <p:txBody>
+          <a:bodyPr/>
+          <a:lstStyle/>
+          <a:p>
+            <a:r>
+              <a:rPr lang="en-GB" dirty="0" smtClean="0"/>
+              <a:t>Pros and Cons</a:t>
+            </a:r>
+            <a:endParaRPr lang="en-GB" dirty="0"/>
+          </a:p>
+        </p:txBody>
+      </p:sp>
+      <p:sp>
+        <p:nvSpPr>
+          <p:cNvPr id="3" name="Content Placeholder 2"/>
+          <p:cNvSpPr>
+            <a:spLocks noGrp="1"/>
+          </p:cNvSpPr>
+          <p:nvPr>
+            <p:ph idx="1"/>
+          </p:nvPr>
+        </p:nvSpPr>
+        <p:spPr/>
+        <p:txBody>
+          <a:bodyPr/>
+          <a:lstStyle/>
+          <a:p>
+            <a:r>
+              <a:rPr lang="en-GB" dirty="0" smtClean="0"/>
+              <a:t>TODO</a:t>
+            </a:r>
+            <a:endParaRPr lang="en-GB" dirty="0"/>
+          </a:p>
+        </p:txBody>
+      </p:sp>
+    </p:spTree>
+    <p:extLst>
+      <p:ext uri="{BB962C8B-B14F-4D97-AF65-F5344CB8AC3E}">
+        <p14:creationId xmlns:p14="http://schemas.microsoft.com/office/powerpoint/2010/main" val="1664738492"/>
       </p:ext>
     </p:extLst>
   </p:cSld>

--- a/Patterns/docs/Factory Method.pptx
+++ b/Patterns/docs/Factory Method.pptx
@@ -252,7 +252,7 @@
           <a:p>
             <a:fld id="{8930E2FF-5471-4429-9B2F-C417631CDB23}" type="datetimeFigureOut">
               <a:rPr lang="en-GB" smtClean="0"/>
-              <a:t>11/07/2014</a:t>
+              <a:t>12/07/2014</a:t>
             </a:fld>
             <a:endParaRPr lang="en-GB"/>
           </a:p>
@@ -422,7 +422,7 @@
           <a:p>
             <a:fld id="{8930E2FF-5471-4429-9B2F-C417631CDB23}" type="datetimeFigureOut">
               <a:rPr lang="en-GB" smtClean="0"/>
-              <a:t>11/07/2014</a:t>
+              <a:t>12/07/2014</a:t>
             </a:fld>
             <a:endParaRPr lang="en-GB"/>
           </a:p>
@@ -602,7 +602,7 @@
           <a:p>
             <a:fld id="{8930E2FF-5471-4429-9B2F-C417631CDB23}" type="datetimeFigureOut">
               <a:rPr lang="en-GB" smtClean="0"/>
-              <a:t>11/07/2014</a:t>
+              <a:t>12/07/2014</a:t>
             </a:fld>
             <a:endParaRPr lang="en-GB"/>
           </a:p>
@@ -772,7 +772,7 @@
           <a:p>
             <a:fld id="{8930E2FF-5471-4429-9B2F-C417631CDB23}" type="datetimeFigureOut">
               <a:rPr lang="en-GB" smtClean="0"/>
-              <a:t>11/07/2014</a:t>
+              <a:t>12/07/2014</a:t>
             </a:fld>
             <a:endParaRPr lang="en-GB"/>
           </a:p>
@@ -1018,7 +1018,7 @@
           <a:p>
             <a:fld id="{8930E2FF-5471-4429-9B2F-C417631CDB23}" type="datetimeFigureOut">
               <a:rPr lang="en-GB" smtClean="0"/>
-              <a:t>11/07/2014</a:t>
+              <a:t>12/07/2014</a:t>
             </a:fld>
             <a:endParaRPr lang="en-GB"/>
           </a:p>
@@ -1250,7 +1250,7 @@
           <a:p>
             <a:fld id="{8930E2FF-5471-4429-9B2F-C417631CDB23}" type="datetimeFigureOut">
               <a:rPr lang="en-GB" smtClean="0"/>
-              <a:t>11/07/2014</a:t>
+              <a:t>12/07/2014</a:t>
             </a:fld>
             <a:endParaRPr lang="en-GB"/>
           </a:p>
@@ -1617,7 +1617,7 @@
           <a:p>
             <a:fld id="{8930E2FF-5471-4429-9B2F-C417631CDB23}" type="datetimeFigureOut">
               <a:rPr lang="en-GB" smtClean="0"/>
-              <a:t>11/07/2014</a:t>
+              <a:t>12/07/2014</a:t>
             </a:fld>
             <a:endParaRPr lang="en-GB"/>
           </a:p>
@@ -1735,7 +1735,7 @@
           <a:p>
             <a:fld id="{8930E2FF-5471-4429-9B2F-C417631CDB23}" type="datetimeFigureOut">
               <a:rPr lang="en-GB" smtClean="0"/>
-              <a:t>11/07/2014</a:t>
+              <a:t>12/07/2014</a:t>
             </a:fld>
             <a:endParaRPr lang="en-GB"/>
           </a:p>
@@ -1830,7 +1830,7 @@
           <a:p>
             <a:fld id="{8930E2FF-5471-4429-9B2F-C417631CDB23}" type="datetimeFigureOut">
               <a:rPr lang="en-GB" smtClean="0"/>
-              <a:t>11/07/2014</a:t>
+              <a:t>12/07/2014</a:t>
             </a:fld>
             <a:endParaRPr lang="en-GB"/>
           </a:p>
@@ -2107,7 +2107,7 @@
           <a:p>
             <a:fld id="{8930E2FF-5471-4429-9B2F-C417631CDB23}" type="datetimeFigureOut">
               <a:rPr lang="en-GB" smtClean="0"/>
-              <a:t>11/07/2014</a:t>
+              <a:t>12/07/2014</a:t>
             </a:fld>
             <a:endParaRPr lang="en-GB"/>
           </a:p>
@@ -2360,7 +2360,7 @@
           <a:p>
             <a:fld id="{8930E2FF-5471-4429-9B2F-C417631CDB23}" type="datetimeFigureOut">
               <a:rPr lang="en-GB" smtClean="0"/>
-              <a:t>11/07/2014</a:t>
+              <a:t>12/07/2014</a:t>
             </a:fld>
             <a:endParaRPr lang="en-GB"/>
           </a:p>
@@ -2573,7 +2573,7 @@
           <a:p>
             <a:fld id="{8930E2FF-5471-4429-9B2F-C417631CDB23}" type="datetimeFigureOut">
               <a:rPr lang="en-GB" smtClean="0"/>
-              <a:t>11/07/2014</a:t>
+              <a:t>12/07/2014</a:t>
             </a:fld>
             <a:endParaRPr lang="en-GB"/>
           </a:p>
@@ -3479,7 +3479,11 @@
           <a:p>
             <a:r>
               <a:rPr lang="en-GB" dirty="0" smtClean="0"/>
-              <a:t>Factory Method Pattern</a:t>
+              <a:t>Factory Method </a:t>
+            </a:r>
+            <a:r>
+              <a:rPr lang="en-GB" dirty="0" smtClean="0"/>
+              <a:t>Pattern Example</a:t>
             </a:r>
             <a:endParaRPr lang="en-GB" dirty="0"/>
           </a:p>

--- a/Patterns/docs/Factory Method.pptx
+++ b/Patterns/docs/Factory Method.pptx
@@ -4,14 +4,19 @@
   <p:sldMasterIdLst>
     <p:sldMasterId id="2147483648" r:id="rId1"/>
   </p:sldMasterIdLst>
+  <p:notesMasterIdLst>
+    <p:notesMasterId r:id="rId11"/>
+  </p:notesMasterIdLst>
   <p:sldIdLst>
     <p:sldId id="256" r:id="rId2"/>
     <p:sldId id="257" r:id="rId3"/>
     <p:sldId id="258" r:id="rId4"/>
     <p:sldId id="259" r:id="rId5"/>
     <p:sldId id="260" r:id="rId6"/>
-    <p:sldId id="261" r:id="rId7"/>
-    <p:sldId id="262" r:id="rId8"/>
+    <p:sldId id="264" r:id="rId7"/>
+    <p:sldId id="265" r:id="rId8"/>
+    <p:sldId id="261" r:id="rId9"/>
+    <p:sldId id="262" r:id="rId10"/>
   </p:sldIdLst>
   <p:sldSz cx="12192000" cy="6858000"/>
   <p:notesSz cx="6858000" cy="9144000"/>
@@ -118,6 +123,481 @@
 </p:presentation>
 </file>
 
+<file path=ppt/notesMasters/notesMaster1.xml><?xml version="1.0" encoding="utf-8"?>
+<p:notesMaster xmlns:a="http://schemas.openxmlformats.org/drawingml/2006/main" xmlns:r="http://schemas.openxmlformats.org/officeDocument/2006/relationships" xmlns:p="http://schemas.openxmlformats.org/presentationml/2006/main">
+  <p:cSld>
+    <p:bg>
+      <p:bgRef idx="1001">
+        <a:schemeClr val="bg1"/>
+      </p:bgRef>
+    </p:bg>
+    <p:spTree>
+      <p:nvGrpSpPr>
+        <p:cNvPr id="1" name=""/>
+        <p:cNvGrpSpPr/>
+        <p:nvPr/>
+      </p:nvGrpSpPr>
+      <p:grpSpPr>
+        <a:xfrm>
+          <a:off x="0" y="0"/>
+          <a:ext cx="0" cy="0"/>
+          <a:chOff x="0" y="0"/>
+          <a:chExt cx="0" cy="0"/>
+        </a:xfrm>
+      </p:grpSpPr>
+      <p:sp>
+        <p:nvSpPr>
+          <p:cNvPr id="2" name="Header Placeholder 1"/>
+          <p:cNvSpPr>
+            <a:spLocks noGrp="1"/>
+          </p:cNvSpPr>
+          <p:nvPr>
+            <p:ph type="hdr" sz="quarter"/>
+          </p:nvPr>
+        </p:nvSpPr>
+        <p:spPr>
+          <a:xfrm>
+            <a:off x="0" y="0"/>
+            <a:ext cx="2971800" cy="458788"/>
+          </a:xfrm>
+          <a:prstGeom prst="rect">
+            <a:avLst/>
+          </a:prstGeom>
+        </p:spPr>
+        <p:txBody>
+          <a:bodyPr vert="horz" lIns="91440" tIns="45720" rIns="91440" bIns="45720" rtlCol="0"/>
+          <a:lstStyle>
+            <a:lvl1pPr algn="l">
+              <a:defRPr sz="1200"/>
+            </a:lvl1pPr>
+          </a:lstStyle>
+          <a:p>
+            <a:endParaRPr lang="en-GB"/>
+          </a:p>
+        </p:txBody>
+      </p:sp>
+      <p:sp>
+        <p:nvSpPr>
+          <p:cNvPr id="3" name="Date Placeholder 2"/>
+          <p:cNvSpPr>
+            <a:spLocks noGrp="1"/>
+          </p:cNvSpPr>
+          <p:nvPr>
+            <p:ph type="dt" idx="1"/>
+          </p:nvPr>
+        </p:nvSpPr>
+        <p:spPr>
+          <a:xfrm>
+            <a:off x="3884613" y="0"/>
+            <a:ext cx="2971800" cy="458788"/>
+          </a:xfrm>
+          <a:prstGeom prst="rect">
+            <a:avLst/>
+          </a:prstGeom>
+        </p:spPr>
+        <p:txBody>
+          <a:bodyPr vert="horz" lIns="91440" tIns="45720" rIns="91440" bIns="45720" rtlCol="0"/>
+          <a:lstStyle>
+            <a:lvl1pPr algn="r">
+              <a:defRPr sz="1200"/>
+            </a:lvl1pPr>
+          </a:lstStyle>
+          <a:p>
+            <a:fld id="{3719A91D-C916-4BC3-8AC6-4EE67F652176}" type="datetimeFigureOut">
+              <a:rPr lang="en-GB" smtClean="0"/>
+              <a:t>13/07/2014</a:t>
+            </a:fld>
+            <a:endParaRPr lang="en-GB"/>
+          </a:p>
+        </p:txBody>
+      </p:sp>
+      <p:sp>
+        <p:nvSpPr>
+          <p:cNvPr id="4" name="Slide Image Placeholder 3"/>
+          <p:cNvSpPr>
+            <a:spLocks noGrp="1" noRot="1" noChangeAspect="1"/>
+          </p:cNvSpPr>
+          <p:nvPr>
+            <p:ph type="sldImg" idx="2"/>
+          </p:nvPr>
+        </p:nvSpPr>
+        <p:spPr>
+          <a:xfrm>
+            <a:off x="685800" y="1143000"/>
+            <a:ext cx="5486400" cy="3086100"/>
+          </a:xfrm>
+          <a:prstGeom prst="rect">
+            <a:avLst/>
+          </a:prstGeom>
+          <a:noFill/>
+          <a:ln w="12700">
+            <a:solidFill>
+              <a:prstClr val="black"/>
+            </a:solidFill>
+          </a:ln>
+        </p:spPr>
+        <p:txBody>
+          <a:bodyPr vert="horz" lIns="91440" tIns="45720" rIns="91440" bIns="45720" rtlCol="0" anchor="ctr"/>
+          <a:lstStyle/>
+          <a:p>
+            <a:endParaRPr lang="en-GB"/>
+          </a:p>
+        </p:txBody>
+      </p:sp>
+      <p:sp>
+        <p:nvSpPr>
+          <p:cNvPr id="5" name="Notes Placeholder 4"/>
+          <p:cNvSpPr>
+            <a:spLocks noGrp="1"/>
+          </p:cNvSpPr>
+          <p:nvPr>
+            <p:ph type="body" sz="quarter" idx="3"/>
+          </p:nvPr>
+        </p:nvSpPr>
+        <p:spPr>
+          <a:xfrm>
+            <a:off x="685800" y="4400550"/>
+            <a:ext cx="5486400" cy="3600450"/>
+          </a:xfrm>
+          <a:prstGeom prst="rect">
+            <a:avLst/>
+          </a:prstGeom>
+        </p:spPr>
+        <p:txBody>
+          <a:bodyPr vert="horz" lIns="91440" tIns="45720" rIns="91440" bIns="45720" rtlCol="0"/>
+          <a:lstStyle/>
+          <a:p>
+            <a:pPr lvl="0"/>
+            <a:r>
+              <a:rPr lang="en-US" smtClean="0"/>
+              <a:t>Click to edit Master text styles</a:t>
+            </a:r>
+          </a:p>
+          <a:p>
+            <a:pPr lvl="1"/>
+            <a:r>
+              <a:rPr lang="en-US" smtClean="0"/>
+              <a:t>Second level</a:t>
+            </a:r>
+          </a:p>
+          <a:p>
+            <a:pPr lvl="2"/>
+            <a:r>
+              <a:rPr lang="en-US" smtClean="0"/>
+              <a:t>Third level</a:t>
+            </a:r>
+          </a:p>
+          <a:p>
+            <a:pPr lvl="3"/>
+            <a:r>
+              <a:rPr lang="en-US" smtClean="0"/>
+              <a:t>Fourth level</a:t>
+            </a:r>
+          </a:p>
+          <a:p>
+            <a:pPr lvl="4"/>
+            <a:r>
+              <a:rPr lang="en-US" smtClean="0"/>
+              <a:t>Fifth level</a:t>
+            </a:r>
+            <a:endParaRPr lang="en-GB"/>
+          </a:p>
+        </p:txBody>
+      </p:sp>
+      <p:sp>
+        <p:nvSpPr>
+          <p:cNvPr id="6" name="Footer Placeholder 5"/>
+          <p:cNvSpPr>
+            <a:spLocks noGrp="1"/>
+          </p:cNvSpPr>
+          <p:nvPr>
+            <p:ph type="ftr" sz="quarter" idx="4"/>
+          </p:nvPr>
+        </p:nvSpPr>
+        <p:spPr>
+          <a:xfrm>
+            <a:off x="0" y="8685213"/>
+            <a:ext cx="2971800" cy="458787"/>
+          </a:xfrm>
+          <a:prstGeom prst="rect">
+            <a:avLst/>
+          </a:prstGeom>
+        </p:spPr>
+        <p:txBody>
+          <a:bodyPr vert="horz" lIns="91440" tIns="45720" rIns="91440" bIns="45720" rtlCol="0" anchor="b"/>
+          <a:lstStyle>
+            <a:lvl1pPr algn="l">
+              <a:defRPr sz="1200"/>
+            </a:lvl1pPr>
+          </a:lstStyle>
+          <a:p>
+            <a:endParaRPr lang="en-GB"/>
+          </a:p>
+        </p:txBody>
+      </p:sp>
+      <p:sp>
+        <p:nvSpPr>
+          <p:cNvPr id="7" name="Slide Number Placeholder 6"/>
+          <p:cNvSpPr>
+            <a:spLocks noGrp="1"/>
+          </p:cNvSpPr>
+          <p:nvPr>
+            <p:ph type="sldNum" sz="quarter" idx="5"/>
+          </p:nvPr>
+        </p:nvSpPr>
+        <p:spPr>
+          <a:xfrm>
+            <a:off x="3884613" y="8685213"/>
+            <a:ext cx="2971800" cy="458787"/>
+          </a:xfrm>
+          <a:prstGeom prst="rect">
+            <a:avLst/>
+          </a:prstGeom>
+        </p:spPr>
+        <p:txBody>
+          <a:bodyPr vert="horz" lIns="91440" tIns="45720" rIns="91440" bIns="45720" rtlCol="0" anchor="b"/>
+          <a:lstStyle>
+            <a:lvl1pPr algn="r">
+              <a:defRPr sz="1200"/>
+            </a:lvl1pPr>
+          </a:lstStyle>
+          <a:p>
+            <a:fld id="{E9305022-B285-49AC-82C4-3908CD71CB6E}" type="slidenum">
+              <a:rPr lang="en-GB" smtClean="0"/>
+              <a:t>‹#›</a:t>
+            </a:fld>
+            <a:endParaRPr lang="en-GB"/>
+          </a:p>
+        </p:txBody>
+      </p:sp>
+    </p:spTree>
+    <p:extLst>
+      <p:ext uri="{BB962C8B-B14F-4D97-AF65-F5344CB8AC3E}">
+        <p14:creationId xmlns:p14="http://schemas.microsoft.com/office/powerpoint/2010/main" val="3554048570"/>
+      </p:ext>
+    </p:extLst>
+  </p:cSld>
+  <p:clrMap bg1="lt1" tx1="dk1" bg2="lt2" tx2="dk2" accent1="accent1" accent2="accent2" accent3="accent3" accent4="accent4" accent5="accent5" accent6="accent6" hlink="hlink" folHlink="folHlink"/>
+  <p:notesStyle>
+    <a:lvl1pPr marL="0" algn="l" defTabSz="914400" rtl="0" eaLnBrk="1" latinLnBrk="0" hangingPunct="1">
+      <a:defRPr sz="1200" kern="1200">
+        <a:solidFill>
+          <a:schemeClr val="tx1"/>
+        </a:solidFill>
+        <a:latin typeface="+mn-lt"/>
+        <a:ea typeface="+mn-ea"/>
+        <a:cs typeface="+mn-cs"/>
+      </a:defRPr>
+    </a:lvl1pPr>
+    <a:lvl2pPr marL="457200" algn="l" defTabSz="914400" rtl="0" eaLnBrk="1" latinLnBrk="0" hangingPunct="1">
+      <a:defRPr sz="1200" kern="1200">
+        <a:solidFill>
+          <a:schemeClr val="tx1"/>
+        </a:solidFill>
+        <a:latin typeface="+mn-lt"/>
+        <a:ea typeface="+mn-ea"/>
+        <a:cs typeface="+mn-cs"/>
+      </a:defRPr>
+    </a:lvl2pPr>
+    <a:lvl3pPr marL="914400" algn="l" defTabSz="914400" rtl="0" eaLnBrk="1" latinLnBrk="0" hangingPunct="1">
+      <a:defRPr sz="1200" kern="1200">
+        <a:solidFill>
+          <a:schemeClr val="tx1"/>
+        </a:solidFill>
+        <a:latin typeface="+mn-lt"/>
+        <a:ea typeface="+mn-ea"/>
+        <a:cs typeface="+mn-cs"/>
+      </a:defRPr>
+    </a:lvl3pPr>
+    <a:lvl4pPr marL="1371600" algn="l" defTabSz="914400" rtl="0" eaLnBrk="1" latinLnBrk="0" hangingPunct="1">
+      <a:defRPr sz="1200" kern="1200">
+        <a:solidFill>
+          <a:schemeClr val="tx1"/>
+        </a:solidFill>
+        <a:latin typeface="+mn-lt"/>
+        <a:ea typeface="+mn-ea"/>
+        <a:cs typeface="+mn-cs"/>
+      </a:defRPr>
+    </a:lvl4pPr>
+    <a:lvl5pPr marL="1828800" algn="l" defTabSz="914400" rtl="0" eaLnBrk="1" latinLnBrk="0" hangingPunct="1">
+      <a:defRPr sz="1200" kern="1200">
+        <a:solidFill>
+          <a:schemeClr val="tx1"/>
+        </a:solidFill>
+        <a:latin typeface="+mn-lt"/>
+        <a:ea typeface="+mn-ea"/>
+        <a:cs typeface="+mn-cs"/>
+      </a:defRPr>
+    </a:lvl5pPr>
+    <a:lvl6pPr marL="2286000" algn="l" defTabSz="914400" rtl="0" eaLnBrk="1" latinLnBrk="0" hangingPunct="1">
+      <a:defRPr sz="1200" kern="1200">
+        <a:solidFill>
+          <a:schemeClr val="tx1"/>
+        </a:solidFill>
+        <a:latin typeface="+mn-lt"/>
+        <a:ea typeface="+mn-ea"/>
+        <a:cs typeface="+mn-cs"/>
+      </a:defRPr>
+    </a:lvl6pPr>
+    <a:lvl7pPr marL="2743200" algn="l" defTabSz="914400" rtl="0" eaLnBrk="1" latinLnBrk="0" hangingPunct="1">
+      <a:defRPr sz="1200" kern="1200">
+        <a:solidFill>
+          <a:schemeClr val="tx1"/>
+        </a:solidFill>
+        <a:latin typeface="+mn-lt"/>
+        <a:ea typeface="+mn-ea"/>
+        <a:cs typeface="+mn-cs"/>
+      </a:defRPr>
+    </a:lvl7pPr>
+    <a:lvl8pPr marL="3200400" algn="l" defTabSz="914400" rtl="0" eaLnBrk="1" latinLnBrk="0" hangingPunct="1">
+      <a:defRPr sz="1200" kern="1200">
+        <a:solidFill>
+          <a:schemeClr val="tx1"/>
+        </a:solidFill>
+        <a:latin typeface="+mn-lt"/>
+        <a:ea typeface="+mn-ea"/>
+        <a:cs typeface="+mn-cs"/>
+      </a:defRPr>
+    </a:lvl8pPr>
+    <a:lvl9pPr marL="3657600" algn="l" defTabSz="914400" rtl="0" eaLnBrk="1" latinLnBrk="0" hangingPunct="1">
+      <a:defRPr sz="1200" kern="1200">
+        <a:solidFill>
+          <a:schemeClr val="tx1"/>
+        </a:solidFill>
+        <a:latin typeface="+mn-lt"/>
+        <a:ea typeface="+mn-ea"/>
+        <a:cs typeface="+mn-cs"/>
+      </a:defRPr>
+    </a:lvl9pPr>
+  </p:notesStyle>
+</p:notesMaster>
+</file>
+
+<file path=ppt/notesSlides/notesSlide1.xml><?xml version="1.0" encoding="utf-8"?>
+<p:notes xmlns:a="http://schemas.openxmlformats.org/drawingml/2006/main" xmlns:r="http://schemas.openxmlformats.org/officeDocument/2006/relationships" xmlns:p="http://schemas.openxmlformats.org/presentationml/2006/main">
+  <p:cSld>
+    <p:spTree>
+      <p:nvGrpSpPr>
+        <p:cNvPr id="1" name=""/>
+        <p:cNvGrpSpPr/>
+        <p:nvPr/>
+      </p:nvGrpSpPr>
+      <p:grpSpPr>
+        <a:xfrm>
+          <a:off x="0" y="0"/>
+          <a:ext cx="0" cy="0"/>
+          <a:chOff x="0" y="0"/>
+          <a:chExt cx="0" cy="0"/>
+        </a:xfrm>
+      </p:grpSpPr>
+      <p:sp>
+        <p:nvSpPr>
+          <p:cNvPr id="2" name="Slide Image Placeholder 1"/>
+          <p:cNvSpPr>
+            <a:spLocks noGrp="1" noRot="1" noChangeAspect="1"/>
+          </p:cNvSpPr>
+          <p:nvPr>
+            <p:ph type="sldImg"/>
+          </p:nvPr>
+        </p:nvSpPr>
+        <p:spPr/>
+      </p:sp>
+      <p:sp>
+        <p:nvSpPr>
+          <p:cNvPr id="3" name="Notes Placeholder 2"/>
+          <p:cNvSpPr>
+            <a:spLocks noGrp="1"/>
+          </p:cNvSpPr>
+          <p:nvPr>
+            <p:ph type="body" idx="1"/>
+          </p:nvPr>
+        </p:nvSpPr>
+        <p:spPr/>
+        <p:txBody>
+          <a:bodyPr/>
+          <a:lstStyle/>
+          <a:p>
+            <a:r>
+              <a:rPr lang="en-GB" dirty="0" err="1" smtClean="0"/>
+              <a:t>SimplePizzaFactory</a:t>
+            </a:r>
+            <a:r>
+              <a:rPr lang="en-GB" dirty="0" smtClean="0"/>
+              <a:t> could have</a:t>
+            </a:r>
+            <a:r>
+              <a:rPr lang="en-GB" baseline="0" dirty="0" smtClean="0"/>
+              <a:t> many clients, </a:t>
+            </a:r>
+            <a:r>
+              <a:rPr lang="en-GB" baseline="0" dirty="0" err="1" smtClean="0"/>
+              <a:t>e.g</a:t>
+            </a:r>
+            <a:r>
+              <a:rPr lang="en-GB" baseline="0" dirty="0" smtClean="0"/>
+              <a:t> </a:t>
+            </a:r>
+            <a:r>
+              <a:rPr lang="en-GB" baseline="0" dirty="0" err="1" smtClean="0"/>
+              <a:t>PizzaStoreMenu</a:t>
+            </a:r>
+            <a:endParaRPr lang="en-GB" baseline="0" dirty="0" smtClean="0"/>
+          </a:p>
+          <a:p>
+            <a:r>
+              <a:rPr lang="en-GB" baseline="0" dirty="0" err="1" smtClean="0"/>
+              <a:t>createPizza</a:t>
+            </a:r>
+            <a:r>
+              <a:rPr lang="en-GB" baseline="0" dirty="0" smtClean="0"/>
+              <a:t> could be a </a:t>
+            </a:r>
+            <a:r>
+              <a:rPr lang="en-GB" baseline="0" smtClean="0"/>
+              <a:t>static method</a:t>
+            </a:r>
+          </a:p>
+          <a:p>
+            <a:endParaRPr lang="en-GB"/>
+          </a:p>
+        </p:txBody>
+      </p:sp>
+      <p:sp>
+        <p:nvSpPr>
+          <p:cNvPr id="4" name="Slide Number Placeholder 3"/>
+          <p:cNvSpPr>
+            <a:spLocks noGrp="1"/>
+          </p:cNvSpPr>
+          <p:nvPr>
+            <p:ph type="sldNum" sz="quarter" idx="10"/>
+          </p:nvPr>
+        </p:nvSpPr>
+        <p:spPr/>
+        <p:txBody>
+          <a:bodyPr/>
+          <a:lstStyle/>
+          <a:p>
+            <a:fld id="{E9305022-B285-49AC-82C4-3908CD71CB6E}" type="slidenum">
+              <a:rPr lang="en-GB" smtClean="0"/>
+              <a:t>3</a:t>
+            </a:fld>
+            <a:endParaRPr lang="en-GB"/>
+          </a:p>
+        </p:txBody>
+      </p:sp>
+    </p:spTree>
+    <p:extLst>
+      <p:ext uri="{BB962C8B-B14F-4D97-AF65-F5344CB8AC3E}">
+        <p14:creationId xmlns:p14="http://schemas.microsoft.com/office/powerpoint/2010/main" val="1996202582"/>
+      </p:ext>
+    </p:extLst>
+  </p:cSld>
+  <p:clrMapOvr>
+    <a:masterClrMapping/>
+  </p:clrMapOvr>
+</p:notes>
+</file>
+
 <file path=ppt/slideLayouts/slideLayout1.xml><?xml version="1.0" encoding="utf-8"?>
 <p:sldLayout xmlns:a="http://schemas.openxmlformats.org/drawingml/2006/main" xmlns:r="http://schemas.openxmlformats.org/officeDocument/2006/relationships" xmlns:p="http://schemas.openxmlformats.org/presentationml/2006/main" type="title" preserve="1">
   <p:cSld name="Title Slide">
@@ -249,7 +729,7 @@
           <a:p>
             <a:fld id="{8930E2FF-5471-4429-9B2F-C417631CDB23}" type="datetimeFigureOut">
               <a:rPr lang="en-GB" smtClean="0"/>
-              <a:t>03/07/2014</a:t>
+              <a:t>13/07/2014</a:t>
             </a:fld>
             <a:endParaRPr lang="en-GB"/>
           </a:p>
@@ -419,7 +899,7 @@
           <a:p>
             <a:fld id="{8930E2FF-5471-4429-9B2F-C417631CDB23}" type="datetimeFigureOut">
               <a:rPr lang="en-GB" smtClean="0"/>
-              <a:t>03/07/2014</a:t>
+              <a:t>13/07/2014</a:t>
             </a:fld>
             <a:endParaRPr lang="en-GB"/>
           </a:p>
@@ -599,7 +1079,7 @@
           <a:p>
             <a:fld id="{8930E2FF-5471-4429-9B2F-C417631CDB23}" type="datetimeFigureOut">
               <a:rPr lang="en-GB" smtClean="0"/>
-              <a:t>03/07/2014</a:t>
+              <a:t>13/07/2014</a:t>
             </a:fld>
             <a:endParaRPr lang="en-GB"/>
           </a:p>
@@ -769,7 +1249,7 @@
           <a:p>
             <a:fld id="{8930E2FF-5471-4429-9B2F-C417631CDB23}" type="datetimeFigureOut">
               <a:rPr lang="en-GB" smtClean="0"/>
-              <a:t>03/07/2014</a:t>
+              <a:t>13/07/2014</a:t>
             </a:fld>
             <a:endParaRPr lang="en-GB"/>
           </a:p>
@@ -1015,7 +1495,7 @@
           <a:p>
             <a:fld id="{8930E2FF-5471-4429-9B2F-C417631CDB23}" type="datetimeFigureOut">
               <a:rPr lang="en-GB" smtClean="0"/>
-              <a:t>03/07/2014</a:t>
+              <a:t>13/07/2014</a:t>
             </a:fld>
             <a:endParaRPr lang="en-GB"/>
           </a:p>
@@ -1247,7 +1727,7 @@
           <a:p>
             <a:fld id="{8930E2FF-5471-4429-9B2F-C417631CDB23}" type="datetimeFigureOut">
               <a:rPr lang="en-GB" smtClean="0"/>
-              <a:t>03/07/2014</a:t>
+              <a:t>13/07/2014</a:t>
             </a:fld>
             <a:endParaRPr lang="en-GB"/>
           </a:p>
@@ -1614,7 +2094,7 @@
           <a:p>
             <a:fld id="{8930E2FF-5471-4429-9B2F-C417631CDB23}" type="datetimeFigureOut">
               <a:rPr lang="en-GB" smtClean="0"/>
-              <a:t>03/07/2014</a:t>
+              <a:t>13/07/2014</a:t>
             </a:fld>
             <a:endParaRPr lang="en-GB"/>
           </a:p>
@@ -1732,7 +2212,7 @@
           <a:p>
             <a:fld id="{8930E2FF-5471-4429-9B2F-C417631CDB23}" type="datetimeFigureOut">
               <a:rPr lang="en-GB" smtClean="0"/>
-              <a:t>03/07/2014</a:t>
+              <a:t>13/07/2014</a:t>
             </a:fld>
             <a:endParaRPr lang="en-GB"/>
           </a:p>
@@ -1827,7 +2307,7 @@
           <a:p>
             <a:fld id="{8930E2FF-5471-4429-9B2F-C417631CDB23}" type="datetimeFigureOut">
               <a:rPr lang="en-GB" smtClean="0"/>
-              <a:t>03/07/2014</a:t>
+              <a:t>13/07/2014</a:t>
             </a:fld>
             <a:endParaRPr lang="en-GB"/>
           </a:p>
@@ -2104,7 +2584,7 @@
           <a:p>
             <a:fld id="{8930E2FF-5471-4429-9B2F-C417631CDB23}" type="datetimeFigureOut">
               <a:rPr lang="en-GB" smtClean="0"/>
-              <a:t>03/07/2014</a:t>
+              <a:t>13/07/2014</a:t>
             </a:fld>
             <a:endParaRPr lang="en-GB"/>
           </a:p>
@@ -2357,7 +2837,7 @@
           <a:p>
             <a:fld id="{8930E2FF-5471-4429-9B2F-C417631CDB23}" type="datetimeFigureOut">
               <a:rPr lang="en-GB" smtClean="0"/>
-              <a:t>03/07/2014</a:t>
+              <a:t>13/07/2014</a:t>
             </a:fld>
             <a:endParaRPr lang="en-GB"/>
           </a:p>
@@ -2570,7 +3050,7 @@
           <a:p>
             <a:fld id="{8930E2FF-5471-4429-9B2F-C417631CDB23}" type="datetimeFigureOut">
               <a:rPr lang="en-GB" smtClean="0"/>
-              <a:t>03/07/2014</a:t>
+              <a:t>13/07/2014</a:t>
             </a:fld>
             <a:endParaRPr lang="en-GB"/>
           </a:p>
@@ -3031,6 +3511,13 @@
   <p:clrMapOvr>
     <a:masterClrMapping/>
   </p:clrMapOvr>
+  <p:timing>
+    <p:tnLst>
+      <p:par>
+        <p:cTn id="1" dur="indefinite" restart="never" nodeType="tmRoot"/>
+      </p:par>
+    </p:tnLst>
+  </p:timing>
 </p:sld>
 </file>
 
@@ -3139,6 +3626,13 @@
   <p:clrMapOvr>
     <a:masterClrMapping/>
   </p:clrMapOvr>
+  <p:timing>
+    <p:tnLst>
+      <p:par>
+        <p:cTn id="1" dur="indefinite" restart="never" nodeType="tmRoot"/>
+      </p:par>
+    </p:tnLst>
+  </p:timing>
 </p:sld>
 </file>
 
@@ -3182,42 +3676,36 @@
           </a:p>
         </p:txBody>
       </p:sp>
-      <p:sp>
-        <p:nvSpPr>
-          <p:cNvPr id="3" name="Content Placeholder 2"/>
-          <p:cNvSpPr>
-            <a:spLocks noGrp="1"/>
-          </p:cNvSpPr>
-          <p:nvPr>
-            <p:ph idx="1"/>
-          </p:nvPr>
-        </p:nvSpPr>
+      <p:pic>
+        <p:nvPicPr>
+          <p:cNvPr id="12" name="Picture 11"/>
+          <p:cNvPicPr>
+            <a:picLocks noChangeAspect="1"/>
+          </p:cNvPicPr>
+          <p:nvPr/>
+        </p:nvPicPr>
+        <p:blipFill>
+          <a:blip r:embed="rId3">
+            <a:extLst>
+              <a:ext uri="{28A0092B-C50C-407E-A947-70E740481C1C}">
+                <a14:useLocalDpi xmlns:a14="http://schemas.microsoft.com/office/drawing/2010/main" val="0"/>
+              </a:ext>
+            </a:extLst>
+          </a:blip>
+          <a:stretch>
+            <a:fillRect/>
+          </a:stretch>
+        </p:blipFill>
         <p:spPr>
           <a:xfrm>
-            <a:off x="838200" y="1825625"/>
-            <a:ext cx="10515600" cy="4351338"/>
+            <a:off x="999413" y="1690688"/>
+            <a:ext cx="10193173" cy="4458322"/>
           </a:xfrm>
+          <a:prstGeom prst="rect">
+            <a:avLst/>
+          </a:prstGeom>
         </p:spPr>
-        <p:txBody>
-          <a:bodyPr/>
-          <a:lstStyle/>
-          <a:p>
-            <a:r>
-              <a:rPr lang="en-GB" dirty="0" smtClean="0"/>
-              <a:t>TODO UML</a:t>
-            </a:r>
-          </a:p>
-          <a:p>
-            <a:r>
-              <a:rPr lang="en-GB" dirty="0" smtClean="0"/>
-              <a:t>TODO picture of a pizza store</a:t>
-            </a:r>
-          </a:p>
-          <a:p>
-            <a:endParaRPr lang="en-GB" dirty="0"/>
-          </a:p>
-        </p:txBody>
-      </p:sp>
+      </p:pic>
     </p:spTree>
     <p:extLst>
       <p:ext uri="{BB962C8B-B14F-4D97-AF65-F5344CB8AC3E}">
@@ -3228,6 +3716,13 @@
   <p:clrMapOvr>
     <a:masterClrMapping/>
   </p:clrMapOvr>
+  <p:timing>
+    <p:tnLst>
+      <p:par>
+        <p:cTn id="1" dur="indefinite" restart="never" nodeType="tmRoot"/>
+      </p:par>
+    </p:tnLst>
+  </p:timing>
 </p:sld>
 </file>
 
@@ -3271,25 +3766,6 @@
           </a:p>
         </p:txBody>
       </p:sp>
-      <p:sp>
-        <p:nvSpPr>
-          <p:cNvPr id="3" name="Content Placeholder 2"/>
-          <p:cNvSpPr>
-            <a:spLocks noGrp="1"/>
-          </p:cNvSpPr>
-          <p:nvPr>
-            <p:ph idx="1"/>
-          </p:nvPr>
-        </p:nvSpPr>
-        <p:spPr/>
-        <p:txBody>
-          <a:bodyPr/>
-          <a:lstStyle/>
-          <a:p>
-            <a:endParaRPr lang="en-GB" dirty="0"/>
-          </a:p>
-        </p:txBody>
-      </p:sp>
     </p:spTree>
     <p:extLst>
       <p:ext uri="{BB962C8B-B14F-4D97-AF65-F5344CB8AC3E}">
@@ -3300,6 +3776,13 @@
   <p:clrMapOvr>
     <a:masterClrMapping/>
   </p:clrMapOvr>
+  <p:timing>
+    <p:tnLst>
+      <p:par>
+        <p:cTn id="1" dur="indefinite" restart="never" nodeType="tmRoot"/>
+      </p:par>
+    </p:tnLst>
+  </p:timing>
 </p:sld>
 </file>
 
@@ -3337,35 +3820,46 @@
           <a:p>
             <a:r>
               <a:rPr lang="en-GB" dirty="0" smtClean="0"/>
-              <a:t>Factory Method Pattern</a:t>
+              <a:t>Factory Method Pattern </a:t>
+            </a:r>
+            <a:r>
+              <a:rPr lang="en-GB" dirty="0" smtClean="0"/>
+              <a:t>- Example</a:t>
             </a:r>
             <a:endParaRPr lang="en-GB" dirty="0"/>
           </a:p>
         </p:txBody>
       </p:sp>
-      <p:sp>
-        <p:nvSpPr>
-          <p:cNvPr id="3" name="Content Placeholder 2"/>
-          <p:cNvSpPr>
-            <a:spLocks noGrp="1"/>
-          </p:cNvSpPr>
-          <p:nvPr>
-            <p:ph idx="1"/>
-          </p:nvPr>
-        </p:nvSpPr>
-        <p:spPr/>
-        <p:txBody>
-          <a:bodyPr/>
-          <a:lstStyle/>
-          <a:p>
-            <a:r>
-              <a:rPr lang="en-GB" dirty="0" smtClean="0"/>
-              <a:t>TODO UML</a:t>
-            </a:r>
-            <a:endParaRPr lang="en-GB" dirty="0"/>
-          </a:p>
-        </p:txBody>
-      </p:sp>
+      <p:pic>
+        <p:nvPicPr>
+          <p:cNvPr id="7" name="Picture 6"/>
+          <p:cNvPicPr>
+            <a:picLocks noChangeAspect="1"/>
+          </p:cNvPicPr>
+          <p:nvPr/>
+        </p:nvPicPr>
+        <p:blipFill>
+          <a:blip r:embed="rId2">
+            <a:extLst>
+              <a:ext uri="{28A0092B-C50C-407E-A947-70E740481C1C}">
+                <a14:useLocalDpi xmlns:a14="http://schemas.microsoft.com/office/drawing/2010/main" val="0"/>
+              </a:ext>
+            </a:extLst>
+          </a:blip>
+          <a:stretch>
+            <a:fillRect/>
+          </a:stretch>
+        </p:blipFill>
+        <p:spPr>
+          <a:xfrm>
+            <a:off x="1066800" y="1490663"/>
+            <a:ext cx="10058400" cy="4786604"/>
+          </a:xfrm>
+          <a:prstGeom prst="rect">
+            <a:avLst/>
+          </a:prstGeom>
+        </p:spPr>
+      </p:pic>
     </p:spTree>
     <p:extLst>
       <p:ext uri="{BB962C8B-B14F-4D97-AF65-F5344CB8AC3E}">
@@ -3376,6 +3870,13 @@
   <p:clrMapOvr>
     <a:masterClrMapping/>
   </p:clrMapOvr>
+  <p:timing>
+    <p:tnLst>
+      <p:par>
+        <p:cTn id="1" dur="indefinite" restart="never" nodeType="tmRoot"/>
+      </p:par>
+    </p:tnLst>
+  </p:timing>
 </p:sld>
 </file>
 
@@ -3413,30 +3914,11 @@
           <a:p>
             <a:r>
               <a:rPr lang="en-GB" dirty="0" smtClean="0"/>
-              <a:t>Pros and Cons</a:t>
-            </a:r>
-            <a:endParaRPr lang="en-GB" dirty="0"/>
-          </a:p>
-        </p:txBody>
-      </p:sp>
-      <p:sp>
-        <p:nvSpPr>
-          <p:cNvPr id="3" name="Content Placeholder 2"/>
-          <p:cNvSpPr>
-            <a:spLocks noGrp="1"/>
-          </p:cNvSpPr>
-          <p:nvPr>
-            <p:ph idx="1"/>
-          </p:nvPr>
-        </p:nvSpPr>
-        <p:spPr/>
-        <p:txBody>
-          <a:bodyPr/>
-          <a:lstStyle/>
-          <a:p>
+              <a:t>Factory Method Pattern </a:t>
+            </a:r>
             <a:r>
               <a:rPr lang="en-GB" dirty="0" smtClean="0"/>
-              <a:t>TODO</a:t>
+              <a:t>- Defined</a:t>
             </a:r>
             <a:endParaRPr lang="en-GB" dirty="0"/>
           </a:p>
@@ -3445,13 +3927,20 @@
     </p:spTree>
     <p:extLst>
       <p:ext uri="{BB962C8B-B14F-4D97-AF65-F5344CB8AC3E}">
-        <p14:creationId xmlns:p14="http://schemas.microsoft.com/office/powerpoint/2010/main" val="1664738492"/>
+        <p14:creationId xmlns:p14="http://schemas.microsoft.com/office/powerpoint/2010/main" val="958810761"/>
       </p:ext>
     </p:extLst>
   </p:cSld>
   <p:clrMapOvr>
     <a:masterClrMapping/>
   </p:clrMapOvr>
+  <p:timing>
+    <p:tnLst>
+      <p:par>
+        <p:cTn id="1" dur="indefinite" restart="never" nodeType="tmRoot"/>
+      </p:par>
+    </p:tnLst>
+  </p:timing>
 </p:sld>
 </file>
 
@@ -3489,6 +3978,154 @@
           <a:p>
             <a:r>
               <a:rPr lang="en-GB" dirty="0" smtClean="0"/>
+              <a:t>Applicability</a:t>
+            </a:r>
+            <a:endParaRPr lang="en-GB" dirty="0"/>
+          </a:p>
+        </p:txBody>
+      </p:sp>
+      <p:sp>
+        <p:nvSpPr>
+          <p:cNvPr id="3" name="Content Placeholder 2"/>
+          <p:cNvSpPr>
+            <a:spLocks noGrp="1"/>
+          </p:cNvSpPr>
+          <p:nvPr>
+            <p:ph idx="1"/>
+          </p:nvPr>
+        </p:nvSpPr>
+        <p:spPr/>
+        <p:txBody>
+          <a:bodyPr/>
+          <a:lstStyle/>
+          <a:p>
+            <a:endParaRPr lang="en-GB"/>
+          </a:p>
+        </p:txBody>
+      </p:sp>
+    </p:spTree>
+    <p:extLst>
+      <p:ext uri="{BB962C8B-B14F-4D97-AF65-F5344CB8AC3E}">
+        <p14:creationId xmlns:p14="http://schemas.microsoft.com/office/powerpoint/2010/main" val="686579219"/>
+      </p:ext>
+    </p:extLst>
+  </p:cSld>
+  <p:clrMapOvr>
+    <a:masterClrMapping/>
+  </p:clrMapOvr>
+</p:sld>
+</file>
+
+<file path=ppt/slides/slide8.xml><?xml version="1.0" encoding="utf-8"?>
+<p:sld xmlns:a="http://schemas.openxmlformats.org/drawingml/2006/main" xmlns:r="http://schemas.openxmlformats.org/officeDocument/2006/relationships" xmlns:p="http://schemas.openxmlformats.org/presentationml/2006/main">
+  <p:cSld>
+    <p:spTree>
+      <p:nvGrpSpPr>
+        <p:cNvPr id="1" name=""/>
+        <p:cNvGrpSpPr/>
+        <p:nvPr/>
+      </p:nvGrpSpPr>
+      <p:grpSpPr>
+        <a:xfrm>
+          <a:off x="0" y="0"/>
+          <a:ext cx="0" cy="0"/>
+          <a:chOff x="0" y="0"/>
+          <a:chExt cx="0" cy="0"/>
+        </a:xfrm>
+      </p:grpSpPr>
+      <p:sp>
+        <p:nvSpPr>
+          <p:cNvPr id="2" name="Title 1"/>
+          <p:cNvSpPr>
+            <a:spLocks noGrp="1"/>
+          </p:cNvSpPr>
+          <p:nvPr>
+            <p:ph type="title"/>
+          </p:nvPr>
+        </p:nvSpPr>
+        <p:spPr/>
+        <p:txBody>
+          <a:bodyPr/>
+          <a:lstStyle/>
+          <a:p>
+            <a:r>
+              <a:rPr lang="en-GB" dirty="0" smtClean="0"/>
+              <a:t>Pros and Cons</a:t>
+            </a:r>
+            <a:endParaRPr lang="en-GB" dirty="0"/>
+          </a:p>
+        </p:txBody>
+      </p:sp>
+      <p:sp>
+        <p:nvSpPr>
+          <p:cNvPr id="3" name="Content Placeholder 2"/>
+          <p:cNvSpPr>
+            <a:spLocks noGrp="1"/>
+          </p:cNvSpPr>
+          <p:nvPr>
+            <p:ph idx="1"/>
+          </p:nvPr>
+        </p:nvSpPr>
+        <p:spPr/>
+        <p:txBody>
+          <a:bodyPr/>
+          <a:lstStyle/>
+          <a:p>
+            <a:r>
+              <a:rPr lang="en-GB" dirty="0" smtClean="0"/>
+              <a:t>TODO</a:t>
+            </a:r>
+            <a:endParaRPr lang="en-GB" dirty="0"/>
+          </a:p>
+        </p:txBody>
+      </p:sp>
+    </p:spTree>
+    <p:extLst>
+      <p:ext uri="{BB962C8B-B14F-4D97-AF65-F5344CB8AC3E}">
+        <p14:creationId xmlns:p14="http://schemas.microsoft.com/office/powerpoint/2010/main" val="1664738492"/>
+      </p:ext>
+    </p:extLst>
+  </p:cSld>
+  <p:clrMapOvr>
+    <a:masterClrMapping/>
+  </p:clrMapOvr>
+</p:sld>
+</file>
+
+<file path=ppt/slides/slide9.xml><?xml version="1.0" encoding="utf-8"?>
+<p:sld xmlns:a="http://schemas.openxmlformats.org/drawingml/2006/main" xmlns:r="http://schemas.openxmlformats.org/officeDocument/2006/relationships" xmlns:p="http://schemas.openxmlformats.org/presentationml/2006/main">
+  <p:cSld>
+    <p:spTree>
+      <p:nvGrpSpPr>
+        <p:cNvPr id="1" name=""/>
+        <p:cNvGrpSpPr/>
+        <p:nvPr/>
+      </p:nvGrpSpPr>
+      <p:grpSpPr>
+        <a:xfrm>
+          <a:off x="0" y="0"/>
+          <a:ext cx="0" cy="0"/>
+          <a:chOff x="0" y="0"/>
+          <a:chExt cx="0" cy="0"/>
+        </a:xfrm>
+      </p:grpSpPr>
+      <p:sp>
+        <p:nvSpPr>
+          <p:cNvPr id="2" name="Title 1"/>
+          <p:cNvSpPr>
+            <a:spLocks noGrp="1"/>
+          </p:cNvSpPr>
+          <p:nvPr>
+            <p:ph type="title"/>
+          </p:nvPr>
+        </p:nvSpPr>
+        <p:spPr/>
+        <p:txBody>
+          <a:bodyPr/>
+          <a:lstStyle/>
+          <a:p>
+            <a:r>
+              <a:rPr lang="en-GB" dirty="0" smtClean="0"/>
               <a:t>Differences vs Abstract Factory Pattern</a:t>
             </a:r>
             <a:endParaRPr lang="en-GB" dirty="0"/>
@@ -3518,7 +4155,15 @@
           <a:p>
             <a:r>
               <a:rPr lang="en-GB" dirty="0" smtClean="0"/>
-              <a:t>TODO Only one method rather than whole</a:t>
+              <a:t>TODO </a:t>
+            </a:r>
+            <a:r>
+              <a:rPr lang="en-GB" smtClean="0"/>
+              <a:t>Pattern is only </a:t>
+            </a:r>
+            <a:r>
+              <a:rPr lang="en-GB" dirty="0" smtClean="0"/>
+              <a:t>one method rather than whole</a:t>
             </a:r>
             <a:endParaRPr lang="en-GB" dirty="0"/>
           </a:p>
@@ -3796,4 +4441,265 @@
     </a:ext>
   </a:extLst>
 </a:theme>
+</file>
+
+<file path=ppt/theme/theme2.xml><?xml version="1.0" encoding="utf-8"?>
+<a:theme xmlns:a="http://schemas.openxmlformats.org/drawingml/2006/main" name="Office Theme">
+  <a:themeElements>
+    <a:clrScheme name="Office">
+      <a:dk1>
+        <a:sysClr val="windowText" lastClr="000000"/>
+      </a:dk1>
+      <a:lt1>
+        <a:sysClr val="window" lastClr="FFFFFF"/>
+      </a:lt1>
+      <a:dk2>
+        <a:srgbClr val="44546A"/>
+      </a:dk2>
+      <a:lt2>
+        <a:srgbClr val="E7E6E6"/>
+      </a:lt2>
+      <a:accent1>
+        <a:srgbClr val="5B9BD5"/>
+      </a:accent1>
+      <a:accent2>
+        <a:srgbClr val="ED7D31"/>
+      </a:accent2>
+      <a:accent3>
+        <a:srgbClr val="A5A5A5"/>
+      </a:accent3>
+      <a:accent4>
+        <a:srgbClr val="FFC000"/>
+      </a:accent4>
+      <a:accent5>
+        <a:srgbClr val="4472C4"/>
+      </a:accent5>
+      <a:accent6>
+        <a:srgbClr val="70AD47"/>
+      </a:accent6>
+      <a:hlink>
+        <a:srgbClr val="0563C1"/>
+      </a:hlink>
+      <a:folHlink>
+        <a:srgbClr val="954F72"/>
+      </a:folHlink>
+    </a:clrScheme>
+    <a:fontScheme name="Office">
+      <a:majorFont>
+        <a:latin typeface="Calibri Light" panose="020F0302020204030204"/>
+        <a:ea typeface=""/>
+        <a:cs typeface=""/>
+        <a:font script="Jpan" typeface="ＭＳ Ｐゴシック"/>
+        <a:font script="Hang" typeface="맑은 고딕"/>
+        <a:font script="Hans" typeface="宋体"/>
+        <a:font script="Hant" typeface="新細明體"/>
+        <a:font script="Arab" typeface="Times New Roman"/>
+        <a:font script="Hebr" typeface="Times New Roman"/>
+        <a:font script="Thai" typeface="Angsana New"/>
+        <a:font script="Ethi" typeface="Nyala"/>
+        <a:font script="Beng" typeface="Vrinda"/>
+        <a:font script="Gujr" typeface="Shruti"/>
+        <a:font script="Khmr" typeface="MoolBoran"/>
+        <a:font script="Knda" typeface="Tunga"/>
+        <a:font script="Guru" typeface="Raavi"/>
+        <a:font script="Cans" typeface="Euphemia"/>
+        <a:font script="Cher" typeface="Plantagenet Cherokee"/>
+        <a:font script="Yiii" typeface="Microsoft Yi Baiti"/>
+        <a:font script="Tibt" typeface="Microsoft Himalaya"/>
+        <a:font script="Thaa" typeface="MV Boli"/>
+        <a:font script="Deva" typeface="Mangal"/>
+        <a:font script="Telu" typeface="Gautami"/>
+        <a:font script="Taml" typeface="Latha"/>
+        <a:font script="Syrc" typeface="Estrangelo Edessa"/>
+        <a:font script="Orya" typeface="Kalinga"/>
+        <a:font script="Mlym" typeface="Kartika"/>
+        <a:font script="Laoo" typeface="DokChampa"/>
+        <a:font script="Sinh" typeface="Iskoola Pota"/>
+        <a:font script="Mong" typeface="Mongolian Baiti"/>
+        <a:font script="Viet" typeface="Times New Roman"/>
+        <a:font script="Uigh" typeface="Microsoft Uighur"/>
+        <a:font script="Geor" typeface="Sylfaen"/>
+      </a:majorFont>
+      <a:minorFont>
+        <a:latin typeface="Calibri" panose="020F0502020204030204"/>
+        <a:ea typeface=""/>
+        <a:cs typeface=""/>
+        <a:font script="Jpan" typeface="ＭＳ Ｐゴシック"/>
+        <a:font script="Hang" typeface="맑은 고딕"/>
+        <a:font script="Hans" typeface="宋体"/>
+        <a:font script="Hant" typeface="新細明體"/>
+        <a:font script="Arab" typeface="Arial"/>
+        <a:font script="Hebr" typeface="Arial"/>
+        <a:font script="Thai" typeface="Cordia New"/>
+        <a:font script="Ethi" typeface="Nyala"/>
+        <a:font script="Beng" typeface="Vrinda"/>
+        <a:font script="Gujr" typeface="Shruti"/>
+        <a:font script="Khmr" typeface="DaunPenh"/>
+        <a:font script="Knda" typeface="Tunga"/>
+        <a:font script="Guru" typeface="Raavi"/>
+        <a:font script="Cans" typeface="Euphemia"/>
+        <a:font script="Cher" typeface="Plantagenet Cherokee"/>
+        <a:font script="Yiii" typeface="Microsoft Yi Baiti"/>
+        <a:font script="Tibt" typeface="Microsoft Himalaya"/>
+        <a:font script="Thaa" typeface="MV Boli"/>
+        <a:font script="Deva" typeface="Mangal"/>
+        <a:font script="Telu" typeface="Gautami"/>
+        <a:font script="Taml" typeface="Latha"/>
+        <a:font script="Syrc" typeface="Estrangelo Edessa"/>
+        <a:font script="Orya" typeface="Kalinga"/>
+        <a:font script="Mlym" typeface="Kartika"/>
+        <a:font script="Laoo" typeface="DokChampa"/>
+        <a:font script="Sinh" typeface="Iskoola Pota"/>
+        <a:font script="Mong" typeface="Mongolian Baiti"/>
+        <a:font script="Viet" typeface="Arial"/>
+        <a:font script="Uigh" typeface="Microsoft Uighur"/>
+        <a:font script="Geor" typeface="Sylfaen"/>
+      </a:minorFont>
+    </a:fontScheme>
+    <a:fmtScheme name="Office">
+      <a:fillStyleLst>
+        <a:solidFill>
+          <a:schemeClr val="phClr"/>
+        </a:solidFill>
+        <a:gradFill rotWithShape="1">
+          <a:gsLst>
+            <a:gs pos="0">
+              <a:schemeClr val="phClr">
+                <a:lumMod val="110000"/>
+                <a:satMod val="105000"/>
+                <a:tint val="67000"/>
+              </a:schemeClr>
+            </a:gs>
+            <a:gs pos="50000">
+              <a:schemeClr val="phClr">
+                <a:lumMod val="105000"/>
+                <a:satMod val="103000"/>
+                <a:tint val="73000"/>
+              </a:schemeClr>
+            </a:gs>
+            <a:gs pos="100000">
+              <a:schemeClr val="phClr">
+                <a:lumMod val="105000"/>
+                <a:satMod val="109000"/>
+                <a:tint val="81000"/>
+              </a:schemeClr>
+            </a:gs>
+          </a:gsLst>
+          <a:lin ang="5400000" scaled="0"/>
+        </a:gradFill>
+        <a:gradFill rotWithShape="1">
+          <a:gsLst>
+            <a:gs pos="0">
+              <a:schemeClr val="phClr">
+                <a:satMod val="103000"/>
+                <a:lumMod val="102000"/>
+                <a:tint val="94000"/>
+              </a:schemeClr>
+            </a:gs>
+            <a:gs pos="50000">
+              <a:schemeClr val="phClr">
+                <a:satMod val="110000"/>
+                <a:lumMod val="100000"/>
+                <a:shade val="100000"/>
+              </a:schemeClr>
+            </a:gs>
+            <a:gs pos="100000">
+              <a:schemeClr val="phClr">
+                <a:lumMod val="99000"/>
+                <a:satMod val="120000"/>
+                <a:shade val="78000"/>
+              </a:schemeClr>
+            </a:gs>
+          </a:gsLst>
+          <a:lin ang="5400000" scaled="0"/>
+        </a:gradFill>
+      </a:fillStyleLst>
+      <a:lnStyleLst>
+        <a:ln w="6350" cap="flat" cmpd="sng" algn="ctr">
+          <a:solidFill>
+            <a:schemeClr val="phClr"/>
+          </a:solidFill>
+          <a:prstDash val="solid"/>
+          <a:miter lim="800000"/>
+        </a:ln>
+        <a:ln w="12700" cap="flat" cmpd="sng" algn="ctr">
+          <a:solidFill>
+            <a:schemeClr val="phClr"/>
+          </a:solidFill>
+          <a:prstDash val="solid"/>
+          <a:miter lim="800000"/>
+        </a:ln>
+        <a:ln w="19050" cap="flat" cmpd="sng" algn="ctr">
+          <a:solidFill>
+            <a:schemeClr val="phClr"/>
+          </a:solidFill>
+          <a:prstDash val="solid"/>
+          <a:miter lim="800000"/>
+        </a:ln>
+      </a:lnStyleLst>
+      <a:effectStyleLst>
+        <a:effectStyle>
+          <a:effectLst/>
+        </a:effectStyle>
+        <a:effectStyle>
+          <a:effectLst/>
+        </a:effectStyle>
+        <a:effectStyle>
+          <a:effectLst>
+            <a:outerShdw blurRad="57150" dist="19050" dir="5400000" algn="ctr" rotWithShape="0">
+              <a:srgbClr val="000000">
+                <a:alpha val="63000"/>
+              </a:srgbClr>
+            </a:outerShdw>
+          </a:effectLst>
+        </a:effectStyle>
+      </a:effectStyleLst>
+      <a:bgFillStyleLst>
+        <a:solidFill>
+          <a:schemeClr val="phClr"/>
+        </a:solidFill>
+        <a:solidFill>
+          <a:schemeClr val="phClr">
+            <a:tint val="95000"/>
+            <a:satMod val="170000"/>
+          </a:schemeClr>
+        </a:solidFill>
+        <a:gradFill rotWithShape="1">
+          <a:gsLst>
+            <a:gs pos="0">
+              <a:schemeClr val="phClr">
+                <a:tint val="93000"/>
+                <a:satMod val="150000"/>
+                <a:shade val="98000"/>
+                <a:lumMod val="102000"/>
+              </a:schemeClr>
+            </a:gs>
+            <a:gs pos="50000">
+              <a:schemeClr val="phClr">
+                <a:tint val="98000"/>
+                <a:satMod val="130000"/>
+                <a:shade val="90000"/>
+                <a:lumMod val="103000"/>
+              </a:schemeClr>
+            </a:gs>
+            <a:gs pos="100000">
+              <a:schemeClr val="phClr">
+                <a:shade val="63000"/>
+                <a:satMod val="120000"/>
+              </a:schemeClr>
+            </a:gs>
+          </a:gsLst>
+          <a:lin ang="5400000" scaled="0"/>
+        </a:gradFill>
+      </a:bgFillStyleLst>
+    </a:fmtScheme>
+  </a:themeElements>
+  <a:objectDefaults/>
+  <a:extraClrSchemeLst/>
+  <a:extLst>
+    <a:ext uri="{05A4C25C-085E-4340-85A3-A5531E510DB2}">
+      <thm15:themeFamily xmlns:thm15="http://schemas.microsoft.com/office/thememl/2012/main" name="Office Theme" id="{62F939B6-93AF-4DB8-9C6B-D6C7DFDC589F}" vid="{4A3C46E8-61CC-4603-A589-7422A47A8E4A}"/>
+    </a:ext>
+  </a:extLst>
+</a:theme>
 </file>
--- a/Patterns/docs/Factory Method.pptx
+++ b/Patterns/docs/Factory Method.pptx
@@ -550,15 +550,11 @@
             </a:r>
             <a:r>
               <a:rPr lang="en-GB" baseline="0" dirty="0" smtClean="0"/>
-              <a:t> could be a </a:t>
-            </a:r>
-            <a:r>
-              <a:rPr lang="en-GB" baseline="0" smtClean="0"/>
-              <a:t>static method</a:t>
-            </a:r>
-          </a:p>
-          <a:p>
-            <a:endParaRPr lang="en-GB"/>
+              <a:t> could be a static method</a:t>
+            </a:r>
+          </a:p>
+          <a:p>
+            <a:endParaRPr lang="en-GB" dirty="0"/>
           </a:p>
         </p:txBody>
       </p:sp>
@@ -3494,10 +3490,64 @@
           <a:lstStyle/>
           <a:p>
             <a:r>
-              <a:rPr lang="en-GB" dirty="0" smtClean="0"/>
-              <a:t>Design Pattern</a:t>
-            </a:r>
-            <a:endParaRPr lang="en-GB" dirty="0"/>
+              <a:rPr lang="en-GB" dirty="0" smtClean="0">
+                <a:latin typeface="+mj-lt"/>
+              </a:rPr>
+              <a:t>Design </a:t>
+            </a:r>
+            <a:r>
+              <a:rPr lang="en-GB" dirty="0" smtClean="0">
+                <a:latin typeface="+mj-lt"/>
+              </a:rPr>
+              <a:t>Pattern</a:t>
+            </a:r>
+          </a:p>
+          <a:p>
+            <a:r>
+              <a:rPr lang="en-GB" sz="1800" dirty="0" smtClean="0">
+                <a:solidFill>
+                  <a:schemeClr val="tx1">
+                    <a:lumMod val="50000"/>
+                    <a:lumOff val="50000"/>
+                  </a:schemeClr>
+                </a:solidFill>
+                <a:latin typeface="+mj-lt"/>
+              </a:rPr>
+              <a:t>Chris Drew 16</a:t>
+            </a:r>
+            <a:r>
+              <a:rPr lang="en-GB" sz="1800" baseline="30000" dirty="0" smtClean="0">
+                <a:solidFill>
+                  <a:schemeClr val="tx1">
+                    <a:lumMod val="50000"/>
+                    <a:lumOff val="50000"/>
+                  </a:schemeClr>
+                </a:solidFill>
+                <a:latin typeface="+mj-lt"/>
+              </a:rPr>
+              <a:t>th</a:t>
+            </a:r>
+            <a:r>
+              <a:rPr lang="en-GB" sz="1800" dirty="0" smtClean="0">
+                <a:solidFill>
+                  <a:schemeClr val="tx1">
+                    <a:lumMod val="50000"/>
+                    <a:lumOff val="50000"/>
+                  </a:schemeClr>
+                </a:solidFill>
+                <a:latin typeface="+mj-lt"/>
+              </a:rPr>
+              <a:t> July 2014</a:t>
+            </a:r>
+            <a:endParaRPr lang="en-GB" sz="1800" dirty="0">
+              <a:solidFill>
+                <a:schemeClr val="tx1">
+                  <a:lumMod val="50000"/>
+                  <a:lumOff val="50000"/>
+                </a:schemeClr>
+              </a:solidFill>
+              <a:latin typeface="+mj-lt"/>
+            </a:endParaRPr>
           </a:p>
         </p:txBody>
       </p:sp>
@@ -3577,42 +3627,63 @@
           <a:lstStyle/>
           <a:p>
             <a:r>
-              <a:rPr lang="en-GB" dirty="0" smtClean="0"/>
-              <a:t>Intro to </a:t>
-            </a:r>
-            <a:r>
-              <a:rPr lang="en-GB" dirty="0" err="1" smtClean="0"/>
-              <a:t>PizzaStore</a:t>
-            </a:r>
-            <a:r>
-              <a:rPr lang="en-GB" dirty="0" smtClean="0"/>
-              <a:t> with simple static factory</a:t>
-            </a:r>
-          </a:p>
-          <a:p>
-            <a:r>
-              <a:rPr lang="en-GB" dirty="0" smtClean="0"/>
+              <a:rPr lang="en-GB" dirty="0" smtClean="0">
+                <a:latin typeface="+mj-lt"/>
+              </a:rPr>
+              <a:t>Intro to PizzaStore with simple static factory</a:t>
+            </a:r>
+          </a:p>
+          <a:p>
+            <a:r>
+              <a:rPr lang="en-GB" dirty="0" smtClean="0">
+                <a:latin typeface="+mj-lt"/>
+              </a:rPr>
               <a:t>Live demo introducing factory method pattern</a:t>
             </a:r>
           </a:p>
           <a:p>
             <a:r>
-              <a:rPr lang="en-GB" dirty="0" smtClean="0"/>
-              <a:t>Look at the definition of factory method pattern</a:t>
-            </a:r>
-          </a:p>
-          <a:p>
-            <a:r>
-              <a:rPr lang="en-GB" dirty="0" smtClean="0"/>
+              <a:rPr lang="en-GB" dirty="0" smtClean="0">
+                <a:latin typeface="+mj-lt"/>
+              </a:rPr>
+              <a:t>Look at the definition of factory method </a:t>
+            </a:r>
+            <a:r>
+              <a:rPr lang="en-GB" dirty="0" smtClean="0">
+                <a:latin typeface="+mj-lt"/>
+              </a:rPr>
+              <a:t>pattern</a:t>
+            </a:r>
+          </a:p>
+          <a:p>
+            <a:r>
+              <a:rPr lang="en-GB" dirty="0" smtClean="0">
+                <a:latin typeface="+mj-lt"/>
+              </a:rPr>
+              <a:t>Applicability</a:t>
+            </a:r>
+            <a:endParaRPr lang="en-GB" dirty="0" smtClean="0">
+              <a:latin typeface="+mj-lt"/>
+            </a:endParaRPr>
+          </a:p>
+          <a:p>
+            <a:r>
+              <a:rPr lang="en-GB" dirty="0" smtClean="0">
+                <a:latin typeface="+mj-lt"/>
+              </a:rPr>
               <a:t>Pros and cons</a:t>
             </a:r>
           </a:p>
           <a:p>
             <a:r>
-              <a:rPr lang="en-GB" dirty="0" smtClean="0"/>
+              <a:rPr lang="en-GB" dirty="0" smtClean="0">
+                <a:latin typeface="+mj-lt"/>
+              </a:rPr>
               <a:t>Differences vs Abstract Factory pattern</a:t>
             </a:r>
-            <a:endParaRPr lang="en-GB" dirty="0"/>
+            <a:endParaRPr lang="en-GB" dirty="0">
+              <a:latin typeface="+mj-lt"/>
+            </a:endParaRPr>
           </a:p>
         </p:txBody>
       </p:sp>
@@ -3669,7 +3740,7 @@
           <a:lstStyle/>
           <a:p>
             <a:r>
-              <a:rPr lang="en-GB" dirty="0" err="1" smtClean="0"/>
+              <a:rPr lang="en-GB" dirty="0" smtClean="0"/>
               <a:t>PizzaStore</a:t>
             </a:r>
             <a:endParaRPr lang="en-GB" dirty="0"/>
@@ -3820,11 +3891,7 @@
           <a:p>
             <a:r>
               <a:rPr lang="en-GB" dirty="0" smtClean="0"/>
-              <a:t>Factory Method Pattern </a:t>
-            </a:r>
-            <a:r>
-              <a:rPr lang="en-GB" dirty="0" smtClean="0"/>
-              <a:t>- Example</a:t>
+              <a:t>Factory Method Pattern - Example</a:t>
             </a:r>
             <a:endParaRPr lang="en-GB" dirty="0"/>
           </a:p>
@@ -3914,16 +3981,76 @@
           <a:p>
             <a:r>
               <a:rPr lang="en-GB" dirty="0" smtClean="0"/>
-              <a:t>Factory Method Pattern </a:t>
-            </a:r>
-            <a:r>
-              <a:rPr lang="en-GB" dirty="0" smtClean="0"/>
-              <a:t>- Defined</a:t>
+              <a:t>Factory Method Pattern - Defined</a:t>
             </a:r>
             <a:endParaRPr lang="en-GB" dirty="0"/>
           </a:p>
         </p:txBody>
       </p:sp>
+      <p:sp>
+        <p:nvSpPr>
+          <p:cNvPr id="4" name="TextBox 3"/>
+          <p:cNvSpPr txBox="1"/>
+          <p:nvPr/>
+        </p:nvSpPr>
+        <p:spPr>
+          <a:xfrm>
+            <a:off x="838200" y="4849681"/>
+            <a:ext cx="10515600" cy="830997"/>
+          </a:xfrm>
+          <a:prstGeom prst="rect">
+            <a:avLst/>
+          </a:prstGeom>
+          <a:noFill/>
+        </p:spPr>
+        <p:txBody>
+          <a:bodyPr wrap="square" rtlCol="0">
+            <a:spAutoFit/>
+          </a:bodyPr>
+          <a:lstStyle/>
+          <a:p>
+            <a:r>
+              <a:rPr lang="en-GB" sz="2400" i="1" dirty="0" smtClean="0">
+                <a:latin typeface="+mj-lt"/>
+              </a:rPr>
+              <a:t>Defines an interface for creating an object, but lets subclasses decide which class to instantiate. Factory Method lets a class defer instantiation to subclasses.</a:t>
+            </a:r>
+            <a:endParaRPr lang="en-GB" sz="2400" i="1" dirty="0">
+              <a:latin typeface="+mj-lt"/>
+            </a:endParaRPr>
+          </a:p>
+        </p:txBody>
+      </p:sp>
+      <p:pic>
+        <p:nvPicPr>
+          <p:cNvPr id="5" name="Picture 4"/>
+          <p:cNvPicPr>
+            <a:picLocks noChangeAspect="1"/>
+          </p:cNvPicPr>
+          <p:nvPr/>
+        </p:nvPicPr>
+        <p:blipFill>
+          <a:blip r:embed="rId2">
+            <a:extLst>
+              <a:ext uri="{28A0092B-C50C-407E-A947-70E740481C1C}">
+                <a14:useLocalDpi xmlns:a14="http://schemas.microsoft.com/office/drawing/2010/main" val="0"/>
+              </a:ext>
+            </a:extLst>
+          </a:blip>
+          <a:stretch>
+            <a:fillRect/>
+          </a:stretch>
+        </p:blipFill>
+        <p:spPr>
+          <a:xfrm>
+            <a:off x="2275942" y="1690688"/>
+            <a:ext cx="7640116" cy="2581635"/>
+          </a:xfrm>
+          <a:prstGeom prst="rect">
+            <a:avLst/>
+          </a:prstGeom>
+        </p:spPr>
+      </p:pic>
     </p:spTree>
     <p:extLst>
       <p:ext uri="{BB962C8B-B14F-4D97-AF65-F5344CB8AC3E}">
@@ -3999,7 +4126,23 @@
           <a:bodyPr/>
           <a:lstStyle/>
           <a:p>
-            <a:endParaRPr lang="en-GB"/>
+            <a:r>
+              <a:rPr lang="en-GB" dirty="0" smtClean="0">
+                <a:latin typeface="+mj-lt"/>
+              </a:rPr>
+              <a:t>A class can’t anticipate the class of objects it must create.</a:t>
+            </a:r>
+          </a:p>
+          <a:p>
+            <a:r>
+              <a:rPr lang="en-GB" dirty="0" smtClean="0">
+                <a:latin typeface="+mj-lt"/>
+              </a:rPr>
+              <a:t>A class wants its subclasses to specify the objects it creates.</a:t>
+            </a:r>
+            <a:endParaRPr lang="en-GB" dirty="0">
+              <a:latin typeface="+mj-lt"/>
+            </a:endParaRPr>
           </a:p>
         </p:txBody>
       </p:sp>
@@ -4013,6 +4156,13 @@
   <p:clrMapOvr>
     <a:masterClrMapping/>
   </p:clrMapOvr>
+  <p:timing>
+    <p:tnLst>
+      <p:par>
+        <p:cTn id="1" dur="indefinite" restart="never" nodeType="tmRoot"/>
+      </p:par>
+    </p:tnLst>
+  </p:timing>
 </p:sld>
 </file>
 
@@ -4072,10 +4222,14 @@
           <a:lstStyle/>
           <a:p>
             <a:r>
-              <a:rPr lang="en-GB" dirty="0" smtClean="0"/>
+              <a:rPr lang="en-GB" dirty="0" smtClean="0">
+                <a:latin typeface="+mj-lt"/>
+              </a:rPr>
               <a:t>TODO</a:t>
             </a:r>
-            <a:endParaRPr lang="en-GB" dirty="0"/>
+            <a:endParaRPr lang="en-GB" dirty="0">
+              <a:latin typeface="+mj-lt"/>
+            </a:endParaRPr>
           </a:p>
         </p:txBody>
       </p:sp>
@@ -4148,24 +4302,22 @@
           <a:lstStyle/>
           <a:p>
             <a:r>
-              <a:rPr lang="en-GB" dirty="0" smtClean="0"/>
+              <a:rPr lang="en-GB" dirty="0" smtClean="0">
+                <a:latin typeface="+mj-lt"/>
+              </a:rPr>
               <a:t>TODO Class vs Object</a:t>
             </a:r>
           </a:p>
           <a:p>
             <a:r>
-              <a:rPr lang="en-GB" dirty="0" smtClean="0"/>
-              <a:t>TODO </a:t>
-            </a:r>
-            <a:r>
-              <a:rPr lang="en-GB" smtClean="0"/>
-              <a:t>Pattern is only </a:t>
-            </a:r>
-            <a:r>
-              <a:rPr lang="en-GB" dirty="0" smtClean="0"/>
-              <a:t>one method rather than whole</a:t>
-            </a:r>
-            <a:endParaRPr lang="en-GB" dirty="0"/>
+              <a:rPr lang="en-GB" dirty="0" smtClean="0">
+                <a:latin typeface="+mj-lt"/>
+              </a:rPr>
+              <a:t>TODO Pattern is only one method rather than whole</a:t>
+            </a:r>
+            <a:endParaRPr lang="en-GB" dirty="0">
+              <a:latin typeface="+mj-lt"/>
+            </a:endParaRPr>
           </a:p>
         </p:txBody>
       </p:sp>

--- a/Patterns/docs/Factory Method.pptx
+++ b/Patterns/docs/Factory Method.pptx
@@ -5,7 +5,7 @@
     <p:sldMasterId id="2147483648" r:id="rId1"/>
   </p:sldMasterIdLst>
   <p:notesMasterIdLst>
-    <p:notesMasterId r:id="rId11"/>
+    <p:notesMasterId r:id="rId12"/>
   </p:notesMasterIdLst>
   <p:sldIdLst>
     <p:sldId id="256" r:id="rId2"/>
@@ -17,6 +17,7 @@
     <p:sldId id="265" r:id="rId8"/>
     <p:sldId id="261" r:id="rId9"/>
     <p:sldId id="262" r:id="rId10"/>
+    <p:sldId id="266" r:id="rId11"/>
   </p:sldIdLst>
   <p:sldSz cx="12192000" cy="6858000"/>
   <p:notesSz cx="6858000" cy="9144000"/>
@@ -3568,6 +3569,108 @@
       </p:par>
     </p:tnLst>
   </p:timing>
+</p:sld>
+</file>
+
+<file path=ppt/slides/slide10.xml><?xml version="1.0" encoding="utf-8"?>
+<p:sld xmlns:a="http://schemas.openxmlformats.org/drawingml/2006/main" xmlns:r="http://schemas.openxmlformats.org/officeDocument/2006/relationships" xmlns:p="http://schemas.openxmlformats.org/presentationml/2006/main">
+  <p:cSld>
+    <p:spTree>
+      <p:nvGrpSpPr>
+        <p:cNvPr id="1" name=""/>
+        <p:cNvGrpSpPr/>
+        <p:nvPr/>
+      </p:nvGrpSpPr>
+      <p:grpSpPr>
+        <a:xfrm>
+          <a:off x="0" y="0"/>
+          <a:ext cx="0" cy="0"/>
+          <a:chOff x="0" y="0"/>
+          <a:chExt cx="0" cy="0"/>
+        </a:xfrm>
+      </p:grpSpPr>
+      <p:sp>
+        <p:nvSpPr>
+          <p:cNvPr id="2" name="Title 1"/>
+          <p:cNvSpPr>
+            <a:spLocks noGrp="1"/>
+          </p:cNvSpPr>
+          <p:nvPr>
+            <p:ph type="title"/>
+          </p:nvPr>
+        </p:nvSpPr>
+        <p:spPr/>
+        <p:txBody>
+          <a:bodyPr/>
+          <a:lstStyle/>
+          <a:p>
+            <a:r>
+              <a:rPr lang="en-GB" dirty="0" smtClean="0"/>
+              <a:t>References &amp; Links</a:t>
+            </a:r>
+            <a:endParaRPr lang="en-GB" dirty="0"/>
+          </a:p>
+        </p:txBody>
+      </p:sp>
+      <p:sp>
+        <p:nvSpPr>
+          <p:cNvPr id="3" name="Content Placeholder 2"/>
+          <p:cNvSpPr>
+            <a:spLocks noGrp="1"/>
+          </p:cNvSpPr>
+          <p:nvPr>
+            <p:ph idx="1"/>
+          </p:nvPr>
+        </p:nvSpPr>
+        <p:spPr/>
+        <p:txBody>
+          <a:bodyPr/>
+          <a:lstStyle/>
+          <a:p>
+            <a:r>
+              <a:rPr lang="en-GB" dirty="0" smtClean="0"/>
+              <a:t>Head First Design Patterns</a:t>
+            </a:r>
+          </a:p>
+          <a:p>
+            <a:r>
+              <a:rPr lang="en-GB" dirty="0" smtClean="0"/>
+              <a:t>Design Patterns</a:t>
+            </a:r>
+          </a:p>
+          <a:p>
+            <a:r>
+              <a:rPr lang="en-GB">
+                <a:hlinkClick r:id="rId2"/>
+              </a:rPr>
+              <a:t>https</a:t>
+            </a:r>
+            <a:r>
+              <a:rPr lang="en-GB">
+                <a:hlinkClick r:id="rId2"/>
+              </a:rPr>
+              <a:t>://</a:t>
+            </a:r>
+            <a:r>
+              <a:rPr lang="en-GB" smtClean="0">
+                <a:hlinkClick r:id="rId2"/>
+              </a:rPr>
+              <a:t>github.com/crsdrw/patterns/tree/factory_method</a:t>
+            </a:r>
+            <a:endParaRPr lang="en-GB" smtClean="0"/>
+          </a:p>
+        </p:txBody>
+      </p:sp>
+    </p:spTree>
+    <p:extLst>
+      <p:ext uri="{BB962C8B-B14F-4D97-AF65-F5344CB8AC3E}">
+        <p14:creationId xmlns:p14="http://schemas.microsoft.com/office/powerpoint/2010/main" val="1622377849"/>
+      </p:ext>
+    </p:extLst>
+  </p:cSld>
+  <p:clrMapOvr>
+    <a:masterClrMapping/>
+  </p:clrMapOvr>
 </p:sld>
 </file>
 

--- a/Patterns/docs/Factory Method.pptx
+++ b/Patterns/docs/Factory Method.pptx
@@ -206,7 +206,7 @@
           <a:p>
             <a:fld id="{3719A91D-C916-4BC3-8AC6-4EE67F652176}" type="datetimeFigureOut">
               <a:rPr lang="en-GB" smtClean="0"/>
-              <a:t>13/07/2014</a:t>
+              <a:t>14/07/2014</a:t>
             </a:fld>
             <a:endParaRPr lang="en-GB"/>
           </a:p>
@@ -595,6 +595,218 @@
 </p:notes>
 </file>
 
+<file path=ppt/notesSlides/notesSlide2.xml><?xml version="1.0" encoding="utf-8"?>
+<p:notes xmlns:a="http://schemas.openxmlformats.org/drawingml/2006/main" xmlns:r="http://schemas.openxmlformats.org/officeDocument/2006/relationships" xmlns:p="http://schemas.openxmlformats.org/presentationml/2006/main">
+  <p:cSld>
+    <p:spTree>
+      <p:nvGrpSpPr>
+        <p:cNvPr id="1" name=""/>
+        <p:cNvGrpSpPr/>
+        <p:nvPr/>
+      </p:nvGrpSpPr>
+      <p:grpSpPr>
+        <a:xfrm>
+          <a:off x="0" y="0"/>
+          <a:ext cx="0" cy="0"/>
+          <a:chOff x="0" y="0"/>
+          <a:chExt cx="0" cy="0"/>
+        </a:xfrm>
+      </p:grpSpPr>
+      <p:sp>
+        <p:nvSpPr>
+          <p:cNvPr id="2" name="Slide Image Placeholder 1"/>
+          <p:cNvSpPr>
+            <a:spLocks noGrp="1" noRot="1" noChangeAspect="1"/>
+          </p:cNvSpPr>
+          <p:nvPr>
+            <p:ph type="sldImg"/>
+          </p:nvPr>
+        </p:nvSpPr>
+        <p:spPr/>
+      </p:sp>
+      <p:sp>
+        <p:nvSpPr>
+          <p:cNvPr id="3" name="Notes Placeholder 2"/>
+          <p:cNvSpPr>
+            <a:spLocks noGrp="1"/>
+          </p:cNvSpPr>
+          <p:nvPr>
+            <p:ph type="body" idx="1"/>
+          </p:nvPr>
+        </p:nvSpPr>
+        <p:spPr/>
+        <p:txBody>
+          <a:bodyPr/>
+          <a:lstStyle/>
+          <a:p>
+            <a:r>
+              <a:rPr lang="en-GB" dirty="0" err="1" smtClean="0"/>
+              <a:t>Concrete</a:t>
+            </a:r>
+            <a:r>
+              <a:rPr lang="en-GB" baseline="0" dirty="0" err="1" smtClean="0"/>
+              <a:t>Creator’s</a:t>
+            </a:r>
+            <a:r>
+              <a:rPr lang="en-GB" baseline="0" dirty="0" smtClean="0"/>
+              <a:t> could be used in more than one class, </a:t>
+            </a:r>
+            <a:r>
+              <a:rPr lang="en-GB" baseline="0" dirty="0" err="1" smtClean="0"/>
+              <a:t>e.g</a:t>
+            </a:r>
+            <a:r>
+              <a:rPr lang="en-GB" baseline="0" dirty="0" smtClean="0"/>
+              <a:t> a parallel class hierarchy to the creator </a:t>
+            </a:r>
+            <a:r>
+              <a:rPr lang="en-GB" baseline="0" dirty="0" err="1" smtClean="0"/>
+              <a:t>heirachy</a:t>
+            </a:r>
+            <a:r>
+              <a:rPr lang="en-GB" baseline="0" dirty="0" smtClean="0"/>
+              <a:t>, that want to use the Products</a:t>
+            </a:r>
+            <a:endParaRPr lang="en-GB" dirty="0"/>
+          </a:p>
+        </p:txBody>
+      </p:sp>
+      <p:sp>
+        <p:nvSpPr>
+          <p:cNvPr id="4" name="Slide Number Placeholder 3"/>
+          <p:cNvSpPr>
+            <a:spLocks noGrp="1"/>
+          </p:cNvSpPr>
+          <p:nvPr>
+            <p:ph type="sldNum" sz="quarter" idx="10"/>
+          </p:nvPr>
+        </p:nvSpPr>
+        <p:spPr/>
+        <p:txBody>
+          <a:bodyPr/>
+          <a:lstStyle/>
+          <a:p>
+            <a:fld id="{E9305022-B285-49AC-82C4-3908CD71CB6E}" type="slidenum">
+              <a:rPr lang="en-GB" smtClean="0"/>
+              <a:t>8</a:t>
+            </a:fld>
+            <a:endParaRPr lang="en-GB"/>
+          </a:p>
+        </p:txBody>
+      </p:sp>
+    </p:spTree>
+    <p:extLst>
+      <p:ext uri="{BB962C8B-B14F-4D97-AF65-F5344CB8AC3E}">
+        <p14:creationId xmlns:p14="http://schemas.microsoft.com/office/powerpoint/2010/main" val="2242186196"/>
+      </p:ext>
+    </p:extLst>
+  </p:cSld>
+  <p:clrMapOvr>
+    <a:masterClrMapping/>
+  </p:clrMapOvr>
+</p:notes>
+</file>
+
+<file path=ppt/notesSlides/notesSlide3.xml><?xml version="1.0" encoding="utf-8"?>
+<p:notes xmlns:a="http://schemas.openxmlformats.org/drawingml/2006/main" xmlns:r="http://schemas.openxmlformats.org/officeDocument/2006/relationships" xmlns:p="http://schemas.openxmlformats.org/presentationml/2006/main">
+  <p:cSld>
+    <p:spTree>
+      <p:nvGrpSpPr>
+        <p:cNvPr id="1" name=""/>
+        <p:cNvGrpSpPr/>
+        <p:nvPr/>
+      </p:nvGrpSpPr>
+      <p:grpSpPr>
+        <a:xfrm>
+          <a:off x="0" y="0"/>
+          <a:ext cx="0" cy="0"/>
+          <a:chOff x="0" y="0"/>
+          <a:chExt cx="0" cy="0"/>
+        </a:xfrm>
+      </p:grpSpPr>
+      <p:sp>
+        <p:nvSpPr>
+          <p:cNvPr id="2" name="Slide Image Placeholder 1"/>
+          <p:cNvSpPr>
+            <a:spLocks noGrp="1" noRot="1" noChangeAspect="1"/>
+          </p:cNvSpPr>
+          <p:nvPr>
+            <p:ph type="sldImg"/>
+          </p:nvPr>
+        </p:nvSpPr>
+        <p:spPr/>
+      </p:sp>
+      <p:sp>
+        <p:nvSpPr>
+          <p:cNvPr id="3" name="Notes Placeholder 2"/>
+          <p:cNvSpPr>
+            <a:spLocks noGrp="1"/>
+          </p:cNvSpPr>
+          <p:nvPr>
+            <p:ph type="body" idx="1"/>
+          </p:nvPr>
+        </p:nvSpPr>
+        <p:spPr/>
+        <p:txBody>
+          <a:bodyPr/>
+          <a:lstStyle/>
+          <a:p>
+            <a:r>
+              <a:rPr lang="en-GB" dirty="0" smtClean="0"/>
+              <a:t>In Factory Method Pattern,</a:t>
+            </a:r>
+            <a:r>
+              <a:rPr lang="en-GB" baseline="0" dirty="0" smtClean="0"/>
+              <a:t> the rest of the Creator class can do whatever it likes but in Abstract Factory pattern the </a:t>
+            </a:r>
+            <a:r>
+              <a:rPr lang="en-GB" baseline="0" dirty="0" err="1" smtClean="0"/>
+              <a:t>AbstractFactory’s</a:t>
+            </a:r>
+            <a:r>
+              <a:rPr lang="en-GB" baseline="0" dirty="0" smtClean="0"/>
+              <a:t> whole job is to create products.</a:t>
+            </a:r>
+            <a:endParaRPr lang="en-GB" dirty="0"/>
+          </a:p>
+        </p:txBody>
+      </p:sp>
+      <p:sp>
+        <p:nvSpPr>
+          <p:cNvPr id="4" name="Slide Number Placeholder 3"/>
+          <p:cNvSpPr>
+            <a:spLocks noGrp="1"/>
+          </p:cNvSpPr>
+          <p:nvPr>
+            <p:ph type="sldNum" sz="quarter" idx="10"/>
+          </p:nvPr>
+        </p:nvSpPr>
+        <p:spPr/>
+        <p:txBody>
+          <a:bodyPr/>
+          <a:lstStyle/>
+          <a:p>
+            <a:fld id="{E9305022-B285-49AC-82C4-3908CD71CB6E}" type="slidenum">
+              <a:rPr lang="en-GB" smtClean="0"/>
+              <a:t>9</a:t>
+            </a:fld>
+            <a:endParaRPr lang="en-GB"/>
+          </a:p>
+        </p:txBody>
+      </p:sp>
+    </p:spTree>
+    <p:extLst>
+      <p:ext uri="{BB962C8B-B14F-4D97-AF65-F5344CB8AC3E}">
+        <p14:creationId xmlns:p14="http://schemas.microsoft.com/office/powerpoint/2010/main" val="3809330091"/>
+      </p:ext>
+    </p:extLst>
+  </p:cSld>
+  <p:clrMapOvr>
+    <a:masterClrMapping/>
+  </p:clrMapOvr>
+</p:notes>
+</file>
+
 <file path=ppt/slideLayouts/slideLayout1.xml><?xml version="1.0" encoding="utf-8"?>
 <p:sldLayout xmlns:a="http://schemas.openxmlformats.org/drawingml/2006/main" xmlns:r="http://schemas.openxmlformats.org/officeDocument/2006/relationships" xmlns:p="http://schemas.openxmlformats.org/presentationml/2006/main" type="title" preserve="1">
   <p:cSld name="Title Slide">
@@ -726,7 +938,7 @@
           <a:p>
             <a:fld id="{8930E2FF-5471-4429-9B2F-C417631CDB23}" type="datetimeFigureOut">
               <a:rPr lang="en-GB" smtClean="0"/>
-              <a:t>13/07/2014</a:t>
+              <a:t>14/07/2014</a:t>
             </a:fld>
             <a:endParaRPr lang="en-GB"/>
           </a:p>
@@ -896,7 +1108,7 @@
           <a:p>
             <a:fld id="{8930E2FF-5471-4429-9B2F-C417631CDB23}" type="datetimeFigureOut">
               <a:rPr lang="en-GB" smtClean="0"/>
-              <a:t>13/07/2014</a:t>
+              <a:t>14/07/2014</a:t>
             </a:fld>
             <a:endParaRPr lang="en-GB"/>
           </a:p>
@@ -1076,7 +1288,7 @@
           <a:p>
             <a:fld id="{8930E2FF-5471-4429-9B2F-C417631CDB23}" type="datetimeFigureOut">
               <a:rPr lang="en-GB" smtClean="0"/>
-              <a:t>13/07/2014</a:t>
+              <a:t>14/07/2014</a:t>
             </a:fld>
             <a:endParaRPr lang="en-GB"/>
           </a:p>
@@ -1246,7 +1458,7 @@
           <a:p>
             <a:fld id="{8930E2FF-5471-4429-9B2F-C417631CDB23}" type="datetimeFigureOut">
               <a:rPr lang="en-GB" smtClean="0"/>
-              <a:t>13/07/2014</a:t>
+              <a:t>14/07/2014</a:t>
             </a:fld>
             <a:endParaRPr lang="en-GB"/>
           </a:p>
@@ -1492,7 +1704,7 @@
           <a:p>
             <a:fld id="{8930E2FF-5471-4429-9B2F-C417631CDB23}" type="datetimeFigureOut">
               <a:rPr lang="en-GB" smtClean="0"/>
-              <a:t>13/07/2014</a:t>
+              <a:t>14/07/2014</a:t>
             </a:fld>
             <a:endParaRPr lang="en-GB"/>
           </a:p>
@@ -1724,7 +1936,7 @@
           <a:p>
             <a:fld id="{8930E2FF-5471-4429-9B2F-C417631CDB23}" type="datetimeFigureOut">
               <a:rPr lang="en-GB" smtClean="0"/>
-              <a:t>13/07/2014</a:t>
+              <a:t>14/07/2014</a:t>
             </a:fld>
             <a:endParaRPr lang="en-GB"/>
           </a:p>
@@ -2091,7 +2303,7 @@
           <a:p>
             <a:fld id="{8930E2FF-5471-4429-9B2F-C417631CDB23}" type="datetimeFigureOut">
               <a:rPr lang="en-GB" smtClean="0"/>
-              <a:t>13/07/2014</a:t>
+              <a:t>14/07/2014</a:t>
             </a:fld>
             <a:endParaRPr lang="en-GB"/>
           </a:p>
@@ -2209,7 +2421,7 @@
           <a:p>
             <a:fld id="{8930E2FF-5471-4429-9B2F-C417631CDB23}" type="datetimeFigureOut">
               <a:rPr lang="en-GB" smtClean="0"/>
-              <a:t>13/07/2014</a:t>
+              <a:t>14/07/2014</a:t>
             </a:fld>
             <a:endParaRPr lang="en-GB"/>
           </a:p>
@@ -2304,7 +2516,7 @@
           <a:p>
             <a:fld id="{8930E2FF-5471-4429-9B2F-C417631CDB23}" type="datetimeFigureOut">
               <a:rPr lang="en-GB" smtClean="0"/>
-              <a:t>13/07/2014</a:t>
+              <a:t>14/07/2014</a:t>
             </a:fld>
             <a:endParaRPr lang="en-GB"/>
           </a:p>
@@ -2581,7 +2793,7 @@
           <a:p>
             <a:fld id="{8930E2FF-5471-4429-9B2F-C417631CDB23}" type="datetimeFigureOut">
               <a:rPr lang="en-GB" smtClean="0"/>
-              <a:t>13/07/2014</a:t>
+              <a:t>14/07/2014</a:t>
             </a:fld>
             <a:endParaRPr lang="en-GB"/>
           </a:p>
@@ -2834,7 +3046,7 @@
           <a:p>
             <a:fld id="{8930E2FF-5471-4429-9B2F-C417631CDB23}" type="datetimeFigureOut">
               <a:rPr lang="en-GB" smtClean="0"/>
-              <a:t>13/07/2014</a:t>
+              <a:t>14/07/2014</a:t>
             </a:fld>
             <a:endParaRPr lang="en-GB"/>
           </a:p>
@@ -3047,7 +3259,7 @@
           <a:p>
             <a:fld id="{8930E2FF-5471-4429-9B2F-C417631CDB23}" type="datetimeFigureOut">
               <a:rPr lang="en-GB" smtClean="0"/>
-              <a:t>13/07/2014</a:t>
+              <a:t>14/07/2014</a:t>
             </a:fld>
             <a:endParaRPr lang="en-GB"/>
           </a:p>
@@ -3494,13 +3706,7 @@
               <a:rPr lang="en-GB" dirty="0" smtClean="0">
                 <a:latin typeface="+mj-lt"/>
               </a:rPr>
-              <a:t>Design </a:t>
-            </a:r>
-            <a:r>
-              <a:rPr lang="en-GB" dirty="0" smtClean="0">
-                <a:latin typeface="+mj-lt"/>
-              </a:rPr>
-              <a:t>Pattern</a:t>
+              <a:t>Design Pattern</a:t>
             </a:r>
           </a:p>
           <a:p>
@@ -3643,13 +3849,7 @@
               <a:rPr lang="en-GB">
                 <a:hlinkClick r:id="rId2"/>
               </a:rPr>
-              <a:t>https</a:t>
-            </a:r>
-            <a:r>
-              <a:rPr lang="en-GB">
-                <a:hlinkClick r:id="rId2"/>
-              </a:rPr>
-              <a:t>://</a:t>
+              <a:t>https://</a:t>
             </a:r>
             <a:r>
               <a:rPr lang="en-GB" smtClean="0">
@@ -3749,13 +3949,7 @@
               <a:rPr lang="en-GB" dirty="0" smtClean="0">
                 <a:latin typeface="+mj-lt"/>
               </a:rPr>
-              <a:t>Look at the definition of factory method </a:t>
-            </a:r>
-            <a:r>
-              <a:rPr lang="en-GB" dirty="0" smtClean="0">
-                <a:latin typeface="+mj-lt"/>
-              </a:rPr>
-              <a:t>pattern</a:t>
+              <a:t>Look at the definition of factory method pattern</a:t>
             </a:r>
           </a:p>
           <a:p>
@@ -3765,9 +3959,6 @@
               </a:rPr>
               <a:t>Applicability</a:t>
             </a:r>
-            <a:endParaRPr lang="en-GB" dirty="0" smtClean="0">
-              <a:latin typeface="+mj-lt"/>
-            </a:endParaRPr>
           </a:p>
           <a:p>
             <a:r>
@@ -4303,7 +4494,7 @@
           <a:p>
             <a:r>
               <a:rPr lang="en-GB" dirty="0" smtClean="0"/>
-              <a:t>Pros and Cons</a:t>
+              <a:t>Consequences</a:t>
             </a:r>
             <a:endParaRPr lang="en-GB" dirty="0"/>
           </a:p>
@@ -4328,7 +4519,15 @@
               <a:rPr lang="en-GB" dirty="0" smtClean="0">
                 <a:latin typeface="+mj-lt"/>
               </a:rPr>
-              <a:t>TODO</a:t>
+              <a:t>Provides hooks for subclasses</a:t>
+            </a:r>
+          </a:p>
+          <a:p>
+            <a:r>
+              <a:rPr lang="en-GB" dirty="0" smtClean="0">
+                <a:latin typeface="+mj-lt"/>
+              </a:rPr>
+              <a:t>Connects parallel class hierarchies</a:t>
             </a:r>
             <a:endParaRPr lang="en-GB" dirty="0">
               <a:latin typeface="+mj-lt"/>
@@ -4404,11 +4603,16 @@
           <a:bodyPr/>
           <a:lstStyle/>
           <a:p>
+            <a:endParaRPr lang="en-GB" dirty="0" smtClean="0">
+              <a:latin typeface="+mj-lt"/>
+            </a:endParaRPr>
+          </a:p>
+          <a:p>
             <a:r>
               <a:rPr lang="en-GB" dirty="0" smtClean="0">
                 <a:latin typeface="+mj-lt"/>
               </a:rPr>
-              <a:t>TODO Class vs Object</a:t>
+              <a:t>Abstract Factory creates a family of products</a:t>
             </a:r>
           </a:p>
           <a:p>
@@ -4416,11 +4620,46 @@
               <a:rPr lang="en-GB" dirty="0" smtClean="0">
                 <a:latin typeface="+mj-lt"/>
               </a:rPr>
-              <a:t>TODO Pattern is only one method rather than whole</a:t>
-            </a:r>
-            <a:endParaRPr lang="en-GB" dirty="0">
-              <a:latin typeface="+mj-lt"/>
-            </a:endParaRPr>
+              <a:t>Pattern </a:t>
+            </a:r>
+            <a:r>
+              <a:rPr lang="en-GB" dirty="0" smtClean="0">
+                <a:latin typeface="+mj-lt"/>
+              </a:rPr>
+              <a:t>refers to </a:t>
+            </a:r>
+            <a:r>
+              <a:rPr lang="en-GB" dirty="0" smtClean="0">
+                <a:latin typeface="+mj-lt"/>
+              </a:rPr>
+              <a:t>only </a:t>
+            </a:r>
+            <a:r>
+              <a:rPr lang="en-GB" dirty="0" smtClean="0">
+                <a:latin typeface="+mj-lt"/>
+              </a:rPr>
+              <a:t>one method rather than </a:t>
+            </a:r>
+            <a:r>
+              <a:rPr lang="en-GB" dirty="0" smtClean="0">
+                <a:latin typeface="+mj-lt"/>
+              </a:rPr>
+              <a:t>whole object</a:t>
+            </a:r>
+          </a:p>
+          <a:p>
+            <a:r>
+              <a:rPr lang="en-GB" dirty="0">
+                <a:latin typeface="+mj-lt"/>
+              </a:rPr>
+              <a:t>Class vs Object scope</a:t>
+            </a:r>
+            <a:r>
+              <a:rPr lang="en-GB" dirty="0" smtClean="0">
+                <a:latin typeface="+mj-lt"/>
+              </a:rPr>
+              <a:t>?</a:t>
+            </a:r>
           </a:p>
         </p:txBody>
       </p:sp>

--- a/Patterns/docs/Factory Method.pptx
+++ b/Patterns/docs/Factory Method.pptx
@@ -551,8 +551,13 @@
             </a:r>
             <a:r>
               <a:rPr lang="en-GB" baseline="0" dirty="0" smtClean="0"/>
-              <a:t> could be a static method</a:t>
-            </a:r>
+              <a:t> could be a </a:t>
+            </a:r>
+            <a:r>
+              <a:rPr lang="en-GB" baseline="0" dirty="0" smtClean="0"/>
+              <a:t>static method or even a non-member function</a:t>
+            </a:r>
+            <a:endParaRPr lang="en-GB" baseline="0" dirty="0" smtClean="0"/>
           </a:p>
           <a:p>
             <a:endParaRPr lang="en-GB" dirty="0"/>
@@ -3933,7 +3938,31 @@
               <a:rPr lang="en-GB" dirty="0" smtClean="0">
                 <a:latin typeface="+mj-lt"/>
               </a:rPr>
-              <a:t>Intro to PizzaStore with simple static factory</a:t>
+              <a:t>Intro to </a:t>
+            </a:r>
+            <a:r>
+              <a:rPr lang="en-GB" dirty="0" err="1" smtClean="0">
+                <a:latin typeface="+mj-lt"/>
+              </a:rPr>
+              <a:t>PizzaStore</a:t>
+            </a:r>
+            <a:r>
+              <a:rPr lang="en-GB" dirty="0" smtClean="0">
+                <a:latin typeface="+mj-lt"/>
+              </a:rPr>
+              <a:t> </a:t>
+            </a:r>
+            <a:r>
+              <a:rPr lang="en-GB" dirty="0" smtClean="0">
+                <a:latin typeface="+mj-lt"/>
+              </a:rPr>
+              <a:t>with simple (static) </a:t>
+            </a:r>
+            <a:r>
+              <a:rPr lang="en-GB" dirty="0" smtClean="0">
+                <a:latin typeface="+mj-lt"/>
+              </a:rPr>
+              <a:t>factory</a:t>
             </a:r>
           </a:p>
           <a:p>

--- a/Patterns/docs/Factory Method.pptx
+++ b/Patterns/docs/Factory Method.pptx
@@ -206,7 +206,7 @@
           <a:p>
             <a:fld id="{3719A91D-C916-4BC3-8AC6-4EE67F652176}" type="datetimeFigureOut">
               <a:rPr lang="en-GB" smtClean="0"/>
-              <a:t>14/07/2014</a:t>
+              <a:t>15/07/2014</a:t>
             </a:fld>
             <a:endParaRPr lang="en-GB"/>
           </a:p>
@@ -551,13 +551,8 @@
             </a:r>
             <a:r>
               <a:rPr lang="en-GB" baseline="0" dirty="0" smtClean="0"/>
-              <a:t> could be a </a:t>
-            </a:r>
-            <a:r>
-              <a:rPr lang="en-GB" baseline="0" dirty="0" smtClean="0"/>
-              <a:t>static method or even a non-member function</a:t>
-            </a:r>
-            <a:endParaRPr lang="en-GB" baseline="0" dirty="0" smtClean="0"/>
+              <a:t> could be a static method or even a non-member function</a:t>
+            </a:r>
           </a:p>
           <a:p>
             <a:endParaRPr lang="en-GB" dirty="0"/>
@@ -943,7 +938,7 @@
           <a:p>
             <a:fld id="{8930E2FF-5471-4429-9B2F-C417631CDB23}" type="datetimeFigureOut">
               <a:rPr lang="en-GB" smtClean="0"/>
-              <a:t>14/07/2014</a:t>
+              <a:t>15/07/2014</a:t>
             </a:fld>
             <a:endParaRPr lang="en-GB"/>
           </a:p>
@@ -1113,7 +1108,7 @@
           <a:p>
             <a:fld id="{8930E2FF-5471-4429-9B2F-C417631CDB23}" type="datetimeFigureOut">
               <a:rPr lang="en-GB" smtClean="0"/>
-              <a:t>14/07/2014</a:t>
+              <a:t>15/07/2014</a:t>
             </a:fld>
             <a:endParaRPr lang="en-GB"/>
           </a:p>
@@ -1293,7 +1288,7 @@
           <a:p>
             <a:fld id="{8930E2FF-5471-4429-9B2F-C417631CDB23}" type="datetimeFigureOut">
               <a:rPr lang="en-GB" smtClean="0"/>
-              <a:t>14/07/2014</a:t>
+              <a:t>15/07/2014</a:t>
             </a:fld>
             <a:endParaRPr lang="en-GB"/>
           </a:p>
@@ -1463,7 +1458,7 @@
           <a:p>
             <a:fld id="{8930E2FF-5471-4429-9B2F-C417631CDB23}" type="datetimeFigureOut">
               <a:rPr lang="en-GB" smtClean="0"/>
-              <a:t>14/07/2014</a:t>
+              <a:t>15/07/2014</a:t>
             </a:fld>
             <a:endParaRPr lang="en-GB"/>
           </a:p>
@@ -1709,7 +1704,7 @@
           <a:p>
             <a:fld id="{8930E2FF-5471-4429-9B2F-C417631CDB23}" type="datetimeFigureOut">
               <a:rPr lang="en-GB" smtClean="0"/>
-              <a:t>14/07/2014</a:t>
+              <a:t>15/07/2014</a:t>
             </a:fld>
             <a:endParaRPr lang="en-GB"/>
           </a:p>
@@ -1941,7 +1936,7 @@
           <a:p>
             <a:fld id="{8930E2FF-5471-4429-9B2F-C417631CDB23}" type="datetimeFigureOut">
               <a:rPr lang="en-GB" smtClean="0"/>
-              <a:t>14/07/2014</a:t>
+              <a:t>15/07/2014</a:t>
             </a:fld>
             <a:endParaRPr lang="en-GB"/>
           </a:p>
@@ -2308,7 +2303,7 @@
           <a:p>
             <a:fld id="{8930E2FF-5471-4429-9B2F-C417631CDB23}" type="datetimeFigureOut">
               <a:rPr lang="en-GB" smtClean="0"/>
-              <a:t>14/07/2014</a:t>
+              <a:t>15/07/2014</a:t>
             </a:fld>
             <a:endParaRPr lang="en-GB"/>
           </a:p>
@@ -2426,7 +2421,7 @@
           <a:p>
             <a:fld id="{8930E2FF-5471-4429-9B2F-C417631CDB23}" type="datetimeFigureOut">
               <a:rPr lang="en-GB" smtClean="0"/>
-              <a:t>14/07/2014</a:t>
+              <a:t>15/07/2014</a:t>
             </a:fld>
             <a:endParaRPr lang="en-GB"/>
           </a:p>
@@ -2521,7 +2516,7 @@
           <a:p>
             <a:fld id="{8930E2FF-5471-4429-9B2F-C417631CDB23}" type="datetimeFigureOut">
               <a:rPr lang="en-GB" smtClean="0"/>
-              <a:t>14/07/2014</a:t>
+              <a:t>15/07/2014</a:t>
             </a:fld>
             <a:endParaRPr lang="en-GB"/>
           </a:p>
@@ -2798,7 +2793,7 @@
           <a:p>
             <a:fld id="{8930E2FF-5471-4429-9B2F-C417631CDB23}" type="datetimeFigureOut">
               <a:rPr lang="en-GB" smtClean="0"/>
-              <a:t>14/07/2014</a:t>
+              <a:t>15/07/2014</a:t>
             </a:fld>
             <a:endParaRPr lang="en-GB"/>
           </a:p>
@@ -3051,7 +3046,7 @@
           <a:p>
             <a:fld id="{8930E2FF-5471-4429-9B2F-C417631CDB23}" type="datetimeFigureOut">
               <a:rPr lang="en-GB" smtClean="0"/>
-              <a:t>14/07/2014</a:t>
+              <a:t>15/07/2014</a:t>
             </a:fld>
             <a:endParaRPr lang="en-GB"/>
           </a:p>
@@ -3264,7 +3259,7 @@
           <a:p>
             <a:fld id="{8930E2FF-5471-4429-9B2F-C417631CDB23}" type="datetimeFigureOut">
               <a:rPr lang="en-GB" smtClean="0"/>
-              <a:t>14/07/2014</a:t>
+              <a:t>15/07/2014</a:t>
             </a:fld>
             <a:endParaRPr lang="en-GB"/>
           </a:p>
@@ -3839,30 +3834,80 @@
           <a:lstStyle/>
           <a:p>
             <a:r>
-              <a:rPr lang="en-GB" dirty="0" smtClean="0"/>
-              <a:t>Head First Design Patterns</a:t>
-            </a:r>
-          </a:p>
-          <a:p>
-            <a:r>
-              <a:rPr lang="en-GB" dirty="0" smtClean="0"/>
+              <a:rPr lang="en-GB" dirty="0" smtClean="0">
+                <a:latin typeface="+mj-lt"/>
+              </a:rPr>
+              <a:t>Eric and Elisabeth Freeman, </a:t>
+            </a:r>
+            <a:r>
+              <a:rPr lang="en-GB" i="1" dirty="0" smtClean="0">
+                <a:latin typeface="+mj-lt"/>
+              </a:rPr>
+              <a:t>Head </a:t>
+            </a:r>
+            <a:r>
+              <a:rPr lang="en-GB" i="1" dirty="0" smtClean="0">
+                <a:latin typeface="+mj-lt"/>
+              </a:rPr>
+              <a:t>First Design </a:t>
+            </a:r>
+            <a:r>
+              <a:rPr lang="en-GB" i="1" dirty="0" smtClean="0">
+                <a:latin typeface="+mj-lt"/>
+              </a:rPr>
+              <a:t>Patterns</a:t>
+            </a:r>
+            <a:r>
+              <a:rPr lang="en-GB" dirty="0" smtClean="0">
+                <a:latin typeface="+mj-lt"/>
+              </a:rPr>
+              <a:t>, 2004</a:t>
+            </a:r>
+            <a:endParaRPr lang="en-GB" i="1" dirty="0" smtClean="0">
+              <a:latin typeface="+mj-lt"/>
+            </a:endParaRPr>
+          </a:p>
+          <a:p>
+            <a:r>
+              <a:rPr lang="en-GB" dirty="0" smtClean="0">
+                <a:latin typeface="+mj-lt"/>
+              </a:rPr>
+              <a:t>Gamma et al, </a:t>
+            </a:r>
+            <a:r>
+              <a:rPr lang="en-GB" i="1" dirty="0" smtClean="0">
+                <a:latin typeface="+mj-lt"/>
+              </a:rPr>
               <a:t>Design Patterns</a:t>
             </a:r>
-          </a:p>
-          <a:p>
-            <a:r>
-              <a:rPr lang="en-GB">
+            <a:r>
+              <a:rPr lang="en-GB" dirty="0" smtClean="0">
+                <a:latin typeface="+mj-lt"/>
+              </a:rPr>
+              <a:t>, 1994</a:t>
+            </a:r>
+            <a:endParaRPr lang="en-GB" dirty="0" smtClean="0">
+              <a:latin typeface="+mj-lt"/>
+            </a:endParaRPr>
+          </a:p>
+          <a:p>
+            <a:r>
+              <a:rPr lang="en-GB" dirty="0">
+                <a:latin typeface="+mj-lt"/>
                 <a:hlinkClick r:id="rId2"/>
               </a:rPr>
               <a:t>https://</a:t>
             </a:r>
             <a:r>
-              <a:rPr lang="en-GB" smtClean="0">
+              <a:rPr lang="en-GB" dirty="0" smtClean="0">
+                <a:latin typeface="+mj-lt"/>
                 <a:hlinkClick r:id="rId2"/>
               </a:rPr>
               <a:t>github.com/crsdrw/patterns/tree/factory_method</a:t>
             </a:r>
-            <a:endParaRPr lang="en-GB" smtClean="0"/>
+            <a:endParaRPr lang="en-GB" dirty="0" smtClean="0">
+              <a:latin typeface="+mj-lt"/>
+            </a:endParaRPr>
           </a:p>
         </p:txBody>
       </p:sp>
@@ -3950,19 +3995,7 @@
               <a:rPr lang="en-GB" dirty="0" smtClean="0">
                 <a:latin typeface="+mj-lt"/>
               </a:rPr>
-              <a:t> </a:t>
-            </a:r>
-            <a:r>
-              <a:rPr lang="en-GB" dirty="0" smtClean="0">
-                <a:latin typeface="+mj-lt"/>
-              </a:rPr>
-              <a:t>with simple (static) </a:t>
-            </a:r>
-            <a:r>
-              <a:rPr lang="en-GB" dirty="0" smtClean="0">
-                <a:latin typeface="+mj-lt"/>
-              </a:rPr>
-              <a:t>factory</a:t>
+              <a:t> with simple (static) factory</a:t>
             </a:r>
           </a:p>
           <a:p>
@@ -4072,7 +4105,7 @@
       </p:sp>
       <p:pic>
         <p:nvPicPr>
-          <p:cNvPr id="12" name="Picture 11"/>
+          <p:cNvPr id="3" name="Picture 2"/>
           <p:cNvPicPr>
             <a:picLocks noChangeAspect="1"/>
           </p:cNvPicPr>
@@ -4092,8 +4125,8 @@
         </p:blipFill>
         <p:spPr>
           <a:xfrm>
-            <a:off x="999413" y="1690688"/>
-            <a:ext cx="10193173" cy="4458322"/>
+            <a:off x="1004177" y="1690688"/>
+            <a:ext cx="10183646" cy="4172532"/>
           </a:xfrm>
           <a:prstGeom prst="rect">
             <a:avLst/>
@@ -4222,7 +4255,7 @@
       </p:sp>
       <p:pic>
         <p:nvPicPr>
-          <p:cNvPr id="7" name="Picture 6"/>
+          <p:cNvPr id="3" name="Picture 2"/>
           <p:cNvPicPr>
             <a:picLocks noChangeAspect="1"/>
           </p:cNvPicPr>
@@ -4242,8 +4275,8 @@
         </p:blipFill>
         <p:spPr>
           <a:xfrm>
-            <a:off x="1066800" y="1490663"/>
-            <a:ext cx="10058400" cy="4786604"/>
+            <a:off x="961308" y="1420925"/>
+            <a:ext cx="10269383" cy="4887007"/>
           </a:xfrm>
           <a:prstGeom prst="rect">
             <a:avLst/>
@@ -4346,7 +4379,7 @@
       </p:sp>
       <p:pic>
         <p:nvPicPr>
-          <p:cNvPr id="5" name="Picture 4"/>
+          <p:cNvPr id="3" name="Picture 2"/>
           <p:cNvPicPr>
             <a:picLocks noChangeAspect="1"/>
           </p:cNvPicPr>
@@ -4367,7 +4400,7 @@
         <p:spPr>
           <a:xfrm>
             <a:off x="2275942" y="1690688"/>
-            <a:ext cx="7640116" cy="2581635"/>
+            <a:ext cx="7640116" cy="2638793"/>
           </a:xfrm>
           <a:prstGeom prst="rect">
             <a:avLst/>
@@ -4649,31 +4682,7 @@
               <a:rPr lang="en-GB" dirty="0" smtClean="0">
                 <a:latin typeface="+mj-lt"/>
               </a:rPr>
-              <a:t>Pattern </a:t>
-            </a:r>
-            <a:r>
-              <a:rPr lang="en-GB" dirty="0" smtClean="0">
-                <a:latin typeface="+mj-lt"/>
-              </a:rPr>
-              <a:t>refers to </a:t>
-            </a:r>
-            <a:r>
-              <a:rPr lang="en-GB" dirty="0" smtClean="0">
-                <a:latin typeface="+mj-lt"/>
-              </a:rPr>
-              <a:t>only </a:t>
-            </a:r>
-            <a:r>
-              <a:rPr lang="en-GB" dirty="0" smtClean="0">
-                <a:latin typeface="+mj-lt"/>
-              </a:rPr>
-              <a:t>one method rather than </a:t>
-            </a:r>
-            <a:r>
-              <a:rPr lang="en-GB" dirty="0" smtClean="0">
-                <a:latin typeface="+mj-lt"/>
-              </a:rPr>
-              <a:t>whole object</a:t>
+              <a:t>Pattern refers to only one method rather than whole object</a:t>
             </a:r>
           </a:p>
           <a:p>

--- a/Patterns/docs/Factory Method.pptx
+++ b/Patterns/docs/Factory Method.pptx
@@ -4,17 +4,20 @@
   <p:sldMasterIdLst>
     <p:sldMasterId id="2147483648" r:id="rId1"/>
   </p:sldMasterIdLst>
+  <p:notesMasterIdLst>
+    <p:notesMasterId r:id="rId12"/>
+  </p:notesMasterIdLst>
   <p:sldIdLst>
     <p:sldId id="256" r:id="rId2"/>
     <p:sldId id="257" r:id="rId3"/>
     <p:sldId id="258" r:id="rId4"/>
     <p:sldId id="259" r:id="rId5"/>
-    <p:sldId id="265" r:id="rId6"/>
-    <p:sldId id="260" r:id="rId7"/>
-    <p:sldId id="263" r:id="rId8"/>
-    <p:sldId id="264" r:id="rId9"/>
-    <p:sldId id="261" r:id="rId10"/>
-    <p:sldId id="262" r:id="rId11"/>
+    <p:sldId id="260" r:id="rId6"/>
+    <p:sldId id="264" r:id="rId7"/>
+    <p:sldId id="265" r:id="rId8"/>
+    <p:sldId id="261" r:id="rId9"/>
+    <p:sldId id="262" r:id="rId10"/>
+    <p:sldId id="266" r:id="rId11"/>
   </p:sldIdLst>
   <p:sldSz cx="12192000" cy="6858000"/>
   <p:notesSz cx="6858000" cy="9144000"/>
@@ -121,6 +124,689 @@
 </p:presentation>
 </file>
 
+<file path=ppt/notesMasters/notesMaster1.xml><?xml version="1.0" encoding="utf-8"?>
+<p:notesMaster xmlns:a="http://schemas.openxmlformats.org/drawingml/2006/main" xmlns:r="http://schemas.openxmlformats.org/officeDocument/2006/relationships" xmlns:p="http://schemas.openxmlformats.org/presentationml/2006/main">
+  <p:cSld>
+    <p:bg>
+      <p:bgRef idx="1001">
+        <a:schemeClr val="bg1"/>
+      </p:bgRef>
+    </p:bg>
+    <p:spTree>
+      <p:nvGrpSpPr>
+        <p:cNvPr id="1" name=""/>
+        <p:cNvGrpSpPr/>
+        <p:nvPr/>
+      </p:nvGrpSpPr>
+      <p:grpSpPr>
+        <a:xfrm>
+          <a:off x="0" y="0"/>
+          <a:ext cx="0" cy="0"/>
+          <a:chOff x="0" y="0"/>
+          <a:chExt cx="0" cy="0"/>
+        </a:xfrm>
+      </p:grpSpPr>
+      <p:sp>
+        <p:nvSpPr>
+          <p:cNvPr id="2" name="Header Placeholder 1"/>
+          <p:cNvSpPr>
+            <a:spLocks noGrp="1"/>
+          </p:cNvSpPr>
+          <p:nvPr>
+            <p:ph type="hdr" sz="quarter"/>
+          </p:nvPr>
+        </p:nvSpPr>
+        <p:spPr>
+          <a:xfrm>
+            <a:off x="0" y="0"/>
+            <a:ext cx="2971800" cy="458788"/>
+          </a:xfrm>
+          <a:prstGeom prst="rect">
+            <a:avLst/>
+          </a:prstGeom>
+        </p:spPr>
+        <p:txBody>
+          <a:bodyPr vert="horz" lIns="91440" tIns="45720" rIns="91440" bIns="45720" rtlCol="0"/>
+          <a:lstStyle>
+            <a:lvl1pPr algn="l">
+              <a:defRPr sz="1200"/>
+            </a:lvl1pPr>
+          </a:lstStyle>
+          <a:p>
+            <a:endParaRPr lang="en-GB"/>
+          </a:p>
+        </p:txBody>
+      </p:sp>
+      <p:sp>
+        <p:nvSpPr>
+          <p:cNvPr id="3" name="Date Placeholder 2"/>
+          <p:cNvSpPr>
+            <a:spLocks noGrp="1"/>
+          </p:cNvSpPr>
+          <p:nvPr>
+            <p:ph type="dt" idx="1"/>
+          </p:nvPr>
+        </p:nvSpPr>
+        <p:spPr>
+          <a:xfrm>
+            <a:off x="3884613" y="0"/>
+            <a:ext cx="2971800" cy="458788"/>
+          </a:xfrm>
+          <a:prstGeom prst="rect">
+            <a:avLst/>
+          </a:prstGeom>
+        </p:spPr>
+        <p:txBody>
+          <a:bodyPr vert="horz" lIns="91440" tIns="45720" rIns="91440" bIns="45720" rtlCol="0"/>
+          <a:lstStyle>
+            <a:lvl1pPr algn="r">
+              <a:defRPr sz="1200"/>
+            </a:lvl1pPr>
+          </a:lstStyle>
+          <a:p>
+            <a:fld id="{3719A91D-C916-4BC3-8AC6-4EE67F652176}" type="datetimeFigureOut">
+              <a:rPr lang="en-GB" smtClean="0"/>
+              <a:t>15/07/2014</a:t>
+            </a:fld>
+            <a:endParaRPr lang="en-GB"/>
+          </a:p>
+        </p:txBody>
+      </p:sp>
+      <p:sp>
+        <p:nvSpPr>
+          <p:cNvPr id="4" name="Slide Image Placeholder 3"/>
+          <p:cNvSpPr>
+            <a:spLocks noGrp="1" noRot="1" noChangeAspect="1"/>
+          </p:cNvSpPr>
+          <p:nvPr>
+            <p:ph type="sldImg" idx="2"/>
+          </p:nvPr>
+        </p:nvSpPr>
+        <p:spPr>
+          <a:xfrm>
+            <a:off x="685800" y="1143000"/>
+            <a:ext cx="5486400" cy="3086100"/>
+          </a:xfrm>
+          <a:prstGeom prst="rect">
+            <a:avLst/>
+          </a:prstGeom>
+          <a:noFill/>
+          <a:ln w="12700">
+            <a:solidFill>
+              <a:prstClr val="black"/>
+            </a:solidFill>
+          </a:ln>
+        </p:spPr>
+        <p:txBody>
+          <a:bodyPr vert="horz" lIns="91440" tIns="45720" rIns="91440" bIns="45720" rtlCol="0" anchor="ctr"/>
+          <a:lstStyle/>
+          <a:p>
+            <a:endParaRPr lang="en-GB"/>
+          </a:p>
+        </p:txBody>
+      </p:sp>
+      <p:sp>
+        <p:nvSpPr>
+          <p:cNvPr id="5" name="Notes Placeholder 4"/>
+          <p:cNvSpPr>
+            <a:spLocks noGrp="1"/>
+          </p:cNvSpPr>
+          <p:nvPr>
+            <p:ph type="body" sz="quarter" idx="3"/>
+          </p:nvPr>
+        </p:nvSpPr>
+        <p:spPr>
+          <a:xfrm>
+            <a:off x="685800" y="4400550"/>
+            <a:ext cx="5486400" cy="3600450"/>
+          </a:xfrm>
+          <a:prstGeom prst="rect">
+            <a:avLst/>
+          </a:prstGeom>
+        </p:spPr>
+        <p:txBody>
+          <a:bodyPr vert="horz" lIns="91440" tIns="45720" rIns="91440" bIns="45720" rtlCol="0"/>
+          <a:lstStyle/>
+          <a:p>
+            <a:pPr lvl="0"/>
+            <a:r>
+              <a:rPr lang="en-US" smtClean="0"/>
+              <a:t>Click to edit Master text styles</a:t>
+            </a:r>
+          </a:p>
+          <a:p>
+            <a:pPr lvl="1"/>
+            <a:r>
+              <a:rPr lang="en-US" smtClean="0"/>
+              <a:t>Second level</a:t>
+            </a:r>
+          </a:p>
+          <a:p>
+            <a:pPr lvl="2"/>
+            <a:r>
+              <a:rPr lang="en-US" smtClean="0"/>
+              <a:t>Third level</a:t>
+            </a:r>
+          </a:p>
+          <a:p>
+            <a:pPr lvl="3"/>
+            <a:r>
+              <a:rPr lang="en-US" smtClean="0"/>
+              <a:t>Fourth level</a:t>
+            </a:r>
+          </a:p>
+          <a:p>
+            <a:pPr lvl="4"/>
+            <a:r>
+              <a:rPr lang="en-US" smtClean="0"/>
+              <a:t>Fifth level</a:t>
+            </a:r>
+            <a:endParaRPr lang="en-GB"/>
+          </a:p>
+        </p:txBody>
+      </p:sp>
+      <p:sp>
+        <p:nvSpPr>
+          <p:cNvPr id="6" name="Footer Placeholder 5"/>
+          <p:cNvSpPr>
+            <a:spLocks noGrp="1"/>
+          </p:cNvSpPr>
+          <p:nvPr>
+            <p:ph type="ftr" sz="quarter" idx="4"/>
+          </p:nvPr>
+        </p:nvSpPr>
+        <p:spPr>
+          <a:xfrm>
+            <a:off x="0" y="8685213"/>
+            <a:ext cx="2971800" cy="458787"/>
+          </a:xfrm>
+          <a:prstGeom prst="rect">
+            <a:avLst/>
+          </a:prstGeom>
+        </p:spPr>
+        <p:txBody>
+          <a:bodyPr vert="horz" lIns="91440" tIns="45720" rIns="91440" bIns="45720" rtlCol="0" anchor="b"/>
+          <a:lstStyle>
+            <a:lvl1pPr algn="l">
+              <a:defRPr sz="1200"/>
+            </a:lvl1pPr>
+          </a:lstStyle>
+          <a:p>
+            <a:endParaRPr lang="en-GB"/>
+          </a:p>
+        </p:txBody>
+      </p:sp>
+      <p:sp>
+        <p:nvSpPr>
+          <p:cNvPr id="7" name="Slide Number Placeholder 6"/>
+          <p:cNvSpPr>
+            <a:spLocks noGrp="1"/>
+          </p:cNvSpPr>
+          <p:nvPr>
+            <p:ph type="sldNum" sz="quarter" idx="5"/>
+          </p:nvPr>
+        </p:nvSpPr>
+        <p:spPr>
+          <a:xfrm>
+            <a:off x="3884613" y="8685213"/>
+            <a:ext cx="2971800" cy="458787"/>
+          </a:xfrm>
+          <a:prstGeom prst="rect">
+            <a:avLst/>
+          </a:prstGeom>
+        </p:spPr>
+        <p:txBody>
+          <a:bodyPr vert="horz" lIns="91440" tIns="45720" rIns="91440" bIns="45720" rtlCol="0" anchor="b"/>
+          <a:lstStyle>
+            <a:lvl1pPr algn="r">
+              <a:defRPr sz="1200"/>
+            </a:lvl1pPr>
+          </a:lstStyle>
+          <a:p>
+            <a:fld id="{E9305022-B285-49AC-82C4-3908CD71CB6E}" type="slidenum">
+              <a:rPr lang="en-GB" smtClean="0"/>
+              <a:t>‹#›</a:t>
+            </a:fld>
+            <a:endParaRPr lang="en-GB"/>
+          </a:p>
+        </p:txBody>
+      </p:sp>
+    </p:spTree>
+    <p:extLst>
+      <p:ext uri="{BB962C8B-B14F-4D97-AF65-F5344CB8AC3E}">
+        <p14:creationId xmlns:p14="http://schemas.microsoft.com/office/powerpoint/2010/main" val="3554048570"/>
+      </p:ext>
+    </p:extLst>
+  </p:cSld>
+  <p:clrMap bg1="lt1" tx1="dk1" bg2="lt2" tx2="dk2" accent1="accent1" accent2="accent2" accent3="accent3" accent4="accent4" accent5="accent5" accent6="accent6" hlink="hlink" folHlink="folHlink"/>
+  <p:notesStyle>
+    <a:lvl1pPr marL="0" algn="l" defTabSz="914400" rtl="0" eaLnBrk="1" latinLnBrk="0" hangingPunct="1">
+      <a:defRPr sz="1200" kern="1200">
+        <a:solidFill>
+          <a:schemeClr val="tx1"/>
+        </a:solidFill>
+        <a:latin typeface="+mn-lt"/>
+        <a:ea typeface="+mn-ea"/>
+        <a:cs typeface="+mn-cs"/>
+      </a:defRPr>
+    </a:lvl1pPr>
+    <a:lvl2pPr marL="457200" algn="l" defTabSz="914400" rtl="0" eaLnBrk="1" latinLnBrk="0" hangingPunct="1">
+      <a:defRPr sz="1200" kern="1200">
+        <a:solidFill>
+          <a:schemeClr val="tx1"/>
+        </a:solidFill>
+        <a:latin typeface="+mn-lt"/>
+        <a:ea typeface="+mn-ea"/>
+        <a:cs typeface="+mn-cs"/>
+      </a:defRPr>
+    </a:lvl2pPr>
+    <a:lvl3pPr marL="914400" algn="l" defTabSz="914400" rtl="0" eaLnBrk="1" latinLnBrk="0" hangingPunct="1">
+      <a:defRPr sz="1200" kern="1200">
+        <a:solidFill>
+          <a:schemeClr val="tx1"/>
+        </a:solidFill>
+        <a:latin typeface="+mn-lt"/>
+        <a:ea typeface="+mn-ea"/>
+        <a:cs typeface="+mn-cs"/>
+      </a:defRPr>
+    </a:lvl3pPr>
+    <a:lvl4pPr marL="1371600" algn="l" defTabSz="914400" rtl="0" eaLnBrk="1" latinLnBrk="0" hangingPunct="1">
+      <a:defRPr sz="1200" kern="1200">
+        <a:solidFill>
+          <a:schemeClr val="tx1"/>
+        </a:solidFill>
+        <a:latin typeface="+mn-lt"/>
+        <a:ea typeface="+mn-ea"/>
+        <a:cs typeface="+mn-cs"/>
+      </a:defRPr>
+    </a:lvl4pPr>
+    <a:lvl5pPr marL="1828800" algn="l" defTabSz="914400" rtl="0" eaLnBrk="1" latinLnBrk="0" hangingPunct="1">
+      <a:defRPr sz="1200" kern="1200">
+        <a:solidFill>
+          <a:schemeClr val="tx1"/>
+        </a:solidFill>
+        <a:latin typeface="+mn-lt"/>
+        <a:ea typeface="+mn-ea"/>
+        <a:cs typeface="+mn-cs"/>
+      </a:defRPr>
+    </a:lvl5pPr>
+    <a:lvl6pPr marL="2286000" algn="l" defTabSz="914400" rtl="0" eaLnBrk="1" latinLnBrk="0" hangingPunct="1">
+      <a:defRPr sz="1200" kern="1200">
+        <a:solidFill>
+          <a:schemeClr val="tx1"/>
+        </a:solidFill>
+        <a:latin typeface="+mn-lt"/>
+        <a:ea typeface="+mn-ea"/>
+        <a:cs typeface="+mn-cs"/>
+      </a:defRPr>
+    </a:lvl6pPr>
+    <a:lvl7pPr marL="2743200" algn="l" defTabSz="914400" rtl="0" eaLnBrk="1" latinLnBrk="0" hangingPunct="1">
+      <a:defRPr sz="1200" kern="1200">
+        <a:solidFill>
+          <a:schemeClr val="tx1"/>
+        </a:solidFill>
+        <a:latin typeface="+mn-lt"/>
+        <a:ea typeface="+mn-ea"/>
+        <a:cs typeface="+mn-cs"/>
+      </a:defRPr>
+    </a:lvl7pPr>
+    <a:lvl8pPr marL="3200400" algn="l" defTabSz="914400" rtl="0" eaLnBrk="1" latinLnBrk="0" hangingPunct="1">
+      <a:defRPr sz="1200" kern="1200">
+        <a:solidFill>
+          <a:schemeClr val="tx1"/>
+        </a:solidFill>
+        <a:latin typeface="+mn-lt"/>
+        <a:ea typeface="+mn-ea"/>
+        <a:cs typeface="+mn-cs"/>
+      </a:defRPr>
+    </a:lvl8pPr>
+    <a:lvl9pPr marL="3657600" algn="l" defTabSz="914400" rtl="0" eaLnBrk="1" latinLnBrk="0" hangingPunct="1">
+      <a:defRPr sz="1200" kern="1200">
+        <a:solidFill>
+          <a:schemeClr val="tx1"/>
+        </a:solidFill>
+        <a:latin typeface="+mn-lt"/>
+        <a:ea typeface="+mn-ea"/>
+        <a:cs typeface="+mn-cs"/>
+      </a:defRPr>
+    </a:lvl9pPr>
+  </p:notesStyle>
+</p:notesMaster>
+</file>
+
+<file path=ppt/notesSlides/notesSlide1.xml><?xml version="1.0" encoding="utf-8"?>
+<p:notes xmlns:a="http://schemas.openxmlformats.org/drawingml/2006/main" xmlns:r="http://schemas.openxmlformats.org/officeDocument/2006/relationships" xmlns:p="http://schemas.openxmlformats.org/presentationml/2006/main">
+  <p:cSld>
+    <p:spTree>
+      <p:nvGrpSpPr>
+        <p:cNvPr id="1" name=""/>
+        <p:cNvGrpSpPr/>
+        <p:nvPr/>
+      </p:nvGrpSpPr>
+      <p:grpSpPr>
+        <a:xfrm>
+          <a:off x="0" y="0"/>
+          <a:ext cx="0" cy="0"/>
+          <a:chOff x="0" y="0"/>
+          <a:chExt cx="0" cy="0"/>
+        </a:xfrm>
+      </p:grpSpPr>
+      <p:sp>
+        <p:nvSpPr>
+          <p:cNvPr id="2" name="Slide Image Placeholder 1"/>
+          <p:cNvSpPr>
+            <a:spLocks noGrp="1" noRot="1" noChangeAspect="1"/>
+          </p:cNvSpPr>
+          <p:nvPr>
+            <p:ph type="sldImg"/>
+          </p:nvPr>
+        </p:nvSpPr>
+        <p:spPr/>
+      </p:sp>
+      <p:sp>
+        <p:nvSpPr>
+          <p:cNvPr id="3" name="Notes Placeholder 2"/>
+          <p:cNvSpPr>
+            <a:spLocks noGrp="1"/>
+          </p:cNvSpPr>
+          <p:nvPr>
+            <p:ph type="body" idx="1"/>
+          </p:nvPr>
+        </p:nvSpPr>
+        <p:spPr/>
+        <p:txBody>
+          <a:bodyPr/>
+          <a:lstStyle/>
+          <a:p>
+            <a:r>
+              <a:rPr lang="en-GB" dirty="0" err="1" smtClean="0"/>
+              <a:t>SimplePizzaFactory</a:t>
+            </a:r>
+            <a:r>
+              <a:rPr lang="en-GB" dirty="0" smtClean="0"/>
+              <a:t> could have</a:t>
+            </a:r>
+            <a:r>
+              <a:rPr lang="en-GB" baseline="0" dirty="0" smtClean="0"/>
+              <a:t> many clients, </a:t>
+            </a:r>
+            <a:r>
+              <a:rPr lang="en-GB" baseline="0" dirty="0" err="1" smtClean="0"/>
+              <a:t>e.g</a:t>
+            </a:r>
+            <a:r>
+              <a:rPr lang="en-GB" baseline="0" dirty="0" smtClean="0"/>
+              <a:t> </a:t>
+            </a:r>
+            <a:r>
+              <a:rPr lang="en-GB" baseline="0" dirty="0" err="1" smtClean="0"/>
+              <a:t>PizzaStoreMenu</a:t>
+            </a:r>
+            <a:endParaRPr lang="en-GB" baseline="0" dirty="0" smtClean="0"/>
+          </a:p>
+          <a:p>
+            <a:r>
+              <a:rPr lang="en-GB" baseline="0" dirty="0" err="1" smtClean="0"/>
+              <a:t>createPizza</a:t>
+            </a:r>
+            <a:r>
+              <a:rPr lang="en-GB" baseline="0" dirty="0" smtClean="0"/>
+              <a:t> could be a static method or even a non-member function</a:t>
+            </a:r>
+          </a:p>
+          <a:p>
+            <a:endParaRPr lang="en-GB" dirty="0"/>
+          </a:p>
+        </p:txBody>
+      </p:sp>
+      <p:sp>
+        <p:nvSpPr>
+          <p:cNvPr id="4" name="Slide Number Placeholder 3"/>
+          <p:cNvSpPr>
+            <a:spLocks noGrp="1"/>
+          </p:cNvSpPr>
+          <p:nvPr>
+            <p:ph type="sldNum" sz="quarter" idx="10"/>
+          </p:nvPr>
+        </p:nvSpPr>
+        <p:spPr/>
+        <p:txBody>
+          <a:bodyPr/>
+          <a:lstStyle/>
+          <a:p>
+            <a:fld id="{E9305022-B285-49AC-82C4-3908CD71CB6E}" type="slidenum">
+              <a:rPr lang="en-GB" smtClean="0"/>
+              <a:t>3</a:t>
+            </a:fld>
+            <a:endParaRPr lang="en-GB"/>
+          </a:p>
+        </p:txBody>
+      </p:sp>
+    </p:spTree>
+    <p:extLst>
+      <p:ext uri="{BB962C8B-B14F-4D97-AF65-F5344CB8AC3E}">
+        <p14:creationId xmlns:p14="http://schemas.microsoft.com/office/powerpoint/2010/main" val="1996202582"/>
+      </p:ext>
+    </p:extLst>
+  </p:cSld>
+  <p:clrMapOvr>
+    <a:masterClrMapping/>
+  </p:clrMapOvr>
+</p:notes>
+</file>
+
+<file path=ppt/notesSlides/notesSlide2.xml><?xml version="1.0" encoding="utf-8"?>
+<p:notes xmlns:a="http://schemas.openxmlformats.org/drawingml/2006/main" xmlns:r="http://schemas.openxmlformats.org/officeDocument/2006/relationships" xmlns:p="http://schemas.openxmlformats.org/presentationml/2006/main">
+  <p:cSld>
+    <p:spTree>
+      <p:nvGrpSpPr>
+        <p:cNvPr id="1" name=""/>
+        <p:cNvGrpSpPr/>
+        <p:nvPr/>
+      </p:nvGrpSpPr>
+      <p:grpSpPr>
+        <a:xfrm>
+          <a:off x="0" y="0"/>
+          <a:ext cx="0" cy="0"/>
+          <a:chOff x="0" y="0"/>
+          <a:chExt cx="0" cy="0"/>
+        </a:xfrm>
+      </p:grpSpPr>
+      <p:sp>
+        <p:nvSpPr>
+          <p:cNvPr id="2" name="Slide Image Placeholder 1"/>
+          <p:cNvSpPr>
+            <a:spLocks noGrp="1" noRot="1" noChangeAspect="1"/>
+          </p:cNvSpPr>
+          <p:nvPr>
+            <p:ph type="sldImg"/>
+          </p:nvPr>
+        </p:nvSpPr>
+        <p:spPr/>
+      </p:sp>
+      <p:sp>
+        <p:nvSpPr>
+          <p:cNvPr id="3" name="Notes Placeholder 2"/>
+          <p:cNvSpPr>
+            <a:spLocks noGrp="1"/>
+          </p:cNvSpPr>
+          <p:nvPr>
+            <p:ph type="body" idx="1"/>
+          </p:nvPr>
+        </p:nvSpPr>
+        <p:spPr/>
+        <p:txBody>
+          <a:bodyPr/>
+          <a:lstStyle/>
+          <a:p>
+            <a:r>
+              <a:rPr lang="en-GB" dirty="0" err="1" smtClean="0"/>
+              <a:t>Concrete</a:t>
+            </a:r>
+            <a:r>
+              <a:rPr lang="en-GB" baseline="0" dirty="0" err="1" smtClean="0"/>
+              <a:t>Creator’s</a:t>
+            </a:r>
+            <a:r>
+              <a:rPr lang="en-GB" baseline="0" dirty="0" smtClean="0"/>
+              <a:t> could be used in more than one class, </a:t>
+            </a:r>
+            <a:r>
+              <a:rPr lang="en-GB" baseline="0" dirty="0" err="1" smtClean="0"/>
+              <a:t>e.g</a:t>
+            </a:r>
+            <a:r>
+              <a:rPr lang="en-GB" baseline="0" dirty="0" smtClean="0"/>
+              <a:t> a parallel class hierarchy to the creator </a:t>
+            </a:r>
+            <a:r>
+              <a:rPr lang="en-GB" baseline="0" dirty="0" err="1" smtClean="0"/>
+              <a:t>heirachy</a:t>
+            </a:r>
+            <a:r>
+              <a:rPr lang="en-GB" baseline="0" dirty="0" smtClean="0"/>
+              <a:t>, that want to use the Products</a:t>
+            </a:r>
+            <a:endParaRPr lang="en-GB" dirty="0"/>
+          </a:p>
+        </p:txBody>
+      </p:sp>
+      <p:sp>
+        <p:nvSpPr>
+          <p:cNvPr id="4" name="Slide Number Placeholder 3"/>
+          <p:cNvSpPr>
+            <a:spLocks noGrp="1"/>
+          </p:cNvSpPr>
+          <p:nvPr>
+            <p:ph type="sldNum" sz="quarter" idx="10"/>
+          </p:nvPr>
+        </p:nvSpPr>
+        <p:spPr/>
+        <p:txBody>
+          <a:bodyPr/>
+          <a:lstStyle/>
+          <a:p>
+            <a:fld id="{E9305022-B285-49AC-82C4-3908CD71CB6E}" type="slidenum">
+              <a:rPr lang="en-GB" smtClean="0"/>
+              <a:t>8</a:t>
+            </a:fld>
+            <a:endParaRPr lang="en-GB"/>
+          </a:p>
+        </p:txBody>
+      </p:sp>
+    </p:spTree>
+    <p:extLst>
+      <p:ext uri="{BB962C8B-B14F-4D97-AF65-F5344CB8AC3E}">
+        <p14:creationId xmlns:p14="http://schemas.microsoft.com/office/powerpoint/2010/main" val="2242186196"/>
+      </p:ext>
+    </p:extLst>
+  </p:cSld>
+  <p:clrMapOvr>
+    <a:masterClrMapping/>
+  </p:clrMapOvr>
+</p:notes>
+</file>
+
+<file path=ppt/notesSlides/notesSlide3.xml><?xml version="1.0" encoding="utf-8"?>
+<p:notes xmlns:a="http://schemas.openxmlformats.org/drawingml/2006/main" xmlns:r="http://schemas.openxmlformats.org/officeDocument/2006/relationships" xmlns:p="http://schemas.openxmlformats.org/presentationml/2006/main">
+  <p:cSld>
+    <p:spTree>
+      <p:nvGrpSpPr>
+        <p:cNvPr id="1" name=""/>
+        <p:cNvGrpSpPr/>
+        <p:nvPr/>
+      </p:nvGrpSpPr>
+      <p:grpSpPr>
+        <a:xfrm>
+          <a:off x="0" y="0"/>
+          <a:ext cx="0" cy="0"/>
+          <a:chOff x="0" y="0"/>
+          <a:chExt cx="0" cy="0"/>
+        </a:xfrm>
+      </p:grpSpPr>
+      <p:sp>
+        <p:nvSpPr>
+          <p:cNvPr id="2" name="Slide Image Placeholder 1"/>
+          <p:cNvSpPr>
+            <a:spLocks noGrp="1" noRot="1" noChangeAspect="1"/>
+          </p:cNvSpPr>
+          <p:nvPr>
+            <p:ph type="sldImg"/>
+          </p:nvPr>
+        </p:nvSpPr>
+        <p:spPr/>
+      </p:sp>
+      <p:sp>
+        <p:nvSpPr>
+          <p:cNvPr id="3" name="Notes Placeholder 2"/>
+          <p:cNvSpPr>
+            <a:spLocks noGrp="1"/>
+          </p:cNvSpPr>
+          <p:nvPr>
+            <p:ph type="body" idx="1"/>
+          </p:nvPr>
+        </p:nvSpPr>
+        <p:spPr/>
+        <p:txBody>
+          <a:bodyPr/>
+          <a:lstStyle/>
+          <a:p>
+            <a:r>
+              <a:rPr lang="en-GB" dirty="0" smtClean="0"/>
+              <a:t>In Factory Method Pattern,</a:t>
+            </a:r>
+            <a:r>
+              <a:rPr lang="en-GB" baseline="0" dirty="0" smtClean="0"/>
+              <a:t> the rest of the Creator class can do whatever it likes but in Abstract Factory pattern the </a:t>
+            </a:r>
+            <a:r>
+              <a:rPr lang="en-GB" baseline="0" dirty="0" err="1" smtClean="0"/>
+              <a:t>AbstractFactory’s</a:t>
+            </a:r>
+            <a:r>
+              <a:rPr lang="en-GB" baseline="0" dirty="0" smtClean="0"/>
+              <a:t> whole job is to create products.</a:t>
+            </a:r>
+            <a:endParaRPr lang="en-GB" dirty="0"/>
+          </a:p>
+        </p:txBody>
+      </p:sp>
+      <p:sp>
+        <p:nvSpPr>
+          <p:cNvPr id="4" name="Slide Number Placeholder 3"/>
+          <p:cNvSpPr>
+            <a:spLocks noGrp="1"/>
+          </p:cNvSpPr>
+          <p:nvPr>
+            <p:ph type="sldNum" sz="quarter" idx="10"/>
+          </p:nvPr>
+        </p:nvSpPr>
+        <p:spPr/>
+        <p:txBody>
+          <a:bodyPr/>
+          <a:lstStyle/>
+          <a:p>
+            <a:fld id="{E9305022-B285-49AC-82C4-3908CD71CB6E}" type="slidenum">
+              <a:rPr lang="en-GB" smtClean="0"/>
+              <a:t>9</a:t>
+            </a:fld>
+            <a:endParaRPr lang="en-GB"/>
+          </a:p>
+        </p:txBody>
+      </p:sp>
+    </p:spTree>
+    <p:extLst>
+      <p:ext uri="{BB962C8B-B14F-4D97-AF65-F5344CB8AC3E}">
+        <p14:creationId xmlns:p14="http://schemas.microsoft.com/office/powerpoint/2010/main" val="3809330091"/>
+      </p:ext>
+    </p:extLst>
+  </p:cSld>
+  <p:clrMapOvr>
+    <a:masterClrMapping/>
+  </p:clrMapOvr>
+</p:notes>
+</file>
+
 <file path=ppt/slideLayouts/slideLayout1.xml><?xml version="1.0" encoding="utf-8"?>
 <p:sldLayout xmlns:a="http://schemas.openxmlformats.org/drawingml/2006/main" xmlns:r="http://schemas.openxmlformats.org/officeDocument/2006/relationships" xmlns:p="http://schemas.openxmlformats.org/presentationml/2006/main" type="title" preserve="1">
   <p:cSld name="Title Slide">
@@ -252,7 +938,7 @@
           <a:p>
             <a:fld id="{8930E2FF-5471-4429-9B2F-C417631CDB23}" type="datetimeFigureOut">
               <a:rPr lang="en-GB" smtClean="0"/>
-              <a:t>12/07/2014</a:t>
+              <a:t>15/07/2014</a:t>
             </a:fld>
             <a:endParaRPr lang="en-GB"/>
           </a:p>
@@ -422,7 +1108,7 @@
           <a:p>
             <a:fld id="{8930E2FF-5471-4429-9B2F-C417631CDB23}" type="datetimeFigureOut">
               <a:rPr lang="en-GB" smtClean="0"/>
-              <a:t>12/07/2014</a:t>
+              <a:t>15/07/2014</a:t>
             </a:fld>
             <a:endParaRPr lang="en-GB"/>
           </a:p>
@@ -602,7 +1288,7 @@
           <a:p>
             <a:fld id="{8930E2FF-5471-4429-9B2F-C417631CDB23}" type="datetimeFigureOut">
               <a:rPr lang="en-GB" smtClean="0"/>
-              <a:t>12/07/2014</a:t>
+              <a:t>15/07/2014</a:t>
             </a:fld>
             <a:endParaRPr lang="en-GB"/>
           </a:p>
@@ -772,7 +1458,7 @@
           <a:p>
             <a:fld id="{8930E2FF-5471-4429-9B2F-C417631CDB23}" type="datetimeFigureOut">
               <a:rPr lang="en-GB" smtClean="0"/>
-              <a:t>12/07/2014</a:t>
+              <a:t>15/07/2014</a:t>
             </a:fld>
             <a:endParaRPr lang="en-GB"/>
           </a:p>
@@ -1018,7 +1704,7 @@
           <a:p>
             <a:fld id="{8930E2FF-5471-4429-9B2F-C417631CDB23}" type="datetimeFigureOut">
               <a:rPr lang="en-GB" smtClean="0"/>
-              <a:t>12/07/2014</a:t>
+              <a:t>15/07/2014</a:t>
             </a:fld>
             <a:endParaRPr lang="en-GB"/>
           </a:p>
@@ -1250,7 +1936,7 @@
           <a:p>
             <a:fld id="{8930E2FF-5471-4429-9B2F-C417631CDB23}" type="datetimeFigureOut">
               <a:rPr lang="en-GB" smtClean="0"/>
-              <a:t>12/07/2014</a:t>
+              <a:t>15/07/2014</a:t>
             </a:fld>
             <a:endParaRPr lang="en-GB"/>
           </a:p>
@@ -1617,7 +2303,7 @@
           <a:p>
             <a:fld id="{8930E2FF-5471-4429-9B2F-C417631CDB23}" type="datetimeFigureOut">
               <a:rPr lang="en-GB" smtClean="0"/>
-              <a:t>12/07/2014</a:t>
+              <a:t>15/07/2014</a:t>
             </a:fld>
             <a:endParaRPr lang="en-GB"/>
           </a:p>
@@ -1735,7 +2421,7 @@
           <a:p>
             <a:fld id="{8930E2FF-5471-4429-9B2F-C417631CDB23}" type="datetimeFigureOut">
               <a:rPr lang="en-GB" smtClean="0"/>
-              <a:t>12/07/2014</a:t>
+              <a:t>15/07/2014</a:t>
             </a:fld>
             <a:endParaRPr lang="en-GB"/>
           </a:p>
@@ -1830,7 +2516,7 @@
           <a:p>
             <a:fld id="{8930E2FF-5471-4429-9B2F-C417631CDB23}" type="datetimeFigureOut">
               <a:rPr lang="en-GB" smtClean="0"/>
-              <a:t>12/07/2014</a:t>
+              <a:t>15/07/2014</a:t>
             </a:fld>
             <a:endParaRPr lang="en-GB"/>
           </a:p>
@@ -2107,7 +2793,7 @@
           <a:p>
             <a:fld id="{8930E2FF-5471-4429-9B2F-C417631CDB23}" type="datetimeFigureOut">
               <a:rPr lang="en-GB" smtClean="0"/>
-              <a:t>12/07/2014</a:t>
+              <a:t>15/07/2014</a:t>
             </a:fld>
             <a:endParaRPr lang="en-GB"/>
           </a:p>
@@ -2360,7 +3046,7 @@
           <a:p>
             <a:fld id="{8930E2FF-5471-4429-9B2F-C417631CDB23}" type="datetimeFigureOut">
               <a:rPr lang="en-GB" smtClean="0"/>
-              <a:t>12/07/2014</a:t>
+              <a:t>15/07/2014</a:t>
             </a:fld>
             <a:endParaRPr lang="en-GB"/>
           </a:p>
@@ -2573,7 +3259,7 @@
           <a:p>
             <a:fld id="{8930E2FF-5471-4429-9B2F-C417631CDB23}" type="datetimeFigureOut">
               <a:rPr lang="en-GB" smtClean="0"/>
-              <a:t>12/07/2014</a:t>
+              <a:t>15/07/2014</a:t>
             </a:fld>
             <a:endParaRPr lang="en-GB"/>
           </a:p>
@@ -3017,10 +3703,58 @@
           <a:lstStyle/>
           <a:p>
             <a:r>
-              <a:rPr lang="en-GB" dirty="0" smtClean="0"/>
+              <a:rPr lang="en-GB" dirty="0" smtClean="0">
+                <a:latin typeface="+mj-lt"/>
+              </a:rPr>
               <a:t>Design Pattern</a:t>
             </a:r>
-            <a:endParaRPr lang="en-GB" dirty="0"/>
+          </a:p>
+          <a:p>
+            <a:r>
+              <a:rPr lang="en-GB" sz="1800" dirty="0" smtClean="0">
+                <a:solidFill>
+                  <a:schemeClr val="tx1">
+                    <a:lumMod val="50000"/>
+                    <a:lumOff val="50000"/>
+                  </a:schemeClr>
+                </a:solidFill>
+                <a:latin typeface="+mj-lt"/>
+              </a:rPr>
+              <a:t>Chris Drew 16</a:t>
+            </a:r>
+            <a:r>
+              <a:rPr lang="en-GB" sz="1800" baseline="30000" dirty="0" smtClean="0">
+                <a:solidFill>
+                  <a:schemeClr val="tx1">
+                    <a:lumMod val="50000"/>
+                    <a:lumOff val="50000"/>
+                  </a:schemeClr>
+                </a:solidFill>
+                <a:latin typeface="+mj-lt"/>
+              </a:rPr>
+              <a:t>th</a:t>
+            </a:r>
+            <a:r>
+              <a:rPr lang="en-GB" sz="1800" dirty="0" smtClean="0">
+                <a:solidFill>
+                  <a:schemeClr val="tx1">
+                    <a:lumMod val="50000"/>
+                    <a:lumOff val="50000"/>
+                  </a:schemeClr>
+                </a:solidFill>
+                <a:latin typeface="+mj-lt"/>
+              </a:rPr>
+              <a:t> July 2014</a:t>
+            </a:r>
+            <a:endParaRPr lang="en-GB" sz="1800" dirty="0">
+              <a:solidFill>
+                <a:schemeClr val="tx1">
+                  <a:lumMod val="50000"/>
+                  <a:lumOff val="50000"/>
+                </a:schemeClr>
+              </a:solidFill>
+              <a:latin typeface="+mj-lt"/>
+            </a:endParaRPr>
           </a:p>
         </p:txBody>
       </p:sp>
@@ -3034,6 +3768,13 @@
   <p:clrMapOvr>
     <a:masterClrMapping/>
   </p:clrMapOvr>
+  <p:timing>
+    <p:tnLst>
+      <p:par>
+        <p:cTn id="1" dur="indefinite" restart="never" nodeType="tmRoot"/>
+      </p:par>
+    </p:tnLst>
+  </p:timing>
 </p:sld>
 </file>
 
@@ -3071,7 +3812,7 @@
           <a:p>
             <a:r>
               <a:rPr lang="en-GB" dirty="0" smtClean="0"/>
-              <a:t>Differences vs Abstract Factory Pattern</a:t>
+              <a:t>References &amp; Links</a:t>
             </a:r>
             <a:endParaRPr lang="en-GB" dirty="0"/>
           </a:p>
@@ -3093,23 +3834,87 @@
           <a:lstStyle/>
           <a:p>
             <a:r>
-              <a:rPr lang="en-GB" dirty="0" smtClean="0"/>
-              <a:t>TODO Class vs Object</a:t>
-            </a:r>
-          </a:p>
-          <a:p>
-            <a:r>
-              <a:rPr lang="en-GB" dirty="0" smtClean="0"/>
-              <a:t>TODO Pattern is only one method rather than whole class</a:t>
-            </a:r>
-            <a:endParaRPr lang="en-GB" dirty="0"/>
+              <a:rPr lang="en-GB" dirty="0" smtClean="0">
+                <a:latin typeface="+mj-lt"/>
+              </a:rPr>
+              <a:t>Eric and Elisabeth Freeman, </a:t>
+            </a:r>
+            <a:r>
+              <a:rPr lang="en-GB" i="1" dirty="0" smtClean="0">
+                <a:latin typeface="+mj-lt"/>
+              </a:rPr>
+              <a:t>Head </a:t>
+            </a:r>
+            <a:r>
+              <a:rPr lang="en-GB" i="1" dirty="0" smtClean="0">
+                <a:latin typeface="+mj-lt"/>
+              </a:rPr>
+              <a:t>First Design </a:t>
+            </a:r>
+            <a:r>
+              <a:rPr lang="en-GB" i="1" dirty="0" smtClean="0">
+                <a:latin typeface="+mj-lt"/>
+              </a:rPr>
+              <a:t>Patterns</a:t>
+            </a:r>
+            <a:r>
+              <a:rPr lang="en-GB" dirty="0" smtClean="0">
+                <a:latin typeface="+mj-lt"/>
+              </a:rPr>
+              <a:t>, 2004</a:t>
+            </a:r>
+            <a:endParaRPr lang="en-GB" i="1" dirty="0" smtClean="0">
+              <a:latin typeface="+mj-lt"/>
+            </a:endParaRPr>
+          </a:p>
+          <a:p>
+            <a:r>
+              <a:rPr lang="en-GB" dirty="0" smtClean="0">
+                <a:latin typeface="+mj-lt"/>
+              </a:rPr>
+              <a:t>Gamma et al, </a:t>
+            </a:r>
+            <a:r>
+              <a:rPr lang="en-GB" i="1" dirty="0" smtClean="0">
+                <a:latin typeface="+mj-lt"/>
+              </a:rPr>
+              <a:t>Design Patterns</a:t>
+            </a:r>
+            <a:r>
+              <a:rPr lang="en-GB" dirty="0" smtClean="0">
+                <a:latin typeface="+mj-lt"/>
+              </a:rPr>
+              <a:t>, 1994</a:t>
+            </a:r>
+            <a:endParaRPr lang="en-GB" dirty="0" smtClean="0">
+              <a:latin typeface="+mj-lt"/>
+            </a:endParaRPr>
+          </a:p>
+          <a:p>
+            <a:r>
+              <a:rPr lang="en-GB" dirty="0">
+                <a:latin typeface="+mj-lt"/>
+                <a:hlinkClick r:id="rId2"/>
+              </a:rPr>
+              <a:t>https://</a:t>
+            </a:r>
+            <a:r>
+              <a:rPr lang="en-GB" dirty="0" smtClean="0">
+                <a:latin typeface="+mj-lt"/>
+                <a:hlinkClick r:id="rId2"/>
+              </a:rPr>
+              <a:t>github.com/crsdrw/patterns/tree/factory_method</a:t>
+            </a:r>
+            <a:endParaRPr lang="en-GB" dirty="0" smtClean="0">
+              <a:latin typeface="+mj-lt"/>
+            </a:endParaRPr>
           </a:p>
         </p:txBody>
       </p:sp>
     </p:spTree>
     <p:extLst>
       <p:ext uri="{BB962C8B-B14F-4D97-AF65-F5344CB8AC3E}">
-        <p14:creationId xmlns:p14="http://schemas.microsoft.com/office/powerpoint/2010/main" val="2491005361"/>
+        <p14:creationId xmlns:p14="http://schemas.microsoft.com/office/powerpoint/2010/main" val="1622377849"/>
       </p:ext>
     </p:extLst>
   </p:cSld>
@@ -3175,42 +3980,66 @@
           <a:lstStyle/>
           <a:p>
             <a:r>
-              <a:rPr lang="en-GB" dirty="0" smtClean="0"/>
+              <a:rPr lang="en-GB" dirty="0" smtClean="0">
+                <a:latin typeface="+mj-lt"/>
+              </a:rPr>
               <a:t>Intro to </a:t>
             </a:r>
             <a:r>
-              <a:rPr lang="en-GB" dirty="0" err="1" smtClean="0"/>
+              <a:rPr lang="en-GB" dirty="0" err="1" smtClean="0">
+                <a:latin typeface="+mj-lt"/>
+              </a:rPr>
               <a:t>PizzaStore</a:t>
             </a:r>
             <a:r>
-              <a:rPr lang="en-GB" dirty="0" smtClean="0"/>
-              <a:t> with simple static factory</a:t>
-            </a:r>
-          </a:p>
-          <a:p>
-            <a:r>
-              <a:rPr lang="en-GB" dirty="0" smtClean="0"/>
+              <a:rPr lang="en-GB" dirty="0" smtClean="0">
+                <a:latin typeface="+mj-lt"/>
+              </a:rPr>
+              <a:t> with simple (static) factory</a:t>
+            </a:r>
+          </a:p>
+          <a:p>
+            <a:r>
+              <a:rPr lang="en-GB" dirty="0" smtClean="0">
+                <a:latin typeface="+mj-lt"/>
+              </a:rPr>
               <a:t>Live demo introducing factory method pattern</a:t>
             </a:r>
           </a:p>
           <a:p>
             <a:r>
-              <a:rPr lang="en-GB" dirty="0" smtClean="0"/>
+              <a:rPr lang="en-GB" dirty="0" smtClean="0">
+                <a:latin typeface="+mj-lt"/>
+              </a:rPr>
               <a:t>Look at the definition of factory method pattern</a:t>
             </a:r>
           </a:p>
           <a:p>
             <a:r>
-              <a:rPr lang="en-GB" dirty="0" smtClean="0"/>
+              <a:rPr lang="en-GB" dirty="0" smtClean="0">
+                <a:latin typeface="+mj-lt"/>
+              </a:rPr>
+              <a:t>Applicability</a:t>
+            </a:r>
+          </a:p>
+          <a:p>
+            <a:r>
+              <a:rPr lang="en-GB" dirty="0" smtClean="0">
+                <a:latin typeface="+mj-lt"/>
+              </a:rPr>
               <a:t>Pros and cons</a:t>
             </a:r>
           </a:p>
           <a:p>
             <a:r>
-              <a:rPr lang="en-GB" dirty="0" smtClean="0"/>
+              <a:rPr lang="en-GB" dirty="0" smtClean="0">
+                <a:latin typeface="+mj-lt"/>
+              </a:rPr>
               <a:t>Differences vs Abstract Factory pattern</a:t>
             </a:r>
-            <a:endParaRPr lang="en-GB" dirty="0"/>
+            <a:endParaRPr lang="en-GB" dirty="0">
+              <a:latin typeface="+mj-lt"/>
+            </a:endParaRPr>
           </a:p>
         </p:txBody>
       </p:sp>
@@ -3224,6 +4053,13 @@
   <p:clrMapOvr>
     <a:masterClrMapping/>
   </p:clrMapOvr>
+  <p:timing>
+    <p:tnLst>
+      <p:par>
+        <p:cTn id="1" dur="indefinite" restart="never" nodeType="tmRoot"/>
+      </p:par>
+    </p:tnLst>
+  </p:timing>
 </p:sld>
 </file>
 
@@ -3260,49 +4096,43 @@
           <a:lstStyle/>
           <a:p>
             <a:r>
-              <a:rPr lang="en-GB" dirty="0" err="1" smtClean="0"/>
+              <a:rPr lang="en-GB" dirty="0" smtClean="0"/>
               <a:t>PizzaStore</a:t>
             </a:r>
             <a:endParaRPr lang="en-GB" dirty="0"/>
           </a:p>
         </p:txBody>
       </p:sp>
-      <p:sp>
-        <p:nvSpPr>
-          <p:cNvPr id="3" name="Content Placeholder 2"/>
-          <p:cNvSpPr>
-            <a:spLocks noGrp="1"/>
-          </p:cNvSpPr>
-          <p:nvPr>
-            <p:ph idx="1"/>
-          </p:nvPr>
-        </p:nvSpPr>
+      <p:pic>
+        <p:nvPicPr>
+          <p:cNvPr id="3" name="Picture 2"/>
+          <p:cNvPicPr>
+            <a:picLocks noChangeAspect="1"/>
+          </p:cNvPicPr>
+          <p:nvPr/>
+        </p:nvPicPr>
+        <p:blipFill>
+          <a:blip r:embed="rId3">
+            <a:extLst>
+              <a:ext uri="{28A0092B-C50C-407E-A947-70E740481C1C}">
+                <a14:useLocalDpi xmlns:a14="http://schemas.microsoft.com/office/drawing/2010/main" val="0"/>
+              </a:ext>
+            </a:extLst>
+          </a:blip>
+          <a:stretch>
+            <a:fillRect/>
+          </a:stretch>
+        </p:blipFill>
         <p:spPr>
           <a:xfrm>
-            <a:off x="838200" y="1825625"/>
-            <a:ext cx="10515600" cy="4351338"/>
+            <a:off x="1004177" y="1690688"/>
+            <a:ext cx="10183646" cy="4172532"/>
           </a:xfrm>
+          <a:prstGeom prst="rect">
+            <a:avLst/>
+          </a:prstGeom>
         </p:spPr>
-        <p:txBody>
-          <a:bodyPr/>
-          <a:lstStyle/>
-          <a:p>
-            <a:r>
-              <a:rPr lang="en-GB" dirty="0" smtClean="0"/>
-              <a:t>TODO UML</a:t>
-            </a:r>
-          </a:p>
-          <a:p>
-            <a:r>
-              <a:rPr lang="en-GB" dirty="0" smtClean="0"/>
-              <a:t>TODO picture of a pizza store</a:t>
-            </a:r>
-          </a:p>
-          <a:p>
-            <a:endParaRPr lang="en-GB" dirty="0"/>
-          </a:p>
-        </p:txBody>
-      </p:sp>
+      </p:pic>
     </p:spTree>
     <p:extLst>
       <p:ext uri="{BB962C8B-B14F-4D97-AF65-F5344CB8AC3E}">
@@ -3313,6 +4143,13 @@
   <p:clrMapOvr>
     <a:masterClrMapping/>
   </p:clrMapOvr>
+  <p:timing>
+    <p:tnLst>
+      <p:par>
+        <p:cTn id="1" dur="indefinite" restart="never" nodeType="tmRoot"/>
+      </p:par>
+    </p:tnLst>
+  </p:timing>
 </p:sld>
 </file>
 
@@ -3366,6 +4203,13 @@
   <p:clrMapOvr>
     <a:masterClrMapping/>
   </p:clrMapOvr>
+  <p:timing>
+    <p:tnLst>
+      <p:par>
+        <p:cTn id="1" dur="indefinite" restart="never" nodeType="tmRoot"/>
+      </p:par>
+    </p:tnLst>
+  </p:timing>
 </p:sld>
 </file>
 
@@ -3403,45 +4247,59 @@
           <a:p>
             <a:r>
               <a:rPr lang="en-GB" dirty="0" smtClean="0"/>
-              <a:t>Simple Static Factory</a:t>
+              <a:t>Factory Method Pattern - Example</a:t>
             </a:r>
             <a:endParaRPr lang="en-GB" dirty="0"/>
           </a:p>
         </p:txBody>
       </p:sp>
-      <p:sp>
-        <p:nvSpPr>
-          <p:cNvPr id="3" name="Content Placeholder 2"/>
-          <p:cNvSpPr>
-            <a:spLocks noGrp="1"/>
-          </p:cNvSpPr>
-          <p:nvPr>
-            <p:ph idx="1"/>
-          </p:nvPr>
-        </p:nvSpPr>
-        <p:spPr/>
-        <p:txBody>
-          <a:bodyPr/>
-          <a:lstStyle/>
-          <a:p>
-            <a:r>
-              <a:rPr lang="en-GB" smtClean="0"/>
-              <a:t>TODO UML</a:t>
-            </a:r>
-            <a:endParaRPr lang="en-GB"/>
-          </a:p>
-        </p:txBody>
-      </p:sp>
+      <p:pic>
+        <p:nvPicPr>
+          <p:cNvPr id="3" name="Picture 2"/>
+          <p:cNvPicPr>
+            <a:picLocks noChangeAspect="1"/>
+          </p:cNvPicPr>
+          <p:nvPr/>
+        </p:nvPicPr>
+        <p:blipFill>
+          <a:blip r:embed="rId2">
+            <a:extLst>
+              <a:ext uri="{28A0092B-C50C-407E-A947-70E740481C1C}">
+                <a14:useLocalDpi xmlns:a14="http://schemas.microsoft.com/office/drawing/2010/main" val="0"/>
+              </a:ext>
+            </a:extLst>
+          </a:blip>
+          <a:stretch>
+            <a:fillRect/>
+          </a:stretch>
+        </p:blipFill>
+        <p:spPr>
+          <a:xfrm>
+            <a:off x="961308" y="1420925"/>
+            <a:ext cx="10269383" cy="4887007"/>
+          </a:xfrm>
+          <a:prstGeom prst="rect">
+            <a:avLst/>
+          </a:prstGeom>
+        </p:spPr>
+      </p:pic>
     </p:spTree>
     <p:extLst>
       <p:ext uri="{BB962C8B-B14F-4D97-AF65-F5344CB8AC3E}">
-        <p14:creationId xmlns:p14="http://schemas.microsoft.com/office/powerpoint/2010/main" val="1406060608"/>
+        <p14:creationId xmlns:p14="http://schemas.microsoft.com/office/powerpoint/2010/main" val="2409698249"/>
       </p:ext>
     </p:extLst>
   </p:cSld>
   <p:clrMapOvr>
     <a:masterClrMapping/>
   </p:clrMapOvr>
+  <p:timing>
+    <p:tnLst>
+      <p:par>
+        <p:cTn id="1" dur="indefinite" restart="never" nodeType="tmRoot"/>
+      </p:par>
+    </p:tnLst>
+  </p:timing>
 </p:sld>
 </file>
 
@@ -3479,11 +4337,7 @@
           <a:p>
             <a:r>
               <a:rPr lang="en-GB" dirty="0" smtClean="0"/>
-              <a:t>Factory Method </a:t>
-            </a:r>
-            <a:r>
-              <a:rPr lang="en-GB" dirty="0" smtClean="0"/>
-              <a:t>Pattern Example</a:t>
+              <a:t>Factory Method Pattern - Defined</a:t>
             </a:r>
             <a:endParaRPr lang="en-GB" dirty="0"/>
           </a:p>
@@ -3491,37 +4345,85 @@
       </p:sp>
       <p:sp>
         <p:nvSpPr>
-          <p:cNvPr id="3" name="Content Placeholder 2"/>
-          <p:cNvSpPr>
-            <a:spLocks noGrp="1"/>
-          </p:cNvSpPr>
-          <p:nvPr>
-            <p:ph idx="1"/>
-          </p:nvPr>
-        </p:nvSpPr>
-        <p:spPr/>
-        <p:txBody>
-          <a:bodyPr/>
-          <a:lstStyle/>
-          <a:p>
-            <a:r>
-              <a:rPr lang="en-GB" dirty="0" smtClean="0"/>
-              <a:t>TODO UML</a:t>
-            </a:r>
-            <a:endParaRPr lang="en-GB" dirty="0"/>
-          </a:p>
-        </p:txBody>
-      </p:sp>
+          <p:cNvPr id="4" name="TextBox 3"/>
+          <p:cNvSpPr txBox="1"/>
+          <p:nvPr/>
+        </p:nvSpPr>
+        <p:spPr>
+          <a:xfrm>
+            <a:off x="838200" y="4849681"/>
+            <a:ext cx="10515600" cy="830997"/>
+          </a:xfrm>
+          <a:prstGeom prst="rect">
+            <a:avLst/>
+          </a:prstGeom>
+          <a:noFill/>
+        </p:spPr>
+        <p:txBody>
+          <a:bodyPr wrap="square" rtlCol="0">
+            <a:spAutoFit/>
+          </a:bodyPr>
+          <a:lstStyle/>
+          <a:p>
+            <a:r>
+              <a:rPr lang="en-GB" sz="2400" i="1" dirty="0" smtClean="0">
+                <a:latin typeface="+mj-lt"/>
+              </a:rPr>
+              <a:t>Defines an interface for creating an object, but lets subclasses decide which class to instantiate. Factory Method lets a class defer instantiation to subclasses.</a:t>
+            </a:r>
+            <a:endParaRPr lang="en-GB" sz="2400" i="1" dirty="0">
+              <a:latin typeface="+mj-lt"/>
+            </a:endParaRPr>
+          </a:p>
+        </p:txBody>
+      </p:sp>
+      <p:pic>
+        <p:nvPicPr>
+          <p:cNvPr id="3" name="Picture 2"/>
+          <p:cNvPicPr>
+            <a:picLocks noChangeAspect="1"/>
+          </p:cNvPicPr>
+          <p:nvPr/>
+        </p:nvPicPr>
+        <p:blipFill>
+          <a:blip r:embed="rId2">
+            <a:extLst>
+              <a:ext uri="{28A0092B-C50C-407E-A947-70E740481C1C}">
+                <a14:useLocalDpi xmlns:a14="http://schemas.microsoft.com/office/drawing/2010/main" val="0"/>
+              </a:ext>
+            </a:extLst>
+          </a:blip>
+          <a:stretch>
+            <a:fillRect/>
+          </a:stretch>
+        </p:blipFill>
+        <p:spPr>
+          <a:xfrm>
+            <a:off x="2275942" y="1690688"/>
+            <a:ext cx="7640116" cy="2638793"/>
+          </a:xfrm>
+          <a:prstGeom prst="rect">
+            <a:avLst/>
+          </a:prstGeom>
+        </p:spPr>
+      </p:pic>
     </p:spTree>
     <p:extLst>
       <p:ext uri="{BB962C8B-B14F-4D97-AF65-F5344CB8AC3E}">
-        <p14:creationId xmlns:p14="http://schemas.microsoft.com/office/powerpoint/2010/main" val="2409698249"/>
+        <p14:creationId xmlns:p14="http://schemas.microsoft.com/office/powerpoint/2010/main" val="958810761"/>
       </p:ext>
     </p:extLst>
   </p:cSld>
   <p:clrMapOvr>
     <a:masterClrMapping/>
   </p:clrMapOvr>
+  <p:timing>
+    <p:tnLst>
+      <p:par>
+        <p:cTn id="1" dur="indefinite" restart="never" nodeType="tmRoot"/>
+      </p:par>
+    </p:tnLst>
+  </p:timing>
 </p:sld>
 </file>
 
@@ -3559,7 +4461,7 @@
           <a:p>
             <a:r>
               <a:rPr lang="en-GB" dirty="0" smtClean="0"/>
-              <a:t>Factory Method Pattern Defined</a:t>
+              <a:t>Applicability</a:t>
             </a:r>
             <a:endParaRPr lang="en-GB" dirty="0"/>
           </a:p>
@@ -3581,23 +4483,42 @@
           <a:lstStyle/>
           <a:p>
             <a:r>
-              <a:rPr lang="en-GB" dirty="0" smtClean="0"/>
-              <a:t>TODO UML</a:t>
-            </a:r>
-            <a:endParaRPr lang="en-GB" dirty="0"/>
+              <a:rPr lang="en-GB" dirty="0" smtClean="0">
+                <a:latin typeface="+mj-lt"/>
+              </a:rPr>
+              <a:t>A class can’t anticipate the class of objects it must create.</a:t>
+            </a:r>
+          </a:p>
+          <a:p>
+            <a:r>
+              <a:rPr lang="en-GB" dirty="0" smtClean="0">
+                <a:latin typeface="+mj-lt"/>
+              </a:rPr>
+              <a:t>A class wants its subclasses to specify the objects it creates.</a:t>
+            </a:r>
+            <a:endParaRPr lang="en-GB" dirty="0">
+              <a:latin typeface="+mj-lt"/>
+            </a:endParaRPr>
           </a:p>
         </p:txBody>
       </p:sp>
     </p:spTree>
     <p:extLst>
       <p:ext uri="{BB962C8B-B14F-4D97-AF65-F5344CB8AC3E}">
-        <p14:creationId xmlns:p14="http://schemas.microsoft.com/office/powerpoint/2010/main" val="905341878"/>
+        <p14:creationId xmlns:p14="http://schemas.microsoft.com/office/powerpoint/2010/main" val="686579219"/>
       </p:ext>
     </p:extLst>
   </p:cSld>
   <p:clrMapOvr>
     <a:masterClrMapping/>
   </p:clrMapOvr>
+  <p:timing>
+    <p:tnLst>
+      <p:par>
+        <p:cTn id="1" dur="indefinite" restart="never" nodeType="tmRoot"/>
+      </p:par>
+    </p:tnLst>
+  </p:timing>
 </p:sld>
 </file>
 
@@ -3635,7 +4556,7 @@
           <a:p>
             <a:r>
               <a:rPr lang="en-GB" dirty="0" smtClean="0"/>
-              <a:t>Applicability</a:t>
+              <a:t>Consequences</a:t>
             </a:r>
             <a:endParaRPr lang="en-GB" dirty="0"/>
           </a:p>
@@ -3656,14 +4577,30 @@
           <a:bodyPr/>
           <a:lstStyle/>
           <a:p>
-            <a:endParaRPr lang="en-GB"/>
+            <a:r>
+              <a:rPr lang="en-GB" dirty="0" smtClean="0">
+                <a:latin typeface="+mj-lt"/>
+              </a:rPr>
+              <a:t>Provides hooks for subclasses</a:t>
+            </a:r>
+          </a:p>
+          <a:p>
+            <a:r>
+              <a:rPr lang="en-GB" dirty="0" smtClean="0">
+                <a:latin typeface="+mj-lt"/>
+              </a:rPr>
+              <a:t>Connects parallel class hierarchies</a:t>
+            </a:r>
+            <a:endParaRPr lang="en-GB" dirty="0">
+              <a:latin typeface="+mj-lt"/>
+            </a:endParaRPr>
           </a:p>
         </p:txBody>
       </p:sp>
     </p:spTree>
     <p:extLst>
       <p:ext uri="{BB962C8B-B14F-4D97-AF65-F5344CB8AC3E}">
-        <p14:creationId xmlns:p14="http://schemas.microsoft.com/office/powerpoint/2010/main" val="3173668914"/>
+        <p14:creationId xmlns:p14="http://schemas.microsoft.com/office/powerpoint/2010/main" val="1664738492"/>
       </p:ext>
     </p:extLst>
   </p:cSld>
@@ -3707,7 +4644,7 @@
           <a:p>
             <a:r>
               <a:rPr lang="en-GB" dirty="0" smtClean="0"/>
-              <a:t>Pros and Cons</a:t>
+              <a:t>Differences vs Abstract Factory Pattern</a:t>
             </a:r>
             <a:endParaRPr lang="en-GB" dirty="0"/>
           </a:p>
@@ -3728,18 +4665,46 @@
           <a:bodyPr/>
           <a:lstStyle/>
           <a:p>
-            <a:r>
-              <a:rPr lang="en-GB" dirty="0" smtClean="0"/>
-              <a:t>TODO</a:t>
-            </a:r>
-            <a:endParaRPr lang="en-GB" dirty="0"/>
+            <a:endParaRPr lang="en-GB" dirty="0" smtClean="0">
+              <a:latin typeface="+mj-lt"/>
+            </a:endParaRPr>
+          </a:p>
+          <a:p>
+            <a:r>
+              <a:rPr lang="en-GB" dirty="0" smtClean="0">
+                <a:latin typeface="+mj-lt"/>
+              </a:rPr>
+              <a:t>Abstract Factory creates a family of products</a:t>
+            </a:r>
+          </a:p>
+          <a:p>
+            <a:r>
+              <a:rPr lang="en-GB" dirty="0" smtClean="0">
+                <a:latin typeface="+mj-lt"/>
+              </a:rPr>
+              <a:t>Pattern refers to only one method rather than whole object</a:t>
+            </a:r>
+          </a:p>
+          <a:p>
+            <a:r>
+              <a:rPr lang="en-GB" dirty="0">
+                <a:latin typeface="+mj-lt"/>
+              </a:rPr>
+              <a:t>Class vs Object scope</a:t>
+            </a:r>
+            <a:r>
+              <a:rPr lang="en-GB" dirty="0" smtClean="0">
+                <a:latin typeface="+mj-lt"/>
+              </a:rPr>
+              <a:t>?</a:t>
+            </a:r>
           </a:p>
         </p:txBody>
       </p:sp>
     </p:spTree>
     <p:extLst>
       <p:ext uri="{BB962C8B-B14F-4D97-AF65-F5344CB8AC3E}">
-        <p14:creationId xmlns:p14="http://schemas.microsoft.com/office/powerpoint/2010/main" val="1664738492"/>
+        <p14:creationId xmlns:p14="http://schemas.microsoft.com/office/powerpoint/2010/main" val="2491005361"/>
       </p:ext>
     </p:extLst>
   </p:cSld>
@@ -4008,4 +4973,265 @@
     </a:ext>
   </a:extLst>
 </a:theme>
+</file>
+
+<file path=ppt/theme/theme2.xml><?xml version="1.0" encoding="utf-8"?>
+<a:theme xmlns:a="http://schemas.openxmlformats.org/drawingml/2006/main" name="Office Theme">
+  <a:themeElements>
+    <a:clrScheme name="Office">
+      <a:dk1>
+        <a:sysClr val="windowText" lastClr="000000"/>
+      </a:dk1>
+      <a:lt1>
+        <a:sysClr val="window" lastClr="FFFFFF"/>
+      </a:lt1>
+      <a:dk2>
+        <a:srgbClr val="44546A"/>
+      </a:dk2>
+      <a:lt2>
+        <a:srgbClr val="E7E6E6"/>
+      </a:lt2>
+      <a:accent1>
+        <a:srgbClr val="5B9BD5"/>
+      </a:accent1>
+      <a:accent2>
+        <a:srgbClr val="ED7D31"/>
+      </a:accent2>
+      <a:accent3>
+        <a:srgbClr val="A5A5A5"/>
+      </a:accent3>
+      <a:accent4>
+        <a:srgbClr val="FFC000"/>
+      </a:accent4>
+      <a:accent5>
+        <a:srgbClr val="4472C4"/>
+      </a:accent5>
+      <a:accent6>
+        <a:srgbClr val="70AD47"/>
+      </a:accent6>
+      <a:hlink>
+        <a:srgbClr val="0563C1"/>
+      </a:hlink>
+      <a:folHlink>
+        <a:srgbClr val="954F72"/>
+      </a:folHlink>
+    </a:clrScheme>
+    <a:fontScheme name="Office">
+      <a:majorFont>
+        <a:latin typeface="Calibri Light" panose="020F0302020204030204"/>
+        <a:ea typeface=""/>
+        <a:cs typeface=""/>
+        <a:font script="Jpan" typeface="ＭＳ Ｐゴシック"/>
+        <a:font script="Hang" typeface="맑은 고딕"/>
+        <a:font script="Hans" typeface="宋体"/>
+        <a:font script="Hant" typeface="新細明體"/>
+        <a:font script="Arab" typeface="Times New Roman"/>
+        <a:font script="Hebr" typeface="Times New Roman"/>
+        <a:font script="Thai" typeface="Angsana New"/>
+        <a:font script="Ethi" typeface="Nyala"/>
+        <a:font script="Beng" typeface="Vrinda"/>
+        <a:font script="Gujr" typeface="Shruti"/>
+        <a:font script="Khmr" typeface="MoolBoran"/>
+        <a:font script="Knda" typeface="Tunga"/>
+        <a:font script="Guru" typeface="Raavi"/>
+        <a:font script="Cans" typeface="Euphemia"/>
+        <a:font script="Cher" typeface="Plantagenet Cherokee"/>
+        <a:font script="Yiii" typeface="Microsoft Yi Baiti"/>
+        <a:font script="Tibt" typeface="Microsoft Himalaya"/>
+        <a:font script="Thaa" typeface="MV Boli"/>
+        <a:font script="Deva" typeface="Mangal"/>
+        <a:font script="Telu" typeface="Gautami"/>
+        <a:font script="Taml" typeface="Latha"/>
+        <a:font script="Syrc" typeface="Estrangelo Edessa"/>
+        <a:font script="Orya" typeface="Kalinga"/>
+        <a:font script="Mlym" typeface="Kartika"/>
+        <a:font script="Laoo" typeface="DokChampa"/>
+        <a:font script="Sinh" typeface="Iskoola Pota"/>
+        <a:font script="Mong" typeface="Mongolian Baiti"/>
+        <a:font script="Viet" typeface="Times New Roman"/>
+        <a:font script="Uigh" typeface="Microsoft Uighur"/>
+        <a:font script="Geor" typeface="Sylfaen"/>
+      </a:majorFont>
+      <a:minorFont>
+        <a:latin typeface="Calibri" panose="020F0502020204030204"/>
+        <a:ea typeface=""/>
+        <a:cs typeface=""/>
+        <a:font script="Jpan" typeface="ＭＳ Ｐゴシック"/>
+        <a:font script="Hang" typeface="맑은 고딕"/>
+        <a:font script="Hans" typeface="宋体"/>
+        <a:font script="Hant" typeface="新細明體"/>
+        <a:font script="Arab" typeface="Arial"/>
+        <a:font script="Hebr" typeface="Arial"/>
+        <a:font script="Thai" typeface="Cordia New"/>
+        <a:font script="Ethi" typeface="Nyala"/>
+        <a:font script="Beng" typeface="Vrinda"/>
+        <a:font script="Gujr" typeface="Shruti"/>
+        <a:font script="Khmr" typeface="DaunPenh"/>
+        <a:font script="Knda" typeface="Tunga"/>
+        <a:font script="Guru" typeface="Raavi"/>
+        <a:font script="Cans" typeface="Euphemia"/>
+        <a:font script="Cher" typeface="Plantagenet Cherokee"/>
+        <a:font script="Yiii" typeface="Microsoft Yi Baiti"/>
+        <a:font script="Tibt" typeface="Microsoft Himalaya"/>
+        <a:font script="Thaa" typeface="MV Boli"/>
+        <a:font script="Deva" typeface="Mangal"/>
+        <a:font script="Telu" typeface="Gautami"/>
+        <a:font script="Taml" typeface="Latha"/>
+        <a:font script="Syrc" typeface="Estrangelo Edessa"/>
+        <a:font script="Orya" typeface="Kalinga"/>
+        <a:font script="Mlym" typeface="Kartika"/>
+        <a:font script="Laoo" typeface="DokChampa"/>
+        <a:font script="Sinh" typeface="Iskoola Pota"/>
+        <a:font script="Mong" typeface="Mongolian Baiti"/>
+        <a:font script="Viet" typeface="Arial"/>
+        <a:font script="Uigh" typeface="Microsoft Uighur"/>
+        <a:font script="Geor" typeface="Sylfaen"/>
+      </a:minorFont>
+    </a:fontScheme>
+    <a:fmtScheme name="Office">
+      <a:fillStyleLst>
+        <a:solidFill>
+          <a:schemeClr val="phClr"/>
+        </a:solidFill>
+        <a:gradFill rotWithShape="1">
+          <a:gsLst>
+            <a:gs pos="0">
+              <a:schemeClr val="phClr">
+                <a:lumMod val="110000"/>
+                <a:satMod val="105000"/>
+                <a:tint val="67000"/>
+              </a:schemeClr>
+            </a:gs>
+            <a:gs pos="50000">
+              <a:schemeClr val="phClr">
+                <a:lumMod val="105000"/>
+                <a:satMod val="103000"/>
+                <a:tint val="73000"/>
+              </a:schemeClr>
+            </a:gs>
+            <a:gs pos="100000">
+              <a:schemeClr val="phClr">
+                <a:lumMod val="105000"/>
+                <a:satMod val="109000"/>
+                <a:tint val="81000"/>
+              </a:schemeClr>
+            </a:gs>
+          </a:gsLst>
+          <a:lin ang="5400000" scaled="0"/>
+        </a:gradFill>
+        <a:gradFill rotWithShape="1">
+          <a:gsLst>
+            <a:gs pos="0">
+              <a:schemeClr val="phClr">
+                <a:satMod val="103000"/>
+                <a:lumMod val="102000"/>
+                <a:tint val="94000"/>
+              </a:schemeClr>
+            </a:gs>
+            <a:gs pos="50000">
+              <a:schemeClr val="phClr">
+                <a:satMod val="110000"/>
+                <a:lumMod val="100000"/>
+                <a:shade val="100000"/>
+              </a:schemeClr>
+            </a:gs>
+            <a:gs pos="100000">
+              <a:schemeClr val="phClr">
+                <a:lumMod val="99000"/>
+                <a:satMod val="120000"/>
+                <a:shade val="78000"/>
+              </a:schemeClr>
+            </a:gs>
+          </a:gsLst>
+          <a:lin ang="5400000" scaled="0"/>
+        </a:gradFill>
+      </a:fillStyleLst>
+      <a:lnStyleLst>
+        <a:ln w="6350" cap="flat" cmpd="sng" algn="ctr">
+          <a:solidFill>
+            <a:schemeClr val="phClr"/>
+          </a:solidFill>
+          <a:prstDash val="solid"/>
+          <a:miter lim="800000"/>
+        </a:ln>
+        <a:ln w="12700" cap="flat" cmpd="sng" algn="ctr">
+          <a:solidFill>
+            <a:schemeClr val="phClr"/>
+          </a:solidFill>
+          <a:prstDash val="solid"/>
+          <a:miter lim="800000"/>
+        </a:ln>
+        <a:ln w="19050" cap="flat" cmpd="sng" algn="ctr">
+          <a:solidFill>
+            <a:schemeClr val="phClr"/>
+          </a:solidFill>
+          <a:prstDash val="solid"/>
+          <a:miter lim="800000"/>
+        </a:ln>
+      </a:lnStyleLst>
+      <a:effectStyleLst>
+        <a:effectStyle>
+          <a:effectLst/>
+        </a:effectStyle>
+        <a:effectStyle>
+          <a:effectLst/>
+        </a:effectStyle>
+        <a:effectStyle>
+          <a:effectLst>
+            <a:outerShdw blurRad="57150" dist="19050" dir="5400000" algn="ctr" rotWithShape="0">
+              <a:srgbClr val="000000">
+                <a:alpha val="63000"/>
+              </a:srgbClr>
+            </a:outerShdw>
+          </a:effectLst>
+        </a:effectStyle>
+      </a:effectStyleLst>
+      <a:bgFillStyleLst>
+        <a:solidFill>
+          <a:schemeClr val="phClr"/>
+        </a:solidFill>
+        <a:solidFill>
+          <a:schemeClr val="phClr">
+            <a:tint val="95000"/>
+            <a:satMod val="170000"/>
+          </a:schemeClr>
+        </a:solidFill>
+        <a:gradFill rotWithShape="1">
+          <a:gsLst>
+            <a:gs pos="0">
+              <a:schemeClr val="phClr">
+                <a:tint val="93000"/>
+                <a:satMod val="150000"/>
+                <a:shade val="98000"/>
+                <a:lumMod val="102000"/>
+              </a:schemeClr>
+            </a:gs>
+            <a:gs pos="50000">
+              <a:schemeClr val="phClr">
+                <a:tint val="98000"/>
+                <a:satMod val="130000"/>
+                <a:shade val="90000"/>
+                <a:lumMod val="103000"/>
+              </a:schemeClr>
+            </a:gs>
+            <a:gs pos="100000">
+              <a:schemeClr val="phClr">
+                <a:shade val="63000"/>
+                <a:satMod val="120000"/>
+              </a:schemeClr>
+            </a:gs>
+          </a:gsLst>
+          <a:lin ang="5400000" scaled="0"/>
+        </a:gradFill>
+      </a:bgFillStyleLst>
+    </a:fmtScheme>
+  </a:themeElements>
+  <a:objectDefaults/>
+  <a:extraClrSchemeLst/>
+  <a:extLst>
+    <a:ext uri="{05A4C25C-085E-4340-85A3-A5531E510DB2}">
+      <thm15:themeFamily xmlns:thm15="http://schemas.microsoft.com/office/thememl/2012/main" name="Office Theme" id="{62F939B6-93AF-4DB8-9C6B-D6C7DFDC589F}" vid="{4A3C46E8-61CC-4603-A589-7422A47A8E4A}"/>
+    </a:ext>
+  </a:extLst>
+</a:theme>
 </file>
--- a/Patterns/docs/Factory Method.pptx
+++ b/Patterns/docs/Factory Method.pptx
@@ -5,7 +5,7 @@
     <p:sldMasterId id="2147483648" r:id="rId1"/>
   </p:sldMasterIdLst>
   <p:notesMasterIdLst>
-    <p:notesMasterId r:id="rId12"/>
+    <p:notesMasterId r:id="rId13"/>
   </p:notesMasterIdLst>
   <p:sldIdLst>
     <p:sldId id="256" r:id="rId2"/>
@@ -16,8 +16,9 @@
     <p:sldId id="264" r:id="rId7"/>
     <p:sldId id="265" r:id="rId8"/>
     <p:sldId id="261" r:id="rId9"/>
-    <p:sldId id="262" r:id="rId10"/>
-    <p:sldId id="266" r:id="rId11"/>
+    <p:sldId id="267" r:id="rId10"/>
+    <p:sldId id="262" r:id="rId11"/>
+    <p:sldId id="266" r:id="rId12"/>
   </p:sldIdLst>
   <p:sldSz cx="12192000" cy="6858000"/>
   <p:notesSz cx="6858000" cy="9144000"/>
@@ -765,7 +766,21 @@
             </a:r>
             <a:r>
               <a:rPr lang="en-GB" baseline="0" dirty="0" smtClean="0"/>
-              <a:t> whole job is to create products.</a:t>
+              <a:t> whole job is to create products</a:t>
+            </a:r>
+            <a:r>
+              <a:rPr lang="en-GB" baseline="0" dirty="0" smtClean="0"/>
+              <a:t>.</a:t>
+            </a:r>
+          </a:p>
+          <a:p>
+            <a:r>
+              <a:rPr lang="en-GB" baseline="0" dirty="0" smtClean="0"/>
+              <a:t>People refer to Abstract Factory working through composition but Factory Method working through inheritance. I </a:t>
+            </a:r>
+            <a:r>
+              <a:rPr lang="en-GB" baseline="0" smtClean="0"/>
+              <a:t>don’t buy it.</a:t>
             </a:r>
             <a:endParaRPr lang="en-GB" dirty="0"/>
           </a:p>
@@ -788,7 +803,7 @@
           <a:p>
             <a:fld id="{E9305022-B285-49AC-82C4-3908CD71CB6E}" type="slidenum">
               <a:rPr lang="en-GB" smtClean="0"/>
-              <a:t>9</a:t>
+              <a:t>10</a:t>
             </a:fld>
             <a:endParaRPr lang="en-GB"/>
           </a:p>
@@ -3812,6 +3827,110 @@
           <a:p>
             <a:r>
               <a:rPr lang="en-GB" dirty="0" smtClean="0"/>
+              <a:t>Differences vs Abstract Factory Pattern</a:t>
+            </a:r>
+            <a:endParaRPr lang="en-GB" dirty="0"/>
+          </a:p>
+        </p:txBody>
+      </p:sp>
+      <p:sp>
+        <p:nvSpPr>
+          <p:cNvPr id="3" name="Content Placeholder 2"/>
+          <p:cNvSpPr>
+            <a:spLocks noGrp="1"/>
+          </p:cNvSpPr>
+          <p:nvPr>
+            <p:ph idx="1"/>
+          </p:nvPr>
+        </p:nvSpPr>
+        <p:spPr/>
+        <p:txBody>
+          <a:bodyPr/>
+          <a:lstStyle/>
+          <a:p>
+            <a:endParaRPr lang="en-GB" dirty="0" smtClean="0">
+              <a:latin typeface="+mj-lt"/>
+            </a:endParaRPr>
+          </a:p>
+          <a:p>
+            <a:r>
+              <a:rPr lang="en-GB" dirty="0" smtClean="0">
+                <a:latin typeface="+mj-lt"/>
+              </a:rPr>
+              <a:t>Abstract Factory creates a family of products</a:t>
+            </a:r>
+          </a:p>
+          <a:p>
+            <a:r>
+              <a:rPr lang="en-GB" dirty="0" smtClean="0">
+                <a:latin typeface="+mj-lt"/>
+              </a:rPr>
+              <a:t>Pattern refers to only one method rather than whole object</a:t>
+            </a:r>
+          </a:p>
+          <a:p>
+            <a:r>
+              <a:rPr lang="en-GB" dirty="0">
+                <a:latin typeface="+mj-lt"/>
+              </a:rPr>
+              <a:t>Class vs Object scope</a:t>
+            </a:r>
+            <a:r>
+              <a:rPr lang="en-GB" dirty="0" smtClean="0">
+                <a:latin typeface="+mj-lt"/>
+              </a:rPr>
+              <a:t>?</a:t>
+            </a:r>
+          </a:p>
+        </p:txBody>
+      </p:sp>
+    </p:spTree>
+    <p:extLst>
+      <p:ext uri="{BB962C8B-B14F-4D97-AF65-F5344CB8AC3E}">
+        <p14:creationId xmlns:p14="http://schemas.microsoft.com/office/powerpoint/2010/main" val="2491005361"/>
+      </p:ext>
+    </p:extLst>
+  </p:cSld>
+  <p:clrMapOvr>
+    <a:masterClrMapping/>
+  </p:clrMapOvr>
+</p:sld>
+</file>
+
+<file path=ppt/slides/slide11.xml><?xml version="1.0" encoding="utf-8"?>
+<p:sld xmlns:a="http://schemas.openxmlformats.org/drawingml/2006/main" xmlns:r="http://schemas.openxmlformats.org/officeDocument/2006/relationships" xmlns:p="http://schemas.openxmlformats.org/presentationml/2006/main">
+  <p:cSld>
+    <p:spTree>
+      <p:nvGrpSpPr>
+        <p:cNvPr id="1" name=""/>
+        <p:cNvGrpSpPr/>
+        <p:nvPr/>
+      </p:nvGrpSpPr>
+      <p:grpSpPr>
+        <a:xfrm>
+          <a:off x="0" y="0"/>
+          <a:ext cx="0" cy="0"/>
+          <a:chOff x="0" y="0"/>
+          <a:chExt cx="0" cy="0"/>
+        </a:xfrm>
+      </p:grpSpPr>
+      <p:sp>
+        <p:nvSpPr>
+          <p:cNvPr id="2" name="Title 1"/>
+          <p:cNvSpPr>
+            <a:spLocks noGrp="1"/>
+          </p:cNvSpPr>
+          <p:nvPr>
+            <p:ph type="title"/>
+          </p:nvPr>
+        </p:nvSpPr>
+        <p:spPr/>
+        <p:txBody>
+          <a:bodyPr/>
+          <a:lstStyle/>
+          <a:p>
+            <a:r>
+              <a:rPr lang="en-GB" dirty="0" smtClean="0"/>
               <a:t>References &amp; Links</a:t>
             </a:r>
             <a:endParaRPr lang="en-GB" dirty="0"/>
@@ -3843,19 +3962,7 @@
               <a:rPr lang="en-GB" i="1" dirty="0" smtClean="0">
                 <a:latin typeface="+mj-lt"/>
               </a:rPr>
-              <a:t>Head </a:t>
-            </a:r>
-            <a:r>
-              <a:rPr lang="en-GB" i="1" dirty="0" smtClean="0">
-                <a:latin typeface="+mj-lt"/>
-              </a:rPr>
-              <a:t>First Design </a:t>
-            </a:r>
-            <a:r>
-              <a:rPr lang="en-GB" i="1" dirty="0" smtClean="0">
-                <a:latin typeface="+mj-lt"/>
-              </a:rPr>
-              <a:t>Patterns</a:t>
+              <a:t>Head First Design Patterns</a:t>
             </a:r>
             <a:r>
               <a:rPr lang="en-GB" dirty="0" smtClean="0">
@@ -3886,9 +3993,6 @@
               </a:rPr>
               <a:t>, 1994</a:t>
             </a:r>
-            <a:endParaRPr lang="en-GB" dirty="0" smtClean="0">
-              <a:latin typeface="+mj-lt"/>
-            </a:endParaRPr>
           </a:p>
           <a:p>
             <a:r>
@@ -4644,67 +4748,46 @@
           <a:p>
             <a:r>
               <a:rPr lang="en-GB" dirty="0" smtClean="0"/>
-              <a:t>Differences vs Abstract Factory Pattern</a:t>
+              <a:t>Reminder Abstract Factory</a:t>
             </a:r>
             <a:endParaRPr lang="en-GB" dirty="0"/>
           </a:p>
         </p:txBody>
       </p:sp>
-      <p:sp>
-        <p:nvSpPr>
-          <p:cNvPr id="3" name="Content Placeholder 2"/>
-          <p:cNvSpPr>
-            <a:spLocks noGrp="1"/>
-          </p:cNvSpPr>
-          <p:nvPr>
-            <p:ph idx="1"/>
-          </p:nvPr>
-        </p:nvSpPr>
-        <p:spPr/>
-        <p:txBody>
-          <a:bodyPr/>
-          <a:lstStyle/>
-          <a:p>
-            <a:endParaRPr lang="en-GB" dirty="0" smtClean="0">
-              <a:latin typeface="+mj-lt"/>
-            </a:endParaRPr>
-          </a:p>
-          <a:p>
-            <a:r>
-              <a:rPr lang="en-GB" dirty="0" smtClean="0">
-                <a:latin typeface="+mj-lt"/>
-              </a:rPr>
-              <a:t>Abstract Factory creates a family of products</a:t>
-            </a:r>
-          </a:p>
-          <a:p>
-            <a:r>
-              <a:rPr lang="en-GB" dirty="0" smtClean="0">
-                <a:latin typeface="+mj-lt"/>
-              </a:rPr>
-              <a:t>Pattern refers to only one method rather than whole object</a:t>
-            </a:r>
-          </a:p>
-          <a:p>
-            <a:r>
-              <a:rPr lang="en-GB" dirty="0">
-                <a:latin typeface="+mj-lt"/>
-              </a:rPr>
-              <a:t>Class vs Object scope</a:t>
-            </a:r>
-            <a:r>
-              <a:rPr lang="en-GB" dirty="0" smtClean="0">
-                <a:latin typeface="+mj-lt"/>
-              </a:rPr>
-              <a:t>?</a:t>
-            </a:r>
-          </a:p>
-        </p:txBody>
-      </p:sp>
+      <p:pic>
+        <p:nvPicPr>
+          <p:cNvPr id="5" name="Picture 4"/>
+          <p:cNvPicPr>
+            <a:picLocks noChangeAspect="1"/>
+          </p:cNvPicPr>
+          <p:nvPr/>
+        </p:nvPicPr>
+        <p:blipFill>
+          <a:blip r:embed="rId2">
+            <a:extLst>
+              <a:ext uri="{28A0092B-C50C-407E-A947-70E740481C1C}">
+                <a14:useLocalDpi xmlns:a14="http://schemas.microsoft.com/office/drawing/2010/main" val="0"/>
+              </a:ext>
+            </a:extLst>
+          </a:blip>
+          <a:stretch>
+            <a:fillRect/>
+          </a:stretch>
+        </p:blipFill>
+        <p:spPr>
+          <a:xfrm>
+            <a:off x="942256" y="1690688"/>
+            <a:ext cx="10307488" cy="4401164"/>
+          </a:xfrm>
+          <a:prstGeom prst="rect">
+            <a:avLst/>
+          </a:prstGeom>
+        </p:spPr>
+      </p:pic>
     </p:spTree>
     <p:extLst>
       <p:ext uri="{BB962C8B-B14F-4D97-AF65-F5344CB8AC3E}">
-        <p14:creationId xmlns:p14="http://schemas.microsoft.com/office/powerpoint/2010/main" val="2491005361"/>
+        <p14:creationId xmlns:p14="http://schemas.microsoft.com/office/powerpoint/2010/main" val="533538022"/>
       </p:ext>
     </p:extLst>
   </p:cSld>

--- a/Patterns/docs/Factory Method.pptx
+++ b/Patterns/docs/Factory Method.pptx
@@ -5,7 +5,7 @@
     <p:sldMasterId id="2147483648" r:id="rId1"/>
   </p:sldMasterIdLst>
   <p:notesMasterIdLst>
-    <p:notesMasterId r:id="rId11"/>
+    <p:notesMasterId r:id="rId13"/>
   </p:notesMasterIdLst>
   <p:sldIdLst>
     <p:sldId id="256" r:id="rId2"/>
@@ -16,7 +16,9 @@
     <p:sldId id="264" r:id="rId7"/>
     <p:sldId id="265" r:id="rId8"/>
     <p:sldId id="261" r:id="rId9"/>
-    <p:sldId id="262" r:id="rId10"/>
+    <p:sldId id="267" r:id="rId10"/>
+    <p:sldId id="262" r:id="rId11"/>
+    <p:sldId id="266" r:id="rId12"/>
   </p:sldIdLst>
   <p:sldSz cx="12192000" cy="6858000"/>
   <p:notesSz cx="6858000" cy="9144000"/>
@@ -205,7 +207,7 @@
           <a:p>
             <a:fld id="{3719A91D-C916-4BC3-8AC6-4EE67F652176}" type="datetimeFigureOut">
               <a:rPr lang="en-GB" smtClean="0"/>
-              <a:t>13/07/2014</a:t>
+              <a:t>15/07/2014</a:t>
             </a:fld>
             <a:endParaRPr lang="en-GB"/>
           </a:p>
@@ -550,7 +552,7 @@
             </a:r>
             <a:r>
               <a:rPr lang="en-GB" baseline="0" dirty="0" smtClean="0"/>
-              <a:t> could be a static method</a:t>
+              <a:t> could be a static method or even a non-member function</a:t>
             </a:r>
           </a:p>
           <a:p>
@@ -585,6 +587,232 @@
     <p:extLst>
       <p:ext uri="{BB962C8B-B14F-4D97-AF65-F5344CB8AC3E}">
         <p14:creationId xmlns:p14="http://schemas.microsoft.com/office/powerpoint/2010/main" val="1996202582"/>
+      </p:ext>
+    </p:extLst>
+  </p:cSld>
+  <p:clrMapOvr>
+    <a:masterClrMapping/>
+  </p:clrMapOvr>
+</p:notes>
+</file>
+
+<file path=ppt/notesSlides/notesSlide2.xml><?xml version="1.0" encoding="utf-8"?>
+<p:notes xmlns:a="http://schemas.openxmlformats.org/drawingml/2006/main" xmlns:r="http://schemas.openxmlformats.org/officeDocument/2006/relationships" xmlns:p="http://schemas.openxmlformats.org/presentationml/2006/main">
+  <p:cSld>
+    <p:spTree>
+      <p:nvGrpSpPr>
+        <p:cNvPr id="1" name=""/>
+        <p:cNvGrpSpPr/>
+        <p:nvPr/>
+      </p:nvGrpSpPr>
+      <p:grpSpPr>
+        <a:xfrm>
+          <a:off x="0" y="0"/>
+          <a:ext cx="0" cy="0"/>
+          <a:chOff x="0" y="0"/>
+          <a:chExt cx="0" cy="0"/>
+        </a:xfrm>
+      </p:grpSpPr>
+      <p:sp>
+        <p:nvSpPr>
+          <p:cNvPr id="2" name="Slide Image Placeholder 1"/>
+          <p:cNvSpPr>
+            <a:spLocks noGrp="1" noRot="1" noChangeAspect="1"/>
+          </p:cNvSpPr>
+          <p:nvPr>
+            <p:ph type="sldImg"/>
+          </p:nvPr>
+        </p:nvSpPr>
+        <p:spPr/>
+      </p:sp>
+      <p:sp>
+        <p:nvSpPr>
+          <p:cNvPr id="3" name="Notes Placeholder 2"/>
+          <p:cNvSpPr>
+            <a:spLocks noGrp="1"/>
+          </p:cNvSpPr>
+          <p:nvPr>
+            <p:ph type="body" idx="1"/>
+          </p:nvPr>
+        </p:nvSpPr>
+        <p:spPr/>
+        <p:txBody>
+          <a:bodyPr/>
+          <a:lstStyle/>
+          <a:p>
+            <a:r>
+              <a:rPr lang="en-GB" dirty="0" err="1" smtClean="0"/>
+              <a:t>Concrete</a:t>
+            </a:r>
+            <a:r>
+              <a:rPr lang="en-GB" baseline="0" dirty="0" err="1" smtClean="0"/>
+              <a:t>Creator’s</a:t>
+            </a:r>
+            <a:r>
+              <a:rPr lang="en-GB" baseline="0" dirty="0" smtClean="0"/>
+              <a:t> could be used in more than one class, </a:t>
+            </a:r>
+            <a:r>
+              <a:rPr lang="en-GB" baseline="0" dirty="0" err="1" smtClean="0"/>
+              <a:t>e.g</a:t>
+            </a:r>
+            <a:r>
+              <a:rPr lang="en-GB" baseline="0" dirty="0" smtClean="0"/>
+              <a:t> a parallel class hierarchy to the creator </a:t>
+            </a:r>
+            <a:r>
+              <a:rPr lang="en-GB" baseline="0" dirty="0" err="1" smtClean="0"/>
+              <a:t>heirachy</a:t>
+            </a:r>
+            <a:r>
+              <a:rPr lang="en-GB" baseline="0" dirty="0" smtClean="0"/>
+              <a:t>, that want to use the Products</a:t>
+            </a:r>
+            <a:endParaRPr lang="en-GB" dirty="0"/>
+          </a:p>
+        </p:txBody>
+      </p:sp>
+      <p:sp>
+        <p:nvSpPr>
+          <p:cNvPr id="4" name="Slide Number Placeholder 3"/>
+          <p:cNvSpPr>
+            <a:spLocks noGrp="1"/>
+          </p:cNvSpPr>
+          <p:nvPr>
+            <p:ph type="sldNum" sz="quarter" idx="10"/>
+          </p:nvPr>
+        </p:nvSpPr>
+        <p:spPr/>
+        <p:txBody>
+          <a:bodyPr/>
+          <a:lstStyle/>
+          <a:p>
+            <a:fld id="{E9305022-B285-49AC-82C4-3908CD71CB6E}" type="slidenum">
+              <a:rPr lang="en-GB" smtClean="0"/>
+              <a:t>8</a:t>
+            </a:fld>
+            <a:endParaRPr lang="en-GB"/>
+          </a:p>
+        </p:txBody>
+      </p:sp>
+    </p:spTree>
+    <p:extLst>
+      <p:ext uri="{BB962C8B-B14F-4D97-AF65-F5344CB8AC3E}">
+        <p14:creationId xmlns:p14="http://schemas.microsoft.com/office/powerpoint/2010/main" val="2242186196"/>
+      </p:ext>
+    </p:extLst>
+  </p:cSld>
+  <p:clrMapOvr>
+    <a:masterClrMapping/>
+  </p:clrMapOvr>
+</p:notes>
+</file>
+
+<file path=ppt/notesSlides/notesSlide3.xml><?xml version="1.0" encoding="utf-8"?>
+<p:notes xmlns:a="http://schemas.openxmlformats.org/drawingml/2006/main" xmlns:r="http://schemas.openxmlformats.org/officeDocument/2006/relationships" xmlns:p="http://schemas.openxmlformats.org/presentationml/2006/main">
+  <p:cSld>
+    <p:spTree>
+      <p:nvGrpSpPr>
+        <p:cNvPr id="1" name=""/>
+        <p:cNvGrpSpPr/>
+        <p:nvPr/>
+      </p:nvGrpSpPr>
+      <p:grpSpPr>
+        <a:xfrm>
+          <a:off x="0" y="0"/>
+          <a:ext cx="0" cy="0"/>
+          <a:chOff x="0" y="0"/>
+          <a:chExt cx="0" cy="0"/>
+        </a:xfrm>
+      </p:grpSpPr>
+      <p:sp>
+        <p:nvSpPr>
+          <p:cNvPr id="2" name="Slide Image Placeholder 1"/>
+          <p:cNvSpPr>
+            <a:spLocks noGrp="1" noRot="1" noChangeAspect="1"/>
+          </p:cNvSpPr>
+          <p:nvPr>
+            <p:ph type="sldImg"/>
+          </p:nvPr>
+        </p:nvSpPr>
+        <p:spPr/>
+      </p:sp>
+      <p:sp>
+        <p:nvSpPr>
+          <p:cNvPr id="3" name="Notes Placeholder 2"/>
+          <p:cNvSpPr>
+            <a:spLocks noGrp="1"/>
+          </p:cNvSpPr>
+          <p:nvPr>
+            <p:ph type="body" idx="1"/>
+          </p:nvPr>
+        </p:nvSpPr>
+        <p:spPr/>
+        <p:txBody>
+          <a:bodyPr/>
+          <a:lstStyle/>
+          <a:p>
+            <a:r>
+              <a:rPr lang="en-GB" dirty="0" smtClean="0"/>
+              <a:t>In Factory Method Pattern,</a:t>
+            </a:r>
+            <a:r>
+              <a:rPr lang="en-GB" baseline="0" dirty="0" smtClean="0"/>
+              <a:t> the rest of the Creator class can do whatever it likes but in Abstract Factory pattern the </a:t>
+            </a:r>
+            <a:r>
+              <a:rPr lang="en-GB" baseline="0" dirty="0" err="1" smtClean="0"/>
+              <a:t>AbstractFactory’s</a:t>
+            </a:r>
+            <a:r>
+              <a:rPr lang="en-GB" baseline="0" dirty="0" smtClean="0"/>
+              <a:t> whole job is to create products</a:t>
+            </a:r>
+            <a:r>
+              <a:rPr lang="en-GB" baseline="0" dirty="0" smtClean="0"/>
+              <a:t>.</a:t>
+            </a:r>
+          </a:p>
+          <a:p>
+            <a:r>
+              <a:rPr lang="en-GB" baseline="0" dirty="0" smtClean="0"/>
+              <a:t>People refer to Abstract Factory working through composition but Factory Method working through inheritance. I </a:t>
+            </a:r>
+            <a:r>
+              <a:rPr lang="en-GB" baseline="0" smtClean="0"/>
+              <a:t>don’t buy it.</a:t>
+            </a:r>
+            <a:endParaRPr lang="en-GB" dirty="0"/>
+          </a:p>
+        </p:txBody>
+      </p:sp>
+      <p:sp>
+        <p:nvSpPr>
+          <p:cNvPr id="4" name="Slide Number Placeholder 3"/>
+          <p:cNvSpPr>
+            <a:spLocks noGrp="1"/>
+          </p:cNvSpPr>
+          <p:nvPr>
+            <p:ph type="sldNum" sz="quarter" idx="10"/>
+          </p:nvPr>
+        </p:nvSpPr>
+        <p:spPr/>
+        <p:txBody>
+          <a:bodyPr/>
+          <a:lstStyle/>
+          <a:p>
+            <a:fld id="{E9305022-B285-49AC-82C4-3908CD71CB6E}" type="slidenum">
+              <a:rPr lang="en-GB" smtClean="0"/>
+              <a:t>10</a:t>
+            </a:fld>
+            <a:endParaRPr lang="en-GB"/>
+          </a:p>
+        </p:txBody>
+      </p:sp>
+    </p:spTree>
+    <p:extLst>
+      <p:ext uri="{BB962C8B-B14F-4D97-AF65-F5344CB8AC3E}">
+        <p14:creationId xmlns:p14="http://schemas.microsoft.com/office/powerpoint/2010/main" val="3809330091"/>
       </p:ext>
     </p:extLst>
   </p:cSld>
@@ -725,7 +953,7 @@
           <a:p>
             <a:fld id="{8930E2FF-5471-4429-9B2F-C417631CDB23}" type="datetimeFigureOut">
               <a:rPr lang="en-GB" smtClean="0"/>
-              <a:t>13/07/2014</a:t>
+              <a:t>15/07/2014</a:t>
             </a:fld>
             <a:endParaRPr lang="en-GB"/>
           </a:p>
@@ -895,7 +1123,7 @@
           <a:p>
             <a:fld id="{8930E2FF-5471-4429-9B2F-C417631CDB23}" type="datetimeFigureOut">
               <a:rPr lang="en-GB" smtClean="0"/>
-              <a:t>13/07/2014</a:t>
+              <a:t>15/07/2014</a:t>
             </a:fld>
             <a:endParaRPr lang="en-GB"/>
           </a:p>
@@ -1075,7 +1303,7 @@
           <a:p>
             <a:fld id="{8930E2FF-5471-4429-9B2F-C417631CDB23}" type="datetimeFigureOut">
               <a:rPr lang="en-GB" smtClean="0"/>
-              <a:t>13/07/2014</a:t>
+              <a:t>15/07/2014</a:t>
             </a:fld>
             <a:endParaRPr lang="en-GB"/>
           </a:p>
@@ -1245,7 +1473,7 @@
           <a:p>
             <a:fld id="{8930E2FF-5471-4429-9B2F-C417631CDB23}" type="datetimeFigureOut">
               <a:rPr lang="en-GB" smtClean="0"/>
-              <a:t>13/07/2014</a:t>
+              <a:t>15/07/2014</a:t>
             </a:fld>
             <a:endParaRPr lang="en-GB"/>
           </a:p>
@@ -1491,7 +1719,7 @@
           <a:p>
             <a:fld id="{8930E2FF-5471-4429-9B2F-C417631CDB23}" type="datetimeFigureOut">
               <a:rPr lang="en-GB" smtClean="0"/>
-              <a:t>13/07/2014</a:t>
+              <a:t>15/07/2014</a:t>
             </a:fld>
             <a:endParaRPr lang="en-GB"/>
           </a:p>
@@ -1723,7 +1951,7 @@
           <a:p>
             <a:fld id="{8930E2FF-5471-4429-9B2F-C417631CDB23}" type="datetimeFigureOut">
               <a:rPr lang="en-GB" smtClean="0"/>
-              <a:t>13/07/2014</a:t>
+              <a:t>15/07/2014</a:t>
             </a:fld>
             <a:endParaRPr lang="en-GB"/>
           </a:p>
@@ -2090,7 +2318,7 @@
           <a:p>
             <a:fld id="{8930E2FF-5471-4429-9B2F-C417631CDB23}" type="datetimeFigureOut">
               <a:rPr lang="en-GB" smtClean="0"/>
-              <a:t>13/07/2014</a:t>
+              <a:t>15/07/2014</a:t>
             </a:fld>
             <a:endParaRPr lang="en-GB"/>
           </a:p>
@@ -2208,7 +2436,7 @@
           <a:p>
             <a:fld id="{8930E2FF-5471-4429-9B2F-C417631CDB23}" type="datetimeFigureOut">
               <a:rPr lang="en-GB" smtClean="0"/>
-              <a:t>13/07/2014</a:t>
+              <a:t>15/07/2014</a:t>
             </a:fld>
             <a:endParaRPr lang="en-GB"/>
           </a:p>
@@ -2303,7 +2531,7 @@
           <a:p>
             <a:fld id="{8930E2FF-5471-4429-9B2F-C417631CDB23}" type="datetimeFigureOut">
               <a:rPr lang="en-GB" smtClean="0"/>
-              <a:t>13/07/2014</a:t>
+              <a:t>15/07/2014</a:t>
             </a:fld>
             <a:endParaRPr lang="en-GB"/>
           </a:p>
@@ -2580,7 +2808,7 @@
           <a:p>
             <a:fld id="{8930E2FF-5471-4429-9B2F-C417631CDB23}" type="datetimeFigureOut">
               <a:rPr lang="en-GB" smtClean="0"/>
-              <a:t>13/07/2014</a:t>
+              <a:t>15/07/2014</a:t>
             </a:fld>
             <a:endParaRPr lang="en-GB"/>
           </a:p>
@@ -2833,7 +3061,7 @@
           <a:p>
             <a:fld id="{8930E2FF-5471-4429-9B2F-C417631CDB23}" type="datetimeFigureOut">
               <a:rPr lang="en-GB" smtClean="0"/>
-              <a:t>13/07/2014</a:t>
+              <a:t>15/07/2014</a:t>
             </a:fld>
             <a:endParaRPr lang="en-GB"/>
           </a:p>
@@ -3046,7 +3274,7 @@
           <a:p>
             <a:fld id="{8930E2FF-5471-4429-9B2F-C417631CDB23}" type="datetimeFigureOut">
               <a:rPr lang="en-GB" smtClean="0"/>
-              <a:t>13/07/2014</a:t>
+              <a:t>15/07/2014</a:t>
             </a:fld>
             <a:endParaRPr lang="en-GB"/>
           </a:p>
@@ -3490,10 +3718,58 @@
           <a:lstStyle/>
           <a:p>
             <a:r>
-              <a:rPr lang="en-GB" dirty="0" smtClean="0"/>
+              <a:rPr lang="en-GB" dirty="0" smtClean="0">
+                <a:latin typeface="+mj-lt"/>
+              </a:rPr>
               <a:t>Design Pattern</a:t>
             </a:r>
-            <a:endParaRPr lang="en-GB" dirty="0"/>
+          </a:p>
+          <a:p>
+            <a:r>
+              <a:rPr lang="en-GB" sz="1800" dirty="0" smtClean="0">
+                <a:solidFill>
+                  <a:schemeClr val="tx1">
+                    <a:lumMod val="50000"/>
+                    <a:lumOff val="50000"/>
+                  </a:schemeClr>
+                </a:solidFill>
+                <a:latin typeface="+mj-lt"/>
+              </a:rPr>
+              <a:t>Chris Drew 16</a:t>
+            </a:r>
+            <a:r>
+              <a:rPr lang="en-GB" sz="1800" baseline="30000" dirty="0" smtClean="0">
+                <a:solidFill>
+                  <a:schemeClr val="tx1">
+                    <a:lumMod val="50000"/>
+                    <a:lumOff val="50000"/>
+                  </a:schemeClr>
+                </a:solidFill>
+                <a:latin typeface="+mj-lt"/>
+              </a:rPr>
+              <a:t>th</a:t>
+            </a:r>
+            <a:r>
+              <a:rPr lang="en-GB" sz="1800" dirty="0" smtClean="0">
+                <a:solidFill>
+                  <a:schemeClr val="tx1">
+                    <a:lumMod val="50000"/>
+                    <a:lumOff val="50000"/>
+                  </a:schemeClr>
+                </a:solidFill>
+                <a:latin typeface="+mj-lt"/>
+              </a:rPr>
+              <a:t> July 2014</a:t>
+            </a:r>
+            <a:endParaRPr lang="en-GB" sz="1800" dirty="0">
+              <a:solidFill>
+                <a:schemeClr val="tx1">
+                  <a:lumMod val="50000"/>
+                  <a:lumOff val="50000"/>
+                </a:schemeClr>
+              </a:solidFill>
+              <a:latin typeface="+mj-lt"/>
+            </a:endParaRPr>
           </a:p>
         </p:txBody>
       </p:sp>
@@ -3517,6 +3793,241 @@
 </p:sld>
 </file>
 
+<file path=ppt/slides/slide10.xml><?xml version="1.0" encoding="utf-8"?>
+<p:sld xmlns:a="http://schemas.openxmlformats.org/drawingml/2006/main" xmlns:r="http://schemas.openxmlformats.org/officeDocument/2006/relationships" xmlns:p="http://schemas.openxmlformats.org/presentationml/2006/main">
+  <p:cSld>
+    <p:spTree>
+      <p:nvGrpSpPr>
+        <p:cNvPr id="1" name=""/>
+        <p:cNvGrpSpPr/>
+        <p:nvPr/>
+      </p:nvGrpSpPr>
+      <p:grpSpPr>
+        <a:xfrm>
+          <a:off x="0" y="0"/>
+          <a:ext cx="0" cy="0"/>
+          <a:chOff x="0" y="0"/>
+          <a:chExt cx="0" cy="0"/>
+        </a:xfrm>
+      </p:grpSpPr>
+      <p:sp>
+        <p:nvSpPr>
+          <p:cNvPr id="2" name="Title 1"/>
+          <p:cNvSpPr>
+            <a:spLocks noGrp="1"/>
+          </p:cNvSpPr>
+          <p:nvPr>
+            <p:ph type="title"/>
+          </p:nvPr>
+        </p:nvSpPr>
+        <p:spPr/>
+        <p:txBody>
+          <a:bodyPr/>
+          <a:lstStyle/>
+          <a:p>
+            <a:r>
+              <a:rPr lang="en-GB" dirty="0" smtClean="0"/>
+              <a:t>Differences vs Abstract Factory Pattern</a:t>
+            </a:r>
+            <a:endParaRPr lang="en-GB" dirty="0"/>
+          </a:p>
+        </p:txBody>
+      </p:sp>
+      <p:sp>
+        <p:nvSpPr>
+          <p:cNvPr id="3" name="Content Placeholder 2"/>
+          <p:cNvSpPr>
+            <a:spLocks noGrp="1"/>
+          </p:cNvSpPr>
+          <p:nvPr>
+            <p:ph idx="1"/>
+          </p:nvPr>
+        </p:nvSpPr>
+        <p:spPr/>
+        <p:txBody>
+          <a:bodyPr/>
+          <a:lstStyle/>
+          <a:p>
+            <a:endParaRPr lang="en-GB" dirty="0" smtClean="0">
+              <a:latin typeface="+mj-lt"/>
+            </a:endParaRPr>
+          </a:p>
+          <a:p>
+            <a:r>
+              <a:rPr lang="en-GB" dirty="0" smtClean="0">
+                <a:latin typeface="+mj-lt"/>
+              </a:rPr>
+              <a:t>Abstract Factory creates a family of products</a:t>
+            </a:r>
+          </a:p>
+          <a:p>
+            <a:r>
+              <a:rPr lang="en-GB" dirty="0" smtClean="0">
+                <a:latin typeface="+mj-lt"/>
+              </a:rPr>
+              <a:t>Pattern refers to only one method rather than whole object</a:t>
+            </a:r>
+          </a:p>
+          <a:p>
+            <a:r>
+              <a:rPr lang="en-GB" dirty="0">
+                <a:latin typeface="+mj-lt"/>
+              </a:rPr>
+              <a:t>Class vs Object scope</a:t>
+            </a:r>
+            <a:r>
+              <a:rPr lang="en-GB" dirty="0" smtClean="0">
+                <a:latin typeface="+mj-lt"/>
+              </a:rPr>
+              <a:t>?</a:t>
+            </a:r>
+          </a:p>
+        </p:txBody>
+      </p:sp>
+    </p:spTree>
+    <p:extLst>
+      <p:ext uri="{BB962C8B-B14F-4D97-AF65-F5344CB8AC3E}">
+        <p14:creationId xmlns:p14="http://schemas.microsoft.com/office/powerpoint/2010/main" val="2491005361"/>
+      </p:ext>
+    </p:extLst>
+  </p:cSld>
+  <p:clrMapOvr>
+    <a:masterClrMapping/>
+  </p:clrMapOvr>
+</p:sld>
+</file>
+
+<file path=ppt/slides/slide11.xml><?xml version="1.0" encoding="utf-8"?>
+<p:sld xmlns:a="http://schemas.openxmlformats.org/drawingml/2006/main" xmlns:r="http://schemas.openxmlformats.org/officeDocument/2006/relationships" xmlns:p="http://schemas.openxmlformats.org/presentationml/2006/main">
+  <p:cSld>
+    <p:spTree>
+      <p:nvGrpSpPr>
+        <p:cNvPr id="1" name=""/>
+        <p:cNvGrpSpPr/>
+        <p:nvPr/>
+      </p:nvGrpSpPr>
+      <p:grpSpPr>
+        <a:xfrm>
+          <a:off x="0" y="0"/>
+          <a:ext cx="0" cy="0"/>
+          <a:chOff x="0" y="0"/>
+          <a:chExt cx="0" cy="0"/>
+        </a:xfrm>
+      </p:grpSpPr>
+      <p:sp>
+        <p:nvSpPr>
+          <p:cNvPr id="2" name="Title 1"/>
+          <p:cNvSpPr>
+            <a:spLocks noGrp="1"/>
+          </p:cNvSpPr>
+          <p:nvPr>
+            <p:ph type="title"/>
+          </p:nvPr>
+        </p:nvSpPr>
+        <p:spPr/>
+        <p:txBody>
+          <a:bodyPr/>
+          <a:lstStyle/>
+          <a:p>
+            <a:r>
+              <a:rPr lang="en-GB" dirty="0" smtClean="0"/>
+              <a:t>References &amp; Links</a:t>
+            </a:r>
+            <a:endParaRPr lang="en-GB" dirty="0"/>
+          </a:p>
+        </p:txBody>
+      </p:sp>
+      <p:sp>
+        <p:nvSpPr>
+          <p:cNvPr id="3" name="Content Placeholder 2"/>
+          <p:cNvSpPr>
+            <a:spLocks noGrp="1"/>
+          </p:cNvSpPr>
+          <p:nvPr>
+            <p:ph idx="1"/>
+          </p:nvPr>
+        </p:nvSpPr>
+        <p:spPr/>
+        <p:txBody>
+          <a:bodyPr/>
+          <a:lstStyle/>
+          <a:p>
+            <a:r>
+              <a:rPr lang="en-GB" dirty="0" smtClean="0">
+                <a:latin typeface="+mj-lt"/>
+              </a:rPr>
+              <a:t>Eric and Elisabeth Freeman, </a:t>
+            </a:r>
+            <a:r>
+              <a:rPr lang="en-GB" i="1" dirty="0" smtClean="0">
+                <a:latin typeface="+mj-lt"/>
+              </a:rPr>
+              <a:t>Head First Design Patterns</a:t>
+            </a:r>
+            <a:r>
+              <a:rPr lang="en-GB" dirty="0" smtClean="0">
+                <a:latin typeface="+mj-lt"/>
+              </a:rPr>
+              <a:t>, 2004</a:t>
+            </a:r>
+            <a:endParaRPr lang="en-GB" i="1" dirty="0" smtClean="0">
+              <a:latin typeface="+mj-lt"/>
+            </a:endParaRPr>
+          </a:p>
+          <a:p>
+            <a:r>
+              <a:rPr lang="en-GB" dirty="0" smtClean="0">
+                <a:latin typeface="+mj-lt"/>
+              </a:rPr>
+              <a:t>Gamma et al, </a:t>
+            </a:r>
+            <a:r>
+              <a:rPr lang="en-GB" i="1" dirty="0" smtClean="0">
+                <a:latin typeface="+mj-lt"/>
+              </a:rPr>
+              <a:t>Design Patterns</a:t>
+            </a:r>
+            <a:r>
+              <a:rPr lang="en-GB" dirty="0" smtClean="0">
+                <a:latin typeface="+mj-lt"/>
+              </a:rPr>
+              <a:t>, 1994</a:t>
+            </a:r>
+          </a:p>
+          <a:p>
+            <a:r>
+              <a:rPr lang="en-GB" dirty="0">
+                <a:latin typeface="+mj-lt"/>
+                <a:hlinkClick r:id="rId2"/>
+              </a:rPr>
+              <a:t>https://</a:t>
+            </a:r>
+            <a:r>
+              <a:rPr lang="en-GB" dirty="0" smtClean="0">
+                <a:latin typeface="+mj-lt"/>
+                <a:hlinkClick r:id="rId2"/>
+              </a:rPr>
+              <a:t>github.com/crsdrw/patterns/tree/factory_method</a:t>
+            </a:r>
+            <a:endParaRPr lang="en-GB" dirty="0" smtClean="0">
+              <a:latin typeface="+mj-lt"/>
+            </a:endParaRPr>
+          </a:p>
+        </p:txBody>
+      </p:sp>
+    </p:spTree>
+    <p:extLst>
+      <p:ext uri="{BB962C8B-B14F-4D97-AF65-F5344CB8AC3E}">
+        <p14:creationId xmlns:p14="http://schemas.microsoft.com/office/powerpoint/2010/main" val="1622377849"/>
+      </p:ext>
+    </p:extLst>
+  </p:cSld>
+  <p:clrMapOvr>
+    <a:masterClrMapping/>
+  </p:clrMapOvr>
+</p:sld>
+</file>
+
 <file path=ppt/slides/slide2.xml><?xml version="1.0" encoding="utf-8"?>
 <p:sld xmlns:a="http://schemas.openxmlformats.org/drawingml/2006/main" xmlns:r="http://schemas.openxmlformats.org/officeDocument/2006/relationships" xmlns:p="http://schemas.openxmlformats.org/presentationml/2006/main">
   <p:cSld>
@@ -3573,42 +4084,66 @@
           <a:lstStyle/>
           <a:p>
             <a:r>
-              <a:rPr lang="en-GB" dirty="0" smtClean="0"/>
+              <a:rPr lang="en-GB" dirty="0" smtClean="0">
+                <a:latin typeface="+mj-lt"/>
+              </a:rPr>
               <a:t>Intro to </a:t>
             </a:r>
             <a:r>
-              <a:rPr lang="en-GB" dirty="0" err="1" smtClean="0"/>
+              <a:rPr lang="en-GB" dirty="0" err="1" smtClean="0">
+                <a:latin typeface="+mj-lt"/>
+              </a:rPr>
               <a:t>PizzaStore</a:t>
             </a:r>
             <a:r>
-              <a:rPr lang="en-GB" dirty="0" smtClean="0"/>
-              <a:t> with simple static factory</a:t>
-            </a:r>
-          </a:p>
-          <a:p>
-            <a:r>
-              <a:rPr lang="en-GB" dirty="0" smtClean="0"/>
+              <a:rPr lang="en-GB" dirty="0" smtClean="0">
+                <a:latin typeface="+mj-lt"/>
+              </a:rPr>
+              <a:t> with simple (static) factory</a:t>
+            </a:r>
+          </a:p>
+          <a:p>
+            <a:r>
+              <a:rPr lang="en-GB" dirty="0" smtClean="0">
+                <a:latin typeface="+mj-lt"/>
+              </a:rPr>
               <a:t>Live demo introducing factory method pattern</a:t>
             </a:r>
           </a:p>
           <a:p>
             <a:r>
-              <a:rPr lang="en-GB" dirty="0" smtClean="0"/>
+              <a:rPr lang="en-GB" dirty="0" smtClean="0">
+                <a:latin typeface="+mj-lt"/>
+              </a:rPr>
               <a:t>Look at the definition of factory method pattern</a:t>
             </a:r>
           </a:p>
           <a:p>
             <a:r>
-              <a:rPr lang="en-GB" dirty="0" smtClean="0"/>
+              <a:rPr lang="en-GB" dirty="0" smtClean="0">
+                <a:latin typeface="+mj-lt"/>
+              </a:rPr>
+              <a:t>Applicability</a:t>
+            </a:r>
+          </a:p>
+          <a:p>
+            <a:r>
+              <a:rPr lang="en-GB" dirty="0" smtClean="0">
+                <a:latin typeface="+mj-lt"/>
+              </a:rPr>
               <a:t>Pros and cons</a:t>
             </a:r>
           </a:p>
           <a:p>
             <a:r>
-              <a:rPr lang="en-GB" dirty="0" smtClean="0"/>
+              <a:rPr lang="en-GB" dirty="0" smtClean="0">
+                <a:latin typeface="+mj-lt"/>
+              </a:rPr>
               <a:t>Differences vs Abstract Factory pattern</a:t>
             </a:r>
-            <a:endParaRPr lang="en-GB" dirty="0"/>
+            <a:endParaRPr lang="en-GB" dirty="0">
+              <a:latin typeface="+mj-lt"/>
+            </a:endParaRPr>
           </a:p>
         </p:txBody>
       </p:sp>
@@ -3665,7 +4200,7 @@
           <a:lstStyle/>
           <a:p>
             <a:r>
-              <a:rPr lang="en-GB" dirty="0" err="1" smtClean="0"/>
+              <a:rPr lang="en-GB" dirty="0" smtClean="0"/>
               <a:t>PizzaStore</a:t>
             </a:r>
             <a:endParaRPr lang="en-GB" dirty="0"/>
@@ -3674,7 +4209,7 @@
       </p:sp>
       <p:pic>
         <p:nvPicPr>
-          <p:cNvPr id="12" name="Picture 11"/>
+          <p:cNvPr id="3" name="Picture 2"/>
           <p:cNvPicPr>
             <a:picLocks noChangeAspect="1"/>
           </p:cNvPicPr>
@@ -3694,8 +4229,8 @@
         </p:blipFill>
         <p:spPr>
           <a:xfrm>
-            <a:off x="999413" y="1690688"/>
-            <a:ext cx="10193173" cy="4458322"/>
+            <a:off x="1004177" y="1690688"/>
+            <a:ext cx="10183646" cy="4172532"/>
           </a:xfrm>
           <a:prstGeom prst="rect">
             <a:avLst/>
@@ -3816,11 +4351,7 @@
           <a:p>
             <a:r>
               <a:rPr lang="en-GB" dirty="0" smtClean="0"/>
-              <a:t>Factory Method Pattern </a:t>
-            </a:r>
-            <a:r>
-              <a:rPr lang="en-GB" dirty="0" smtClean="0"/>
-              <a:t>- Example</a:t>
+              <a:t>Factory Method Pattern - Example</a:t>
             </a:r>
             <a:endParaRPr lang="en-GB" dirty="0"/>
           </a:p>
@@ -3828,7 +4359,7 @@
       </p:sp>
       <p:pic>
         <p:nvPicPr>
-          <p:cNvPr id="7" name="Picture 6"/>
+          <p:cNvPr id="3" name="Picture 2"/>
           <p:cNvPicPr>
             <a:picLocks noChangeAspect="1"/>
           </p:cNvPicPr>
@@ -3848,8 +4379,8 @@
         </p:blipFill>
         <p:spPr>
           <a:xfrm>
-            <a:off x="1066800" y="1490663"/>
-            <a:ext cx="10058400" cy="4786604"/>
+            <a:off x="961308" y="1420925"/>
+            <a:ext cx="10269383" cy="4887007"/>
           </a:xfrm>
           <a:prstGeom prst="rect">
             <a:avLst/>
@@ -3910,16 +4441,76 @@
           <a:p>
             <a:r>
               <a:rPr lang="en-GB" dirty="0" smtClean="0"/>
-              <a:t>Factory Method Pattern </a:t>
-            </a:r>
-            <a:r>
-              <a:rPr lang="en-GB" dirty="0" smtClean="0"/>
-              <a:t>- Defined</a:t>
+              <a:t>Factory Method Pattern - Defined</a:t>
             </a:r>
             <a:endParaRPr lang="en-GB" dirty="0"/>
           </a:p>
         </p:txBody>
       </p:sp>
+      <p:sp>
+        <p:nvSpPr>
+          <p:cNvPr id="4" name="TextBox 3"/>
+          <p:cNvSpPr txBox="1"/>
+          <p:nvPr/>
+        </p:nvSpPr>
+        <p:spPr>
+          <a:xfrm>
+            <a:off x="838200" y="4849681"/>
+            <a:ext cx="10515600" cy="830997"/>
+          </a:xfrm>
+          <a:prstGeom prst="rect">
+            <a:avLst/>
+          </a:prstGeom>
+          <a:noFill/>
+        </p:spPr>
+        <p:txBody>
+          <a:bodyPr wrap="square" rtlCol="0">
+            <a:spAutoFit/>
+          </a:bodyPr>
+          <a:lstStyle/>
+          <a:p>
+            <a:r>
+              <a:rPr lang="en-GB" sz="2400" i="1" dirty="0" smtClean="0">
+                <a:latin typeface="+mj-lt"/>
+              </a:rPr>
+              <a:t>Defines an interface for creating an object, but lets subclasses decide which class to instantiate. Factory Method lets a class defer instantiation to subclasses.</a:t>
+            </a:r>
+            <a:endParaRPr lang="en-GB" sz="2400" i="1" dirty="0">
+              <a:latin typeface="+mj-lt"/>
+            </a:endParaRPr>
+          </a:p>
+        </p:txBody>
+      </p:sp>
+      <p:pic>
+        <p:nvPicPr>
+          <p:cNvPr id="3" name="Picture 2"/>
+          <p:cNvPicPr>
+            <a:picLocks noChangeAspect="1"/>
+          </p:cNvPicPr>
+          <p:nvPr/>
+        </p:nvPicPr>
+        <p:blipFill>
+          <a:blip r:embed="rId2">
+            <a:extLst>
+              <a:ext uri="{28A0092B-C50C-407E-A947-70E740481C1C}">
+                <a14:useLocalDpi xmlns:a14="http://schemas.microsoft.com/office/drawing/2010/main" val="0"/>
+              </a:ext>
+            </a:extLst>
+          </a:blip>
+          <a:stretch>
+            <a:fillRect/>
+          </a:stretch>
+        </p:blipFill>
+        <p:spPr>
+          <a:xfrm>
+            <a:off x="2275942" y="1690688"/>
+            <a:ext cx="7640116" cy="2638793"/>
+          </a:xfrm>
+          <a:prstGeom prst="rect">
+            <a:avLst/>
+          </a:prstGeom>
+        </p:spPr>
+      </p:pic>
     </p:spTree>
     <p:extLst>
       <p:ext uri="{BB962C8B-B14F-4D97-AF65-F5344CB8AC3E}">
@@ -3995,7 +4586,23 @@
           <a:bodyPr/>
           <a:lstStyle/>
           <a:p>
-            <a:endParaRPr lang="en-GB"/>
+            <a:r>
+              <a:rPr lang="en-GB" dirty="0" smtClean="0">
+                <a:latin typeface="+mj-lt"/>
+              </a:rPr>
+              <a:t>A class can’t anticipate the class of objects it must create.</a:t>
+            </a:r>
+          </a:p>
+          <a:p>
+            <a:r>
+              <a:rPr lang="en-GB" dirty="0" smtClean="0">
+                <a:latin typeface="+mj-lt"/>
+              </a:rPr>
+              <a:t>A class wants its subclasses to specify the objects it creates.</a:t>
+            </a:r>
+            <a:endParaRPr lang="en-GB" dirty="0">
+              <a:latin typeface="+mj-lt"/>
+            </a:endParaRPr>
           </a:p>
         </p:txBody>
       </p:sp>
@@ -4009,6 +4616,13 @@
   <p:clrMapOvr>
     <a:masterClrMapping/>
   </p:clrMapOvr>
+  <p:timing>
+    <p:tnLst>
+      <p:par>
+        <p:cTn id="1" dur="indefinite" restart="never" nodeType="tmRoot"/>
+      </p:par>
+    </p:tnLst>
+  </p:timing>
 </p:sld>
 </file>
 
@@ -4046,7 +4660,7 @@
           <a:p>
             <a:r>
               <a:rPr lang="en-GB" dirty="0" smtClean="0"/>
-              <a:t>Pros and Cons</a:t>
+              <a:t>Consequences</a:t>
             </a:r>
             <a:endParaRPr lang="en-GB" dirty="0"/>
           </a:p>
@@ -4068,10 +4682,22 @@
           <a:lstStyle/>
           <a:p>
             <a:r>
-              <a:rPr lang="en-GB" dirty="0" smtClean="0"/>
-              <a:t>TODO</a:t>
-            </a:r>
-            <a:endParaRPr lang="en-GB" dirty="0"/>
+              <a:rPr lang="en-GB" dirty="0" smtClean="0">
+                <a:latin typeface="+mj-lt"/>
+              </a:rPr>
+              <a:t>Provides hooks for subclasses</a:t>
+            </a:r>
+          </a:p>
+          <a:p>
+            <a:r>
+              <a:rPr lang="en-GB" dirty="0" smtClean="0">
+                <a:latin typeface="+mj-lt"/>
+              </a:rPr>
+              <a:t>Connects parallel class hierarchies</a:t>
+            </a:r>
+            <a:endParaRPr lang="en-GB" dirty="0">
+              <a:latin typeface="+mj-lt"/>
+            </a:endParaRPr>
           </a:p>
         </p:txBody>
       </p:sp>
@@ -4122,53 +4748,46 @@
           <a:p>
             <a:r>
               <a:rPr lang="en-GB" dirty="0" smtClean="0"/>
-              <a:t>Differences vs Abstract Factory Pattern</a:t>
+              <a:t>Reminder Abstract Factory</a:t>
             </a:r>
             <a:endParaRPr lang="en-GB" dirty="0"/>
           </a:p>
         </p:txBody>
       </p:sp>
-      <p:sp>
-        <p:nvSpPr>
-          <p:cNvPr id="3" name="Content Placeholder 2"/>
-          <p:cNvSpPr>
-            <a:spLocks noGrp="1"/>
-          </p:cNvSpPr>
-          <p:nvPr>
-            <p:ph idx="1"/>
-          </p:nvPr>
-        </p:nvSpPr>
-        <p:spPr/>
-        <p:txBody>
-          <a:bodyPr/>
-          <a:lstStyle/>
-          <a:p>
-            <a:r>
-              <a:rPr lang="en-GB" dirty="0" smtClean="0"/>
-              <a:t>TODO Class vs Object</a:t>
-            </a:r>
-          </a:p>
-          <a:p>
-            <a:r>
-              <a:rPr lang="en-GB" dirty="0" smtClean="0"/>
-              <a:t>TODO </a:t>
-            </a:r>
-            <a:r>
-              <a:rPr lang="en-GB" smtClean="0"/>
-              <a:t>Pattern is only </a:t>
-            </a:r>
-            <a:r>
-              <a:rPr lang="en-GB" dirty="0" smtClean="0"/>
-              <a:t>one method rather than whole</a:t>
-            </a:r>
-            <a:endParaRPr lang="en-GB" dirty="0"/>
-          </a:p>
-        </p:txBody>
-      </p:sp>
+      <p:pic>
+        <p:nvPicPr>
+          <p:cNvPr id="5" name="Picture 4"/>
+          <p:cNvPicPr>
+            <a:picLocks noChangeAspect="1"/>
+          </p:cNvPicPr>
+          <p:nvPr/>
+        </p:nvPicPr>
+        <p:blipFill>
+          <a:blip r:embed="rId2">
+            <a:extLst>
+              <a:ext uri="{28A0092B-C50C-407E-A947-70E740481C1C}">
+                <a14:useLocalDpi xmlns:a14="http://schemas.microsoft.com/office/drawing/2010/main" val="0"/>
+              </a:ext>
+            </a:extLst>
+          </a:blip>
+          <a:stretch>
+            <a:fillRect/>
+          </a:stretch>
+        </p:blipFill>
+        <p:spPr>
+          <a:xfrm>
+            <a:off x="942256" y="1690688"/>
+            <a:ext cx="10307488" cy="4401164"/>
+          </a:xfrm>
+          <a:prstGeom prst="rect">
+            <a:avLst/>
+          </a:prstGeom>
+        </p:spPr>
+      </p:pic>
     </p:spTree>
     <p:extLst>
       <p:ext uri="{BB962C8B-B14F-4D97-AF65-F5344CB8AC3E}">
-        <p14:creationId xmlns:p14="http://schemas.microsoft.com/office/powerpoint/2010/main" val="2491005361"/>
+        <p14:creationId xmlns:p14="http://schemas.microsoft.com/office/powerpoint/2010/main" val="533538022"/>
       </p:ext>
     </p:extLst>
   </p:cSld>

--- a/Patterns/docs/Factory Method.pptx
+++ b/Patterns/docs/Factory Method.pptx
@@ -207,7 +207,7 @@
           <a:p>
             <a:fld id="{3719A91D-C916-4BC3-8AC6-4EE67F652176}" type="datetimeFigureOut">
               <a:rPr lang="en-GB" smtClean="0"/>
-              <a:t>15/07/2014</a:t>
+              <a:t>16/07/2014</a:t>
             </a:fld>
             <a:endParaRPr lang="en-GB"/>
           </a:p>
@@ -766,11 +766,7 @@
             </a:r>
             <a:r>
               <a:rPr lang="en-GB" baseline="0" dirty="0" smtClean="0"/>
-              <a:t> whole job is to create products</a:t>
-            </a:r>
-            <a:r>
-              <a:rPr lang="en-GB" baseline="0" dirty="0" smtClean="0"/>
-              <a:t>.</a:t>
+              <a:t> whole job is to create products.</a:t>
             </a:r>
           </a:p>
           <a:p>
@@ -953,7 +949,7 @@
           <a:p>
             <a:fld id="{8930E2FF-5471-4429-9B2F-C417631CDB23}" type="datetimeFigureOut">
               <a:rPr lang="en-GB" smtClean="0"/>
-              <a:t>15/07/2014</a:t>
+              <a:t>16/07/2014</a:t>
             </a:fld>
             <a:endParaRPr lang="en-GB"/>
           </a:p>
@@ -1123,7 +1119,7 @@
           <a:p>
             <a:fld id="{8930E2FF-5471-4429-9B2F-C417631CDB23}" type="datetimeFigureOut">
               <a:rPr lang="en-GB" smtClean="0"/>
-              <a:t>15/07/2014</a:t>
+              <a:t>16/07/2014</a:t>
             </a:fld>
             <a:endParaRPr lang="en-GB"/>
           </a:p>
@@ -1303,7 +1299,7 @@
           <a:p>
             <a:fld id="{8930E2FF-5471-4429-9B2F-C417631CDB23}" type="datetimeFigureOut">
               <a:rPr lang="en-GB" smtClean="0"/>
-              <a:t>15/07/2014</a:t>
+              <a:t>16/07/2014</a:t>
             </a:fld>
             <a:endParaRPr lang="en-GB"/>
           </a:p>
@@ -1473,7 +1469,7 @@
           <a:p>
             <a:fld id="{8930E2FF-5471-4429-9B2F-C417631CDB23}" type="datetimeFigureOut">
               <a:rPr lang="en-GB" smtClean="0"/>
-              <a:t>15/07/2014</a:t>
+              <a:t>16/07/2014</a:t>
             </a:fld>
             <a:endParaRPr lang="en-GB"/>
           </a:p>
@@ -1719,7 +1715,7 @@
           <a:p>
             <a:fld id="{8930E2FF-5471-4429-9B2F-C417631CDB23}" type="datetimeFigureOut">
               <a:rPr lang="en-GB" smtClean="0"/>
-              <a:t>15/07/2014</a:t>
+              <a:t>16/07/2014</a:t>
             </a:fld>
             <a:endParaRPr lang="en-GB"/>
           </a:p>
@@ -1951,7 +1947,7 @@
           <a:p>
             <a:fld id="{8930E2FF-5471-4429-9B2F-C417631CDB23}" type="datetimeFigureOut">
               <a:rPr lang="en-GB" smtClean="0"/>
-              <a:t>15/07/2014</a:t>
+              <a:t>16/07/2014</a:t>
             </a:fld>
             <a:endParaRPr lang="en-GB"/>
           </a:p>
@@ -2318,7 +2314,7 @@
           <a:p>
             <a:fld id="{8930E2FF-5471-4429-9B2F-C417631CDB23}" type="datetimeFigureOut">
               <a:rPr lang="en-GB" smtClean="0"/>
-              <a:t>15/07/2014</a:t>
+              <a:t>16/07/2014</a:t>
             </a:fld>
             <a:endParaRPr lang="en-GB"/>
           </a:p>
@@ -2436,7 +2432,7 @@
           <a:p>
             <a:fld id="{8930E2FF-5471-4429-9B2F-C417631CDB23}" type="datetimeFigureOut">
               <a:rPr lang="en-GB" smtClean="0"/>
-              <a:t>15/07/2014</a:t>
+              <a:t>16/07/2014</a:t>
             </a:fld>
             <a:endParaRPr lang="en-GB"/>
           </a:p>
@@ -2531,7 +2527,7 @@
           <a:p>
             <a:fld id="{8930E2FF-5471-4429-9B2F-C417631CDB23}" type="datetimeFigureOut">
               <a:rPr lang="en-GB" smtClean="0"/>
-              <a:t>15/07/2014</a:t>
+              <a:t>16/07/2014</a:t>
             </a:fld>
             <a:endParaRPr lang="en-GB"/>
           </a:p>
@@ -2808,7 +2804,7 @@
           <a:p>
             <a:fld id="{8930E2FF-5471-4429-9B2F-C417631CDB23}" type="datetimeFigureOut">
               <a:rPr lang="en-GB" smtClean="0"/>
-              <a:t>15/07/2014</a:t>
+              <a:t>16/07/2014</a:t>
             </a:fld>
             <a:endParaRPr lang="en-GB"/>
           </a:p>
@@ -3061,7 +3057,7 @@
           <a:p>
             <a:fld id="{8930E2FF-5471-4429-9B2F-C417631CDB23}" type="datetimeFigureOut">
               <a:rPr lang="en-GB" smtClean="0"/>
-              <a:t>15/07/2014</a:t>
+              <a:t>16/07/2014</a:t>
             </a:fld>
             <a:endParaRPr lang="en-GB"/>
           </a:p>
@@ -3274,7 +3270,7 @@
           <a:p>
             <a:fld id="{8930E2FF-5471-4429-9B2F-C417631CDB23}" type="datetimeFigureOut">
               <a:rPr lang="en-GB" smtClean="0"/>
-              <a:t>15/07/2014</a:t>
+              <a:t>16/07/2014</a:t>
             </a:fld>
             <a:endParaRPr lang="en-GB"/>
           </a:p>
@@ -4131,8 +4127,11 @@
               <a:rPr lang="en-GB" dirty="0" smtClean="0">
                 <a:latin typeface="+mj-lt"/>
               </a:rPr>
-              <a:t>Pros and cons</a:t>
-            </a:r>
+              <a:t>Consequences</a:t>
+            </a:r>
+            <a:endParaRPr lang="en-GB" dirty="0" smtClean="0">
+              <a:latin typeface="+mj-lt"/>
+            </a:endParaRPr>
           </a:p>
           <a:p>
             <a:r>
